--- a/ASIC project.pptx
+++ b/ASIC project.pptx
@@ -2,18 +2,24 @@
 <file path=ppt/presentation.xml><?xml version="1.0" encoding="utf-8"?>
 <p:presentation xmlns:a="http://schemas.openxmlformats.org/drawingml/2006/main" xmlns:r="http://schemas.openxmlformats.org/officeDocument/2006/relationships" xmlns:p="http://schemas.openxmlformats.org/presentationml/2006/main" saveSubsetFonts="1">
   <p:sldMasterIdLst>
-    <p:sldMasterId id="2147483648" r:id="rId1"/>
+    <p:sldMasterId id="2147483711" r:id="rId1"/>
   </p:sldMasterIdLst>
   <p:sldIdLst>
     <p:sldId id="256" r:id="rId2"/>
+    <p:sldId id="258" r:id="rId3"/>
+    <p:sldId id="257" r:id="rId4"/>
+    <p:sldId id="259" r:id="rId5"/>
+    <p:sldId id="260" r:id="rId6"/>
+    <p:sldId id="261" r:id="rId7"/>
+    <p:sldId id="262" r:id="rId8"/>
   </p:sldIdLst>
   <p:sldSz cx="12192000" cy="6858000"/>
   <p:notesSz cx="6858000" cy="9144000"/>
   <p:defaultTextStyle>
     <a:defPPr>
-      <a:defRPr lang="fr-FR"/>
+      <a:defRPr lang="en-US"/>
     </a:defPPr>
-    <a:lvl1pPr marL="0" algn="l" defTabSz="914400" rtl="0" eaLnBrk="1" latinLnBrk="0" hangingPunct="1">
+    <a:lvl1pPr marL="0" algn="l" defTabSz="457200" rtl="0" eaLnBrk="1" latinLnBrk="0" hangingPunct="1">
       <a:defRPr sz="1800" kern="1200">
         <a:solidFill>
           <a:schemeClr val="tx1"/>
@@ -23,7 +29,7 @@
         <a:cs typeface="+mn-cs"/>
       </a:defRPr>
     </a:lvl1pPr>
-    <a:lvl2pPr marL="457200" algn="l" defTabSz="914400" rtl="0" eaLnBrk="1" latinLnBrk="0" hangingPunct="1">
+    <a:lvl2pPr marL="457200" algn="l" defTabSz="457200" rtl="0" eaLnBrk="1" latinLnBrk="0" hangingPunct="1">
       <a:defRPr sz="1800" kern="1200">
         <a:solidFill>
           <a:schemeClr val="tx1"/>
@@ -33,7 +39,7 @@
         <a:cs typeface="+mn-cs"/>
       </a:defRPr>
     </a:lvl2pPr>
-    <a:lvl3pPr marL="914400" algn="l" defTabSz="914400" rtl="0" eaLnBrk="1" latinLnBrk="0" hangingPunct="1">
+    <a:lvl3pPr marL="914400" algn="l" defTabSz="457200" rtl="0" eaLnBrk="1" latinLnBrk="0" hangingPunct="1">
       <a:defRPr sz="1800" kern="1200">
         <a:solidFill>
           <a:schemeClr val="tx1"/>
@@ -43,7 +49,7 @@
         <a:cs typeface="+mn-cs"/>
       </a:defRPr>
     </a:lvl3pPr>
-    <a:lvl4pPr marL="1371600" algn="l" defTabSz="914400" rtl="0" eaLnBrk="1" latinLnBrk="0" hangingPunct="1">
+    <a:lvl4pPr marL="1371600" algn="l" defTabSz="457200" rtl="0" eaLnBrk="1" latinLnBrk="0" hangingPunct="1">
       <a:defRPr sz="1800" kern="1200">
         <a:solidFill>
           <a:schemeClr val="tx1"/>
@@ -53,7 +59,7 @@
         <a:cs typeface="+mn-cs"/>
       </a:defRPr>
     </a:lvl4pPr>
-    <a:lvl5pPr marL="1828800" algn="l" defTabSz="914400" rtl="0" eaLnBrk="1" latinLnBrk="0" hangingPunct="1">
+    <a:lvl5pPr marL="1828800" algn="l" defTabSz="457200" rtl="0" eaLnBrk="1" latinLnBrk="0" hangingPunct="1">
       <a:defRPr sz="1800" kern="1200">
         <a:solidFill>
           <a:schemeClr val="tx1"/>
@@ -63,7 +69,7 @@
         <a:cs typeface="+mn-cs"/>
       </a:defRPr>
     </a:lvl5pPr>
-    <a:lvl6pPr marL="2286000" algn="l" defTabSz="914400" rtl="0" eaLnBrk="1" latinLnBrk="0" hangingPunct="1">
+    <a:lvl6pPr marL="2286000" algn="l" defTabSz="457200" rtl="0" eaLnBrk="1" latinLnBrk="0" hangingPunct="1">
       <a:defRPr sz="1800" kern="1200">
         <a:solidFill>
           <a:schemeClr val="tx1"/>
@@ -73,7 +79,7 @@
         <a:cs typeface="+mn-cs"/>
       </a:defRPr>
     </a:lvl6pPr>
-    <a:lvl7pPr marL="2743200" algn="l" defTabSz="914400" rtl="0" eaLnBrk="1" latinLnBrk="0" hangingPunct="1">
+    <a:lvl7pPr marL="2743200" algn="l" defTabSz="457200" rtl="0" eaLnBrk="1" latinLnBrk="0" hangingPunct="1">
       <a:defRPr sz="1800" kern="1200">
         <a:solidFill>
           <a:schemeClr val="tx1"/>
@@ -83,7 +89,7 @@
         <a:cs typeface="+mn-cs"/>
       </a:defRPr>
     </a:lvl7pPr>
-    <a:lvl8pPr marL="3200400" algn="l" defTabSz="914400" rtl="0" eaLnBrk="1" latinLnBrk="0" hangingPunct="1">
+    <a:lvl8pPr marL="3200400" algn="l" defTabSz="457200" rtl="0" eaLnBrk="1" latinLnBrk="0" hangingPunct="1">
       <a:defRPr sz="1800" kern="1200">
         <a:solidFill>
           <a:schemeClr val="tx1"/>
@@ -93,7 +99,7 @@
         <a:cs typeface="+mn-cs"/>
       </a:defRPr>
     </a:lvl8pPr>
-    <a:lvl9pPr marL="3657600" algn="l" defTabSz="914400" rtl="0" eaLnBrk="1" latinLnBrk="0" hangingPunct="1">
+    <a:lvl9pPr marL="3657600" algn="l" defTabSz="457200" rtl="0" eaLnBrk="1" latinLnBrk="0" hangingPunct="1">
       <a:defRPr sz="1800" kern="1200">
         <a:solidFill>
           <a:schemeClr val="tx1"/>
@@ -104,11 +110,16 @@
       </a:defRPr>
     </a:lvl9pPr>
   </p:defaultTextStyle>
+  <p:extLst>
+    <p:ext uri="{EFAFB233-063F-42B5-8137-9DF3F51BA10A}">
+      <p15:sldGuideLst xmlns:p15="http://schemas.microsoft.com/office/powerpoint/2012/main"/>
+    </p:ext>
+  </p:extLst>
 </p:presentation>
 </file>
 
 <file path=ppt/slideLayouts/slideLayout1.xml><?xml version="1.0" encoding="utf-8"?>
-<p:sldLayout xmlns:a="http://schemas.openxmlformats.org/drawingml/2006/main" xmlns:r="http://schemas.openxmlformats.org/officeDocument/2006/relationships" xmlns:p="http://schemas.openxmlformats.org/presentationml/2006/main" type="title" preserve="1">
+<p:sldLayout xmlns:a="http://schemas.openxmlformats.org/drawingml/2006/main" xmlns:r="http://schemas.openxmlformats.org/officeDocument/2006/relationships" xmlns:p="http://schemas.openxmlformats.org/presentationml/2006/main" showMasterSp="0" type="title" preserve="1">
   <p:cSld name="Diapositive de titre">
     <p:spTree>
       <p:nvGrpSpPr>
@@ -124,9 +135,541 @@
           <a:chExt cx="0" cy="0"/>
         </a:xfrm>
       </p:grpSpPr>
-      <p:sp>
-        <p:nvSpPr>
-          <p:cNvPr id="2" name="Titre 1"/>
+      <p:grpSp>
+        <p:nvGrpSpPr>
+          <p:cNvPr id="16" name="Group 15"/>
+          <p:cNvGrpSpPr/>
+          <p:nvPr/>
+        </p:nvGrpSpPr>
+        <p:grpSpPr>
+          <a:xfrm>
+            <a:off x="0" y="-8467"/>
+            <a:ext cx="12192000" cy="6866467"/>
+            <a:chOff x="0" y="-8467"/>
+            <a:chExt cx="12192000" cy="6866467"/>
+          </a:xfrm>
+        </p:grpSpPr>
+        <p:cxnSp>
+          <p:nvCxnSpPr>
+            <p:cNvPr id="19" name="Straight Connector 18"/>
+            <p:cNvCxnSpPr/>
+            <p:nvPr/>
+          </p:nvCxnSpPr>
+          <p:spPr>
+            <a:xfrm>
+              <a:off x="9371012" y="0"/>
+              <a:ext cx="1219200" cy="6858000"/>
+            </a:xfrm>
+            <a:prstGeom prst="line">
+              <a:avLst/>
+            </a:prstGeom>
+            <a:ln w="9525">
+              <a:solidFill>
+                <a:schemeClr val="accent1">
+                  <a:alpha val="70000"/>
+                </a:schemeClr>
+              </a:solidFill>
+            </a:ln>
+          </p:spPr>
+          <p:style>
+            <a:lnRef idx="2">
+              <a:schemeClr val="accent1"/>
+            </a:lnRef>
+            <a:fillRef idx="0">
+              <a:schemeClr val="accent1"/>
+            </a:fillRef>
+            <a:effectRef idx="1">
+              <a:schemeClr val="accent1"/>
+            </a:effectRef>
+            <a:fontRef idx="minor">
+              <a:schemeClr val="tx1"/>
+            </a:fontRef>
+          </p:style>
+        </p:cxnSp>
+        <p:cxnSp>
+          <p:nvCxnSpPr>
+            <p:cNvPr id="20" name="Straight Connector 19"/>
+            <p:cNvCxnSpPr/>
+            <p:nvPr/>
+          </p:nvCxnSpPr>
+          <p:spPr>
+            <a:xfrm flipH="1">
+              <a:off x="7425267" y="3681413"/>
+              <a:ext cx="4763558" cy="3176587"/>
+            </a:xfrm>
+            <a:prstGeom prst="line">
+              <a:avLst/>
+            </a:prstGeom>
+            <a:ln w="9525">
+              <a:solidFill>
+                <a:schemeClr val="accent1">
+                  <a:alpha val="70000"/>
+                </a:schemeClr>
+              </a:solidFill>
+            </a:ln>
+          </p:spPr>
+          <p:style>
+            <a:lnRef idx="2">
+              <a:schemeClr val="accent1"/>
+            </a:lnRef>
+            <a:fillRef idx="0">
+              <a:schemeClr val="accent1"/>
+            </a:fillRef>
+            <a:effectRef idx="1">
+              <a:schemeClr val="accent1"/>
+            </a:effectRef>
+            <a:fontRef idx="minor">
+              <a:schemeClr val="tx1"/>
+            </a:fontRef>
+          </p:style>
+        </p:cxnSp>
+        <p:sp>
+          <p:nvSpPr>
+            <p:cNvPr id="21" name="Rectangle 23"/>
+            <p:cNvSpPr/>
+            <p:nvPr/>
+          </p:nvSpPr>
+          <p:spPr>
+            <a:xfrm>
+              <a:off x="9181476" y="-8467"/>
+              <a:ext cx="3007349" cy="6866467"/>
+            </a:xfrm>
+            <a:custGeom>
+              <a:avLst/>
+              <a:gdLst/>
+              <a:ahLst/>
+              <a:cxnLst/>
+              <a:rect l="l" t="t" r="r" b="b"/>
+              <a:pathLst>
+                <a:path w="3007349" h="6866467">
+                  <a:moveTo>
+                    <a:pt x="2045532" y="0"/>
+                  </a:moveTo>
+                  <a:lnTo>
+                    <a:pt x="3007349" y="0"/>
+                  </a:lnTo>
+                  <a:lnTo>
+                    <a:pt x="3007349" y="6866467"/>
+                  </a:lnTo>
+                  <a:lnTo>
+                    <a:pt x="0" y="6866467"/>
+                  </a:lnTo>
+                  <a:lnTo>
+                    <a:pt x="2045532" y="0"/>
+                  </a:lnTo>
+                  <a:close/>
+                </a:path>
+              </a:pathLst>
+            </a:custGeom>
+            <a:solidFill>
+              <a:schemeClr val="accent1">
+                <a:alpha val="36000"/>
+              </a:schemeClr>
+            </a:solidFill>
+            <a:ln>
+              <a:noFill/>
+            </a:ln>
+            <a:effectLst/>
+          </p:spPr>
+          <p:style>
+            <a:lnRef idx="1">
+              <a:schemeClr val="accent1"/>
+            </a:lnRef>
+            <a:fillRef idx="3">
+              <a:schemeClr val="accent1"/>
+            </a:fillRef>
+            <a:effectRef idx="2">
+              <a:schemeClr val="accent1"/>
+            </a:effectRef>
+            <a:fontRef idx="minor">
+              <a:schemeClr val="lt1"/>
+            </a:fontRef>
+          </p:style>
+        </p:sp>
+        <p:sp>
+          <p:nvSpPr>
+            <p:cNvPr id="22" name="Rectangle 25"/>
+            <p:cNvSpPr/>
+            <p:nvPr/>
+          </p:nvSpPr>
+          <p:spPr>
+            <a:xfrm>
+              <a:off x="9603442" y="-8467"/>
+              <a:ext cx="2588558" cy="6866467"/>
+            </a:xfrm>
+            <a:custGeom>
+              <a:avLst/>
+              <a:gdLst/>
+              <a:ahLst/>
+              <a:cxnLst/>
+              <a:rect l="l" t="t" r="r" b="b"/>
+              <a:pathLst>
+                <a:path w="2573311" h="6866467">
+                  <a:moveTo>
+                    <a:pt x="0" y="0"/>
+                  </a:moveTo>
+                  <a:lnTo>
+                    <a:pt x="2573311" y="0"/>
+                  </a:lnTo>
+                  <a:lnTo>
+                    <a:pt x="2573311" y="6866467"/>
+                  </a:lnTo>
+                  <a:lnTo>
+                    <a:pt x="1202336" y="6866467"/>
+                  </a:lnTo>
+                  <a:lnTo>
+                    <a:pt x="0" y="0"/>
+                  </a:lnTo>
+                  <a:close/>
+                </a:path>
+              </a:pathLst>
+            </a:custGeom>
+            <a:solidFill>
+              <a:schemeClr val="accent1">
+                <a:alpha val="20000"/>
+              </a:schemeClr>
+            </a:solidFill>
+            <a:ln>
+              <a:noFill/>
+            </a:ln>
+            <a:effectLst/>
+          </p:spPr>
+          <p:style>
+            <a:lnRef idx="1">
+              <a:schemeClr val="accent1"/>
+            </a:lnRef>
+            <a:fillRef idx="3">
+              <a:schemeClr val="accent1"/>
+            </a:fillRef>
+            <a:effectRef idx="2">
+              <a:schemeClr val="accent1"/>
+            </a:effectRef>
+            <a:fontRef idx="minor">
+              <a:schemeClr val="lt1"/>
+            </a:fontRef>
+          </p:style>
+        </p:sp>
+        <p:sp>
+          <p:nvSpPr>
+            <p:cNvPr id="23" name="Isosceles Triangle 22"/>
+            <p:cNvSpPr/>
+            <p:nvPr/>
+          </p:nvSpPr>
+          <p:spPr>
+            <a:xfrm>
+              <a:off x="8932333" y="3048000"/>
+              <a:ext cx="3259667" cy="3810000"/>
+            </a:xfrm>
+            <a:prstGeom prst="triangle">
+              <a:avLst>
+                <a:gd name="adj" fmla="val 100000"/>
+              </a:avLst>
+            </a:prstGeom>
+            <a:solidFill>
+              <a:schemeClr val="accent1">
+                <a:alpha val="72000"/>
+              </a:schemeClr>
+            </a:solidFill>
+            <a:ln>
+              <a:noFill/>
+            </a:ln>
+            <a:effectLst/>
+          </p:spPr>
+          <p:style>
+            <a:lnRef idx="1">
+              <a:schemeClr val="accent1"/>
+            </a:lnRef>
+            <a:fillRef idx="3">
+              <a:schemeClr val="accent1"/>
+            </a:fillRef>
+            <a:effectRef idx="2">
+              <a:schemeClr val="accent1"/>
+            </a:effectRef>
+            <a:fontRef idx="minor">
+              <a:schemeClr val="lt1"/>
+            </a:fontRef>
+          </p:style>
+        </p:sp>
+        <p:sp>
+          <p:nvSpPr>
+            <p:cNvPr id="24" name="Rectangle 27"/>
+            <p:cNvSpPr/>
+            <p:nvPr/>
+          </p:nvSpPr>
+          <p:spPr>
+            <a:xfrm>
+              <a:off x="9334500" y="-8467"/>
+              <a:ext cx="2854326" cy="6866467"/>
+            </a:xfrm>
+            <a:custGeom>
+              <a:avLst/>
+              <a:gdLst/>
+              <a:ahLst/>
+              <a:cxnLst/>
+              <a:rect l="l" t="t" r="r" b="b"/>
+              <a:pathLst>
+                <a:path w="2858013" h="6866467">
+                  <a:moveTo>
+                    <a:pt x="0" y="0"/>
+                  </a:moveTo>
+                  <a:lnTo>
+                    <a:pt x="2858013" y="0"/>
+                  </a:lnTo>
+                  <a:lnTo>
+                    <a:pt x="2858013" y="6866467"/>
+                  </a:lnTo>
+                  <a:lnTo>
+                    <a:pt x="2473942" y="6866467"/>
+                  </a:lnTo>
+                  <a:lnTo>
+                    <a:pt x="0" y="0"/>
+                  </a:lnTo>
+                  <a:close/>
+                </a:path>
+              </a:pathLst>
+            </a:custGeom>
+            <a:solidFill>
+              <a:schemeClr val="accent1">
+                <a:lumMod val="75000"/>
+                <a:alpha val="50000"/>
+              </a:schemeClr>
+            </a:solidFill>
+            <a:ln>
+              <a:noFill/>
+            </a:ln>
+            <a:effectLst/>
+          </p:spPr>
+          <p:style>
+            <a:lnRef idx="1">
+              <a:schemeClr val="accent1"/>
+            </a:lnRef>
+            <a:fillRef idx="3">
+              <a:schemeClr val="accent1"/>
+            </a:fillRef>
+            <a:effectRef idx="2">
+              <a:schemeClr val="accent1"/>
+            </a:effectRef>
+            <a:fontRef idx="minor">
+              <a:schemeClr val="lt1"/>
+            </a:fontRef>
+          </p:style>
+        </p:sp>
+        <p:sp>
+          <p:nvSpPr>
+            <p:cNvPr id="25" name="Rectangle 28"/>
+            <p:cNvSpPr/>
+            <p:nvPr/>
+          </p:nvSpPr>
+          <p:spPr>
+            <a:xfrm>
+              <a:off x="10898730" y="-8467"/>
+              <a:ext cx="1290094" cy="6866467"/>
+            </a:xfrm>
+            <a:custGeom>
+              <a:avLst/>
+              <a:gdLst/>
+              <a:ahLst/>
+              <a:cxnLst/>
+              <a:rect l="l" t="t" r="r" b="b"/>
+              <a:pathLst>
+                <a:path w="1290094" h="6858000">
+                  <a:moveTo>
+                    <a:pt x="1019735" y="0"/>
+                  </a:moveTo>
+                  <a:lnTo>
+                    <a:pt x="1290094" y="0"/>
+                  </a:lnTo>
+                  <a:lnTo>
+                    <a:pt x="1290094" y="6858000"/>
+                  </a:lnTo>
+                  <a:lnTo>
+                    <a:pt x="0" y="6858000"/>
+                  </a:lnTo>
+                  <a:lnTo>
+                    <a:pt x="1019735" y="0"/>
+                  </a:lnTo>
+                  <a:close/>
+                </a:path>
+              </a:pathLst>
+            </a:custGeom>
+            <a:solidFill>
+              <a:schemeClr val="accent1">
+                <a:lumMod val="75000"/>
+                <a:alpha val="70000"/>
+              </a:schemeClr>
+            </a:solidFill>
+            <a:ln>
+              <a:noFill/>
+            </a:ln>
+            <a:effectLst/>
+          </p:spPr>
+          <p:style>
+            <a:lnRef idx="1">
+              <a:schemeClr val="accent1"/>
+            </a:lnRef>
+            <a:fillRef idx="3">
+              <a:schemeClr val="accent1"/>
+            </a:fillRef>
+            <a:effectRef idx="2">
+              <a:schemeClr val="accent1"/>
+            </a:effectRef>
+            <a:fontRef idx="minor">
+              <a:schemeClr val="lt1"/>
+            </a:fontRef>
+          </p:style>
+        </p:sp>
+        <p:sp>
+          <p:nvSpPr>
+            <p:cNvPr id="26" name="Rectangle 29"/>
+            <p:cNvSpPr/>
+            <p:nvPr/>
+          </p:nvSpPr>
+          <p:spPr>
+            <a:xfrm>
+              <a:off x="10938999" y="-8467"/>
+              <a:ext cx="1249825" cy="6866467"/>
+            </a:xfrm>
+            <a:custGeom>
+              <a:avLst/>
+              <a:gdLst/>
+              <a:ahLst/>
+              <a:cxnLst/>
+              <a:rect l="l" t="t" r="r" b="b"/>
+              <a:pathLst>
+                <a:path w="1249825" h="6858000">
+                  <a:moveTo>
+                    <a:pt x="0" y="0"/>
+                  </a:moveTo>
+                  <a:lnTo>
+                    <a:pt x="1249825" y="0"/>
+                  </a:lnTo>
+                  <a:lnTo>
+                    <a:pt x="1249825" y="6858000"/>
+                  </a:lnTo>
+                  <a:lnTo>
+                    <a:pt x="1109382" y="6858000"/>
+                  </a:lnTo>
+                  <a:lnTo>
+                    <a:pt x="0" y="0"/>
+                  </a:lnTo>
+                  <a:close/>
+                </a:path>
+              </a:pathLst>
+            </a:custGeom>
+            <a:solidFill>
+              <a:schemeClr val="accent1">
+                <a:lumMod val="50000"/>
+                <a:alpha val="80000"/>
+              </a:schemeClr>
+            </a:solidFill>
+            <a:ln>
+              <a:noFill/>
+            </a:ln>
+            <a:effectLst/>
+          </p:spPr>
+          <p:style>
+            <a:lnRef idx="1">
+              <a:schemeClr val="accent1"/>
+            </a:lnRef>
+            <a:fillRef idx="3">
+              <a:schemeClr val="accent1"/>
+            </a:fillRef>
+            <a:effectRef idx="2">
+              <a:schemeClr val="accent1"/>
+            </a:effectRef>
+            <a:fontRef idx="minor">
+              <a:schemeClr val="lt1"/>
+            </a:fontRef>
+          </p:style>
+        </p:sp>
+        <p:sp>
+          <p:nvSpPr>
+            <p:cNvPr id="27" name="Isosceles Triangle 26"/>
+            <p:cNvSpPr/>
+            <p:nvPr/>
+          </p:nvSpPr>
+          <p:spPr>
+            <a:xfrm>
+              <a:off x="10371666" y="3589867"/>
+              <a:ext cx="1817159" cy="3268133"/>
+            </a:xfrm>
+            <a:prstGeom prst="triangle">
+              <a:avLst>
+                <a:gd name="adj" fmla="val 100000"/>
+              </a:avLst>
+            </a:prstGeom>
+            <a:solidFill>
+              <a:schemeClr val="accent1">
+                <a:lumMod val="50000"/>
+                <a:alpha val="66000"/>
+              </a:schemeClr>
+            </a:solidFill>
+            <a:ln>
+              <a:noFill/>
+            </a:ln>
+            <a:effectLst/>
+          </p:spPr>
+          <p:style>
+            <a:lnRef idx="1">
+              <a:schemeClr val="accent1"/>
+            </a:lnRef>
+            <a:fillRef idx="3">
+              <a:schemeClr val="accent1"/>
+            </a:fillRef>
+            <a:effectRef idx="2">
+              <a:schemeClr val="accent1"/>
+            </a:effectRef>
+            <a:fontRef idx="minor">
+              <a:schemeClr val="lt1"/>
+            </a:fontRef>
+          </p:style>
+        </p:sp>
+        <p:sp>
+          <p:nvSpPr>
+            <p:cNvPr id="29" name="Isosceles Triangle 28"/>
+            <p:cNvSpPr/>
+            <p:nvPr/>
+          </p:nvSpPr>
+          <p:spPr>
+            <a:xfrm rot="10800000">
+              <a:off x="0" y="0"/>
+              <a:ext cx="842596" cy="5666154"/>
+            </a:xfrm>
+            <a:prstGeom prst="triangle">
+              <a:avLst>
+                <a:gd name="adj" fmla="val 100000"/>
+              </a:avLst>
+            </a:prstGeom>
+            <a:solidFill>
+              <a:schemeClr val="accent1">
+                <a:lumMod val="75000"/>
+                <a:alpha val="70000"/>
+              </a:schemeClr>
+            </a:solidFill>
+            <a:ln>
+              <a:noFill/>
+            </a:ln>
+            <a:effectLst/>
+          </p:spPr>
+          <p:style>
+            <a:lnRef idx="1">
+              <a:schemeClr val="accent1"/>
+            </a:lnRef>
+            <a:fillRef idx="3">
+              <a:schemeClr val="accent1"/>
+            </a:fillRef>
+            <a:effectRef idx="2">
+              <a:schemeClr val="accent1"/>
+            </a:effectRef>
+            <a:fontRef idx="minor">
+              <a:schemeClr val="lt1"/>
+            </a:fontRef>
+          </p:style>
+        </p:sp>
+      </p:grpSp>
+      <p:sp>
+        <p:nvSpPr>
+          <p:cNvPr id="2" name="Title 1"/>
           <p:cNvSpPr>
             <a:spLocks noGrp="1"/>
           </p:cNvSpPr>
@@ -136,15 +679,23 @@
         </p:nvSpPr>
         <p:spPr>
           <a:xfrm>
-            <a:off x="1524000" y="1122363"/>
-            <a:ext cx="9144000" cy="2387600"/>
+            <a:off x="1507067" y="2404534"/>
+            <a:ext cx="7766936" cy="1646302"/>
           </a:xfrm>
         </p:spPr>
         <p:txBody>
-          <a:bodyPr anchor="b"/>
+          <a:bodyPr anchor="b">
+            <a:noAutofit/>
+          </a:bodyPr>
           <a:lstStyle>
-            <a:lvl1pPr algn="ctr">
-              <a:defRPr sz="6000"/>
+            <a:lvl1pPr algn="r">
+              <a:defRPr sz="5400">
+                <a:solidFill>
+                  <a:schemeClr val="accent1">
+                    <a:lumMod val="75000"/>
+                  </a:schemeClr>
+                </a:solidFill>
+              </a:defRPr>
             </a:lvl1pPr>
           </a:lstStyle>
           <a:p>
@@ -152,13 +703,13 @@
               <a:rPr lang="fr-FR" smtClean="0"/>
               <a:t>Modifiez le style du titre</a:t>
             </a:r>
-            <a:endParaRPr lang="fr-FR"/>
-          </a:p>
-        </p:txBody>
-      </p:sp>
-      <p:sp>
-        <p:nvSpPr>
-          <p:cNvPr id="3" name="Sous-titre 2"/>
+            <a:endParaRPr lang="en-US" dirty="0"/>
+          </a:p>
+        </p:txBody>
+      </p:sp>
+      <p:sp>
+        <p:nvSpPr>
+          <p:cNvPr id="3" name="Subtitle 2"/>
           <p:cNvSpPr>
             <a:spLocks noGrp="1"/>
           </p:cNvSpPr>
@@ -168,48 +719,103 @@
         </p:nvSpPr>
         <p:spPr>
           <a:xfrm>
-            <a:off x="1524000" y="3602038"/>
-            <a:ext cx="9144000" cy="1655762"/>
+            <a:off x="1507067" y="4050833"/>
+            <a:ext cx="7766936" cy="1096899"/>
           </a:xfrm>
         </p:spPr>
         <p:txBody>
-          <a:bodyPr/>
+          <a:bodyPr anchor="t"/>
           <a:lstStyle>
-            <a:lvl1pPr marL="0" indent="0" algn="ctr">
-              <a:buNone/>
-              <a:defRPr sz="2400"/>
+            <a:lvl1pPr marL="0" indent="0" algn="r">
+              <a:buNone/>
+              <a:defRPr>
+                <a:solidFill>
+                  <a:schemeClr val="tx1">
+                    <a:lumMod val="50000"/>
+                    <a:lumOff val="50000"/>
+                  </a:schemeClr>
+                </a:solidFill>
+              </a:defRPr>
             </a:lvl1pPr>
             <a:lvl2pPr marL="457200" indent="0" algn="ctr">
               <a:buNone/>
-              <a:defRPr sz="2000"/>
+              <a:defRPr>
+                <a:solidFill>
+                  <a:schemeClr val="tx1">
+                    <a:tint val="75000"/>
+                  </a:schemeClr>
+                </a:solidFill>
+              </a:defRPr>
             </a:lvl2pPr>
             <a:lvl3pPr marL="914400" indent="0" algn="ctr">
               <a:buNone/>
-              <a:defRPr sz="1800"/>
+              <a:defRPr>
+                <a:solidFill>
+                  <a:schemeClr val="tx1">
+                    <a:tint val="75000"/>
+                  </a:schemeClr>
+                </a:solidFill>
+              </a:defRPr>
             </a:lvl3pPr>
             <a:lvl4pPr marL="1371600" indent="0" algn="ctr">
               <a:buNone/>
-              <a:defRPr sz="1600"/>
+              <a:defRPr>
+                <a:solidFill>
+                  <a:schemeClr val="tx1">
+                    <a:tint val="75000"/>
+                  </a:schemeClr>
+                </a:solidFill>
+              </a:defRPr>
             </a:lvl4pPr>
             <a:lvl5pPr marL="1828800" indent="0" algn="ctr">
               <a:buNone/>
-              <a:defRPr sz="1600"/>
+              <a:defRPr>
+                <a:solidFill>
+                  <a:schemeClr val="tx1">
+                    <a:tint val="75000"/>
+                  </a:schemeClr>
+                </a:solidFill>
+              </a:defRPr>
             </a:lvl5pPr>
             <a:lvl6pPr marL="2286000" indent="0" algn="ctr">
               <a:buNone/>
-              <a:defRPr sz="1600"/>
+              <a:defRPr>
+                <a:solidFill>
+                  <a:schemeClr val="tx1">
+                    <a:tint val="75000"/>
+                  </a:schemeClr>
+                </a:solidFill>
+              </a:defRPr>
             </a:lvl6pPr>
             <a:lvl7pPr marL="2743200" indent="0" algn="ctr">
               <a:buNone/>
-              <a:defRPr sz="1600"/>
+              <a:defRPr>
+                <a:solidFill>
+                  <a:schemeClr val="tx1">
+                    <a:tint val="75000"/>
+                  </a:schemeClr>
+                </a:solidFill>
+              </a:defRPr>
             </a:lvl7pPr>
             <a:lvl8pPr marL="3200400" indent="0" algn="ctr">
               <a:buNone/>
-              <a:defRPr sz="1600"/>
+              <a:defRPr>
+                <a:solidFill>
+                  <a:schemeClr val="tx1">
+                    <a:tint val="75000"/>
+                  </a:schemeClr>
+                </a:solidFill>
+              </a:defRPr>
             </a:lvl8pPr>
             <a:lvl9pPr marL="3657600" indent="0" algn="ctr">
               <a:buNone/>
-              <a:defRPr sz="1600"/>
+              <a:defRPr>
+                <a:solidFill>
+                  <a:schemeClr val="tx1">
+                    <a:tint val="75000"/>
+                  </a:schemeClr>
+                </a:solidFill>
+              </a:defRPr>
             </a:lvl9pPr>
           </a:lstStyle>
           <a:p>
@@ -217,13 +823,13 @@
               <a:rPr lang="fr-FR" smtClean="0"/>
               <a:t>Modifier le style des sous-titres du masque</a:t>
             </a:r>
-            <a:endParaRPr lang="fr-FR"/>
-          </a:p>
-        </p:txBody>
-      </p:sp>
-      <p:sp>
-        <p:nvSpPr>
-          <p:cNvPr id="4" name="Espace réservé de la date 3"/>
+            <a:endParaRPr lang="en-US" dirty="0"/>
+          </a:p>
+        </p:txBody>
+      </p:sp>
+      <p:sp>
+        <p:nvSpPr>
+          <p:cNvPr id="4" name="Date Placeholder 3"/>
           <p:cNvSpPr>
             <a:spLocks noGrp="1"/>
           </p:cNvSpPr>
@@ -238,7 +844,7 @@
           <a:p>
             <a:fld id="{757DD2AA-2024-4295-B62F-A2D5D8CCA8F8}" type="datetimeFigureOut">
               <a:rPr lang="fr-FR" smtClean="0"/>
-              <a:t>09/11/2022</a:t>
+              <a:t>21/11/2022</a:t>
             </a:fld>
             <a:endParaRPr lang="fr-FR"/>
           </a:p>
@@ -246,7 +852,7 @@
       </p:sp>
       <p:sp>
         <p:nvSpPr>
-          <p:cNvPr id="5" name="Espace réservé du pied de page 4"/>
+          <p:cNvPr id="5" name="Footer Placeholder 4"/>
           <p:cNvSpPr>
             <a:spLocks noGrp="1"/>
           </p:cNvSpPr>
@@ -265,7 +871,7 @@
       </p:sp>
       <p:sp>
         <p:nvSpPr>
-          <p:cNvPr id="6" name="Espace réservé du numéro de diapositive 5"/>
+          <p:cNvPr id="6" name="Slide Number Placeholder 5"/>
           <p:cNvSpPr>
             <a:spLocks noGrp="1"/>
           </p:cNvSpPr>
@@ -289,7 +895,7 @@
     </p:spTree>
     <p:extLst>
       <p:ext uri="{BB962C8B-B14F-4D97-AF65-F5344CB8AC3E}">
-        <p14:creationId xmlns:p14="http://schemas.microsoft.com/office/powerpoint/2010/main" val="2508267322"/>
+        <p14:creationId xmlns:p14="http://schemas.microsoft.com/office/powerpoint/2010/main" val="597706027"/>
       </p:ext>
     </p:extLst>
   </p:cSld>
@@ -300,6 +906,1599 @@
 </file>
 
 <file path=ppt/slideLayouts/slideLayout10.xml><?xml version="1.0" encoding="utf-8"?>
+<p:sldLayout xmlns:a="http://schemas.openxmlformats.org/drawingml/2006/main" xmlns:r="http://schemas.openxmlformats.org/officeDocument/2006/relationships" xmlns:p="http://schemas.openxmlformats.org/presentationml/2006/main" preserve="1">
+  <p:cSld name="Titre et légende">
+    <p:spTree>
+      <p:nvGrpSpPr>
+        <p:cNvPr id="1" name=""/>
+        <p:cNvGrpSpPr/>
+        <p:nvPr/>
+      </p:nvGrpSpPr>
+      <p:grpSpPr>
+        <a:xfrm>
+          <a:off x="0" y="0"/>
+          <a:ext cx="0" cy="0"/>
+          <a:chOff x="0" y="0"/>
+          <a:chExt cx="0" cy="0"/>
+        </a:xfrm>
+      </p:grpSpPr>
+      <p:sp>
+        <p:nvSpPr>
+          <p:cNvPr id="2" name="Title 1"/>
+          <p:cNvSpPr>
+            <a:spLocks noGrp="1"/>
+          </p:cNvSpPr>
+          <p:nvPr>
+            <p:ph type="title"/>
+          </p:nvPr>
+        </p:nvSpPr>
+        <p:spPr>
+          <a:xfrm>
+            <a:off x="677335" y="609600"/>
+            <a:ext cx="8596668" cy="3403600"/>
+          </a:xfrm>
+        </p:spPr>
+        <p:txBody>
+          <a:bodyPr anchor="ctr">
+            <a:normAutofit/>
+          </a:bodyPr>
+          <a:lstStyle>
+            <a:lvl1pPr algn="l">
+              <a:defRPr sz="4400" b="0" cap="none"/>
+            </a:lvl1pPr>
+          </a:lstStyle>
+          <a:p>
+            <a:r>
+              <a:rPr lang="fr-FR" smtClean="0"/>
+              <a:t>Modifiez le style du titre</a:t>
+            </a:r>
+            <a:endParaRPr lang="en-US" dirty="0"/>
+          </a:p>
+        </p:txBody>
+      </p:sp>
+      <p:sp>
+        <p:nvSpPr>
+          <p:cNvPr id="3" name="Text Placeholder 2"/>
+          <p:cNvSpPr>
+            <a:spLocks noGrp="1"/>
+          </p:cNvSpPr>
+          <p:nvPr>
+            <p:ph type="body" idx="1"/>
+          </p:nvPr>
+        </p:nvSpPr>
+        <p:spPr>
+          <a:xfrm>
+            <a:off x="677335" y="4470400"/>
+            <a:ext cx="8596668" cy="1570962"/>
+          </a:xfrm>
+        </p:spPr>
+        <p:txBody>
+          <a:bodyPr anchor="ctr">
+            <a:normAutofit/>
+          </a:bodyPr>
+          <a:lstStyle>
+            <a:lvl1pPr marL="0" indent="0" algn="l">
+              <a:buNone/>
+              <a:defRPr sz="1800">
+                <a:solidFill>
+                  <a:schemeClr val="tx1">
+                    <a:lumMod val="75000"/>
+                    <a:lumOff val="25000"/>
+                  </a:schemeClr>
+                </a:solidFill>
+              </a:defRPr>
+            </a:lvl1pPr>
+            <a:lvl2pPr marL="457200" indent="0">
+              <a:buNone/>
+              <a:defRPr sz="1800">
+                <a:solidFill>
+                  <a:schemeClr val="tx1">
+                    <a:tint val="75000"/>
+                  </a:schemeClr>
+                </a:solidFill>
+              </a:defRPr>
+            </a:lvl2pPr>
+            <a:lvl3pPr marL="914400" indent="0">
+              <a:buNone/>
+              <a:defRPr sz="1600">
+                <a:solidFill>
+                  <a:schemeClr val="tx1">
+                    <a:tint val="75000"/>
+                  </a:schemeClr>
+                </a:solidFill>
+              </a:defRPr>
+            </a:lvl3pPr>
+            <a:lvl4pPr marL="1371600" indent="0">
+              <a:buNone/>
+              <a:defRPr sz="1400">
+                <a:solidFill>
+                  <a:schemeClr val="tx1">
+                    <a:tint val="75000"/>
+                  </a:schemeClr>
+                </a:solidFill>
+              </a:defRPr>
+            </a:lvl4pPr>
+            <a:lvl5pPr marL="1828800" indent="0">
+              <a:buNone/>
+              <a:defRPr sz="1400">
+                <a:solidFill>
+                  <a:schemeClr val="tx1">
+                    <a:tint val="75000"/>
+                  </a:schemeClr>
+                </a:solidFill>
+              </a:defRPr>
+            </a:lvl5pPr>
+            <a:lvl6pPr marL="2286000" indent="0">
+              <a:buNone/>
+              <a:defRPr sz="1400">
+                <a:solidFill>
+                  <a:schemeClr val="tx1">
+                    <a:tint val="75000"/>
+                  </a:schemeClr>
+                </a:solidFill>
+              </a:defRPr>
+            </a:lvl6pPr>
+            <a:lvl7pPr marL="2743200" indent="0">
+              <a:buNone/>
+              <a:defRPr sz="1400">
+                <a:solidFill>
+                  <a:schemeClr val="tx1">
+                    <a:tint val="75000"/>
+                  </a:schemeClr>
+                </a:solidFill>
+              </a:defRPr>
+            </a:lvl7pPr>
+            <a:lvl8pPr marL="3200400" indent="0">
+              <a:buNone/>
+              <a:defRPr sz="1400">
+                <a:solidFill>
+                  <a:schemeClr val="tx1">
+                    <a:tint val="75000"/>
+                  </a:schemeClr>
+                </a:solidFill>
+              </a:defRPr>
+            </a:lvl8pPr>
+            <a:lvl9pPr marL="3657600" indent="0">
+              <a:buNone/>
+              <a:defRPr sz="1400">
+                <a:solidFill>
+                  <a:schemeClr val="tx1">
+                    <a:tint val="75000"/>
+                  </a:schemeClr>
+                </a:solidFill>
+              </a:defRPr>
+            </a:lvl9pPr>
+          </a:lstStyle>
+          <a:p>
+            <a:pPr lvl="0"/>
+            <a:r>
+              <a:rPr lang="fr-FR" smtClean="0"/>
+              <a:t>Modifier les styles du texte du masque</a:t>
+            </a:r>
+          </a:p>
+        </p:txBody>
+      </p:sp>
+      <p:sp>
+        <p:nvSpPr>
+          <p:cNvPr id="4" name="Date Placeholder 3"/>
+          <p:cNvSpPr>
+            <a:spLocks noGrp="1"/>
+          </p:cNvSpPr>
+          <p:nvPr>
+            <p:ph type="dt" sz="half" idx="10"/>
+          </p:nvPr>
+        </p:nvSpPr>
+        <p:spPr/>
+        <p:txBody>
+          <a:bodyPr/>
+          <a:lstStyle/>
+          <a:p>
+            <a:fld id="{757DD2AA-2024-4295-B62F-A2D5D8CCA8F8}" type="datetimeFigureOut">
+              <a:rPr lang="fr-FR" smtClean="0"/>
+              <a:t>21/11/2022</a:t>
+            </a:fld>
+            <a:endParaRPr lang="fr-FR"/>
+          </a:p>
+        </p:txBody>
+      </p:sp>
+      <p:sp>
+        <p:nvSpPr>
+          <p:cNvPr id="5" name="Footer Placeholder 4"/>
+          <p:cNvSpPr>
+            <a:spLocks noGrp="1"/>
+          </p:cNvSpPr>
+          <p:nvPr>
+            <p:ph type="ftr" sz="quarter" idx="11"/>
+          </p:nvPr>
+        </p:nvSpPr>
+        <p:spPr/>
+        <p:txBody>
+          <a:bodyPr/>
+          <a:lstStyle/>
+          <a:p>
+            <a:endParaRPr lang="fr-FR"/>
+          </a:p>
+        </p:txBody>
+      </p:sp>
+      <p:sp>
+        <p:nvSpPr>
+          <p:cNvPr id="6" name="Slide Number Placeholder 5"/>
+          <p:cNvSpPr>
+            <a:spLocks noGrp="1"/>
+          </p:cNvSpPr>
+          <p:nvPr>
+            <p:ph type="sldNum" sz="quarter" idx="12"/>
+          </p:nvPr>
+        </p:nvSpPr>
+        <p:spPr/>
+        <p:txBody>
+          <a:bodyPr/>
+          <a:lstStyle/>
+          <a:p>
+            <a:fld id="{0230197A-E8DC-4653-8C4C-C57CCCA6104B}" type="slidenum">
+              <a:rPr lang="fr-FR" smtClean="0"/>
+              <a:t>‹N°›</a:t>
+            </a:fld>
+            <a:endParaRPr lang="fr-FR"/>
+          </a:p>
+        </p:txBody>
+      </p:sp>
+    </p:spTree>
+    <p:extLst>
+      <p:ext uri="{BB962C8B-B14F-4D97-AF65-F5344CB8AC3E}">
+        <p14:creationId xmlns:p14="http://schemas.microsoft.com/office/powerpoint/2010/main" val="332129366"/>
+      </p:ext>
+    </p:extLst>
+  </p:cSld>
+  <p:clrMapOvr>
+    <a:masterClrMapping/>
+  </p:clrMapOvr>
+</p:sldLayout>
+</file>
+
+<file path=ppt/slideLayouts/slideLayout11.xml><?xml version="1.0" encoding="utf-8"?>
+<p:sldLayout xmlns:a="http://schemas.openxmlformats.org/drawingml/2006/main" xmlns:r="http://schemas.openxmlformats.org/officeDocument/2006/relationships" xmlns:p="http://schemas.openxmlformats.org/presentationml/2006/main" preserve="1">
+  <p:cSld name="Citation avec légende">
+    <p:spTree>
+      <p:nvGrpSpPr>
+        <p:cNvPr id="1" name=""/>
+        <p:cNvGrpSpPr/>
+        <p:nvPr/>
+      </p:nvGrpSpPr>
+      <p:grpSpPr>
+        <a:xfrm>
+          <a:off x="0" y="0"/>
+          <a:ext cx="0" cy="0"/>
+          <a:chOff x="0" y="0"/>
+          <a:chExt cx="0" cy="0"/>
+        </a:xfrm>
+      </p:grpSpPr>
+      <p:sp>
+        <p:nvSpPr>
+          <p:cNvPr id="2" name="Title 1"/>
+          <p:cNvSpPr>
+            <a:spLocks noGrp="1"/>
+          </p:cNvSpPr>
+          <p:nvPr>
+            <p:ph type="title"/>
+          </p:nvPr>
+        </p:nvSpPr>
+        <p:spPr>
+          <a:xfrm>
+            <a:off x="931334" y="609600"/>
+            <a:ext cx="8094134" cy="3022600"/>
+          </a:xfrm>
+        </p:spPr>
+        <p:txBody>
+          <a:bodyPr anchor="ctr">
+            <a:normAutofit/>
+          </a:bodyPr>
+          <a:lstStyle>
+            <a:lvl1pPr algn="l">
+              <a:defRPr sz="4400" b="0" cap="none"/>
+            </a:lvl1pPr>
+          </a:lstStyle>
+          <a:p>
+            <a:r>
+              <a:rPr lang="fr-FR" smtClean="0"/>
+              <a:t>Modifiez le style du titre</a:t>
+            </a:r>
+            <a:endParaRPr lang="en-US" dirty="0"/>
+          </a:p>
+        </p:txBody>
+      </p:sp>
+      <p:sp>
+        <p:nvSpPr>
+          <p:cNvPr id="23" name="Text Placeholder 9"/>
+          <p:cNvSpPr>
+            <a:spLocks noGrp="1"/>
+          </p:cNvSpPr>
+          <p:nvPr>
+            <p:ph type="body" sz="quarter" idx="13"/>
+          </p:nvPr>
+        </p:nvSpPr>
+        <p:spPr>
+          <a:xfrm>
+            <a:off x="1366139" y="3632200"/>
+            <a:ext cx="7224524" cy="381000"/>
+          </a:xfrm>
+        </p:spPr>
+        <p:txBody>
+          <a:bodyPr anchor="ctr">
+            <a:noAutofit/>
+          </a:bodyPr>
+          <a:lstStyle>
+            <a:lvl1pPr marL="0" indent="0">
+              <a:buFontTx/>
+              <a:buNone/>
+              <a:defRPr sz="1600">
+                <a:solidFill>
+                  <a:schemeClr val="tx1">
+                    <a:lumMod val="50000"/>
+                    <a:lumOff val="50000"/>
+                  </a:schemeClr>
+                </a:solidFill>
+              </a:defRPr>
+            </a:lvl1pPr>
+            <a:lvl2pPr marL="457200" indent="0">
+              <a:buFontTx/>
+              <a:buNone/>
+              <a:defRPr/>
+            </a:lvl2pPr>
+            <a:lvl3pPr marL="914400" indent="0">
+              <a:buFontTx/>
+              <a:buNone/>
+              <a:defRPr/>
+            </a:lvl3pPr>
+            <a:lvl4pPr marL="1371600" indent="0">
+              <a:buFontTx/>
+              <a:buNone/>
+              <a:defRPr/>
+            </a:lvl4pPr>
+            <a:lvl5pPr marL="1828800" indent="0">
+              <a:buFontTx/>
+              <a:buNone/>
+              <a:defRPr/>
+            </a:lvl5pPr>
+          </a:lstStyle>
+          <a:p>
+            <a:pPr lvl="0"/>
+            <a:r>
+              <a:rPr lang="fr-FR" smtClean="0"/>
+              <a:t>Modifier les styles du texte du masque</a:t>
+            </a:r>
+          </a:p>
+        </p:txBody>
+      </p:sp>
+      <p:sp>
+        <p:nvSpPr>
+          <p:cNvPr id="3" name="Text Placeholder 2"/>
+          <p:cNvSpPr>
+            <a:spLocks noGrp="1"/>
+          </p:cNvSpPr>
+          <p:nvPr>
+            <p:ph type="body" idx="1"/>
+          </p:nvPr>
+        </p:nvSpPr>
+        <p:spPr>
+          <a:xfrm>
+            <a:off x="677335" y="4470400"/>
+            <a:ext cx="8596668" cy="1570962"/>
+          </a:xfrm>
+        </p:spPr>
+        <p:txBody>
+          <a:bodyPr anchor="ctr">
+            <a:normAutofit/>
+          </a:bodyPr>
+          <a:lstStyle>
+            <a:lvl1pPr marL="0" indent="0" algn="l">
+              <a:buNone/>
+              <a:defRPr sz="1800">
+                <a:solidFill>
+                  <a:schemeClr val="tx1">
+                    <a:lumMod val="75000"/>
+                    <a:lumOff val="25000"/>
+                  </a:schemeClr>
+                </a:solidFill>
+              </a:defRPr>
+            </a:lvl1pPr>
+            <a:lvl2pPr marL="457200" indent="0">
+              <a:buNone/>
+              <a:defRPr sz="1800">
+                <a:solidFill>
+                  <a:schemeClr val="tx1">
+                    <a:tint val="75000"/>
+                  </a:schemeClr>
+                </a:solidFill>
+              </a:defRPr>
+            </a:lvl2pPr>
+            <a:lvl3pPr marL="914400" indent="0">
+              <a:buNone/>
+              <a:defRPr sz="1600">
+                <a:solidFill>
+                  <a:schemeClr val="tx1">
+                    <a:tint val="75000"/>
+                  </a:schemeClr>
+                </a:solidFill>
+              </a:defRPr>
+            </a:lvl3pPr>
+            <a:lvl4pPr marL="1371600" indent="0">
+              <a:buNone/>
+              <a:defRPr sz="1400">
+                <a:solidFill>
+                  <a:schemeClr val="tx1">
+                    <a:tint val="75000"/>
+                  </a:schemeClr>
+                </a:solidFill>
+              </a:defRPr>
+            </a:lvl4pPr>
+            <a:lvl5pPr marL="1828800" indent="0">
+              <a:buNone/>
+              <a:defRPr sz="1400">
+                <a:solidFill>
+                  <a:schemeClr val="tx1">
+                    <a:tint val="75000"/>
+                  </a:schemeClr>
+                </a:solidFill>
+              </a:defRPr>
+            </a:lvl5pPr>
+            <a:lvl6pPr marL="2286000" indent="0">
+              <a:buNone/>
+              <a:defRPr sz="1400">
+                <a:solidFill>
+                  <a:schemeClr val="tx1">
+                    <a:tint val="75000"/>
+                  </a:schemeClr>
+                </a:solidFill>
+              </a:defRPr>
+            </a:lvl6pPr>
+            <a:lvl7pPr marL="2743200" indent="0">
+              <a:buNone/>
+              <a:defRPr sz="1400">
+                <a:solidFill>
+                  <a:schemeClr val="tx1">
+                    <a:tint val="75000"/>
+                  </a:schemeClr>
+                </a:solidFill>
+              </a:defRPr>
+            </a:lvl7pPr>
+            <a:lvl8pPr marL="3200400" indent="0">
+              <a:buNone/>
+              <a:defRPr sz="1400">
+                <a:solidFill>
+                  <a:schemeClr val="tx1">
+                    <a:tint val="75000"/>
+                  </a:schemeClr>
+                </a:solidFill>
+              </a:defRPr>
+            </a:lvl8pPr>
+            <a:lvl9pPr marL="3657600" indent="0">
+              <a:buNone/>
+              <a:defRPr sz="1400">
+                <a:solidFill>
+                  <a:schemeClr val="tx1">
+                    <a:tint val="75000"/>
+                  </a:schemeClr>
+                </a:solidFill>
+              </a:defRPr>
+            </a:lvl9pPr>
+          </a:lstStyle>
+          <a:p>
+            <a:pPr lvl="0"/>
+            <a:r>
+              <a:rPr lang="fr-FR" smtClean="0"/>
+              <a:t>Modifier les styles du texte du masque</a:t>
+            </a:r>
+          </a:p>
+        </p:txBody>
+      </p:sp>
+      <p:sp>
+        <p:nvSpPr>
+          <p:cNvPr id="4" name="Date Placeholder 3"/>
+          <p:cNvSpPr>
+            <a:spLocks noGrp="1"/>
+          </p:cNvSpPr>
+          <p:nvPr>
+            <p:ph type="dt" sz="half" idx="10"/>
+          </p:nvPr>
+        </p:nvSpPr>
+        <p:spPr/>
+        <p:txBody>
+          <a:bodyPr/>
+          <a:lstStyle/>
+          <a:p>
+            <a:fld id="{757DD2AA-2024-4295-B62F-A2D5D8CCA8F8}" type="datetimeFigureOut">
+              <a:rPr lang="fr-FR" smtClean="0"/>
+              <a:t>21/11/2022</a:t>
+            </a:fld>
+            <a:endParaRPr lang="fr-FR"/>
+          </a:p>
+        </p:txBody>
+      </p:sp>
+      <p:sp>
+        <p:nvSpPr>
+          <p:cNvPr id="5" name="Footer Placeholder 4"/>
+          <p:cNvSpPr>
+            <a:spLocks noGrp="1"/>
+          </p:cNvSpPr>
+          <p:nvPr>
+            <p:ph type="ftr" sz="quarter" idx="11"/>
+          </p:nvPr>
+        </p:nvSpPr>
+        <p:spPr/>
+        <p:txBody>
+          <a:bodyPr/>
+          <a:lstStyle/>
+          <a:p>
+            <a:endParaRPr lang="fr-FR"/>
+          </a:p>
+        </p:txBody>
+      </p:sp>
+      <p:sp>
+        <p:nvSpPr>
+          <p:cNvPr id="6" name="Slide Number Placeholder 5"/>
+          <p:cNvSpPr>
+            <a:spLocks noGrp="1"/>
+          </p:cNvSpPr>
+          <p:nvPr>
+            <p:ph type="sldNum" sz="quarter" idx="12"/>
+          </p:nvPr>
+        </p:nvSpPr>
+        <p:spPr/>
+        <p:txBody>
+          <a:bodyPr/>
+          <a:lstStyle/>
+          <a:p>
+            <a:fld id="{0230197A-E8DC-4653-8C4C-C57CCCA6104B}" type="slidenum">
+              <a:rPr lang="fr-FR" smtClean="0"/>
+              <a:t>‹N°›</a:t>
+            </a:fld>
+            <a:endParaRPr lang="fr-FR"/>
+          </a:p>
+        </p:txBody>
+      </p:sp>
+      <p:sp>
+        <p:nvSpPr>
+          <p:cNvPr id="24" name="TextBox 23"/>
+          <p:cNvSpPr txBox="1"/>
+          <p:nvPr/>
+        </p:nvSpPr>
+        <p:spPr>
+          <a:xfrm>
+            <a:off x="541870" y="790378"/>
+            <a:ext cx="609600" cy="584776"/>
+          </a:xfrm>
+          <a:prstGeom prst="rect">
+            <a:avLst/>
+          </a:prstGeom>
+        </p:spPr>
+        <p:txBody>
+          <a:bodyPr vert="horz" lIns="91440" tIns="45720" rIns="91440" bIns="45720" rtlCol="0" anchor="ctr">
+            <a:noAutofit/>
+          </a:bodyPr>
+          <a:lstStyle/>
+          <a:p>
+            <a:pPr lvl="0"/>
+            <a:r>
+              <a:rPr lang="en-US" sz="8000" baseline="0" dirty="0">
+                <a:ln w="3175" cmpd="sng">
+                  <a:noFill/>
+                </a:ln>
+                <a:solidFill>
+                  <a:schemeClr val="accent1"/>
+                </a:solidFill>
+                <a:effectLst/>
+                <a:latin typeface="Arial"/>
+              </a:rPr>
+              <a:t>“</a:t>
+            </a:r>
+          </a:p>
+        </p:txBody>
+      </p:sp>
+      <p:sp>
+        <p:nvSpPr>
+          <p:cNvPr id="25" name="TextBox 24"/>
+          <p:cNvSpPr txBox="1"/>
+          <p:nvPr/>
+        </p:nvSpPr>
+        <p:spPr>
+          <a:xfrm>
+            <a:off x="8893011" y="2886556"/>
+            <a:ext cx="609600" cy="584776"/>
+          </a:xfrm>
+          <a:prstGeom prst="rect">
+            <a:avLst/>
+          </a:prstGeom>
+        </p:spPr>
+        <p:txBody>
+          <a:bodyPr vert="horz" lIns="91440" tIns="45720" rIns="91440" bIns="45720" rtlCol="0" anchor="ctr">
+            <a:noAutofit/>
+          </a:bodyPr>
+          <a:lstStyle/>
+          <a:p>
+            <a:pPr lvl="0"/>
+            <a:r>
+              <a:rPr lang="en-US" sz="8000" baseline="0" dirty="0">
+                <a:ln w="3175" cmpd="sng">
+                  <a:noFill/>
+                </a:ln>
+                <a:solidFill>
+                  <a:schemeClr val="accent1"/>
+                </a:solidFill>
+                <a:effectLst/>
+                <a:latin typeface="Arial"/>
+              </a:rPr>
+              <a:t>”</a:t>
+            </a:r>
+          </a:p>
+        </p:txBody>
+      </p:sp>
+    </p:spTree>
+    <p:extLst>
+      <p:ext uri="{BB962C8B-B14F-4D97-AF65-F5344CB8AC3E}">
+        <p14:creationId xmlns:p14="http://schemas.microsoft.com/office/powerpoint/2010/main" val="1185781031"/>
+      </p:ext>
+    </p:extLst>
+  </p:cSld>
+  <p:clrMapOvr>
+    <a:masterClrMapping/>
+  </p:clrMapOvr>
+</p:sldLayout>
+</file>
+
+<file path=ppt/slideLayouts/slideLayout12.xml><?xml version="1.0" encoding="utf-8"?>
+<p:sldLayout xmlns:a="http://schemas.openxmlformats.org/drawingml/2006/main" xmlns:r="http://schemas.openxmlformats.org/officeDocument/2006/relationships" xmlns:p="http://schemas.openxmlformats.org/presentationml/2006/main" preserve="1">
+  <p:cSld name="Carte nom">
+    <p:spTree>
+      <p:nvGrpSpPr>
+        <p:cNvPr id="1" name=""/>
+        <p:cNvGrpSpPr/>
+        <p:nvPr/>
+      </p:nvGrpSpPr>
+      <p:grpSpPr>
+        <a:xfrm>
+          <a:off x="0" y="0"/>
+          <a:ext cx="0" cy="0"/>
+          <a:chOff x="0" y="0"/>
+          <a:chExt cx="0" cy="0"/>
+        </a:xfrm>
+      </p:grpSpPr>
+      <p:sp>
+        <p:nvSpPr>
+          <p:cNvPr id="2" name="Title 1"/>
+          <p:cNvSpPr>
+            <a:spLocks noGrp="1"/>
+          </p:cNvSpPr>
+          <p:nvPr>
+            <p:ph type="title"/>
+          </p:nvPr>
+        </p:nvSpPr>
+        <p:spPr>
+          <a:xfrm>
+            <a:off x="677335" y="1931988"/>
+            <a:ext cx="8596668" cy="2595460"/>
+          </a:xfrm>
+        </p:spPr>
+        <p:txBody>
+          <a:bodyPr anchor="b">
+            <a:normAutofit/>
+          </a:bodyPr>
+          <a:lstStyle>
+            <a:lvl1pPr algn="l">
+              <a:defRPr sz="4400" b="0" cap="none"/>
+            </a:lvl1pPr>
+          </a:lstStyle>
+          <a:p>
+            <a:r>
+              <a:rPr lang="fr-FR" smtClean="0"/>
+              <a:t>Modifiez le style du titre</a:t>
+            </a:r>
+            <a:endParaRPr lang="en-US" dirty="0"/>
+          </a:p>
+        </p:txBody>
+      </p:sp>
+      <p:sp>
+        <p:nvSpPr>
+          <p:cNvPr id="3" name="Text Placeholder 2"/>
+          <p:cNvSpPr>
+            <a:spLocks noGrp="1"/>
+          </p:cNvSpPr>
+          <p:nvPr>
+            <p:ph type="body" idx="1"/>
+          </p:nvPr>
+        </p:nvSpPr>
+        <p:spPr>
+          <a:xfrm>
+            <a:off x="677335" y="4527448"/>
+            <a:ext cx="8596668" cy="1513914"/>
+          </a:xfrm>
+        </p:spPr>
+        <p:txBody>
+          <a:bodyPr anchor="t">
+            <a:normAutofit/>
+          </a:bodyPr>
+          <a:lstStyle>
+            <a:lvl1pPr marL="0" indent="0" algn="l">
+              <a:buNone/>
+              <a:defRPr sz="1800">
+                <a:solidFill>
+                  <a:schemeClr val="tx1">
+                    <a:lumMod val="75000"/>
+                    <a:lumOff val="25000"/>
+                  </a:schemeClr>
+                </a:solidFill>
+              </a:defRPr>
+            </a:lvl1pPr>
+            <a:lvl2pPr marL="457200" indent="0">
+              <a:buNone/>
+              <a:defRPr sz="1800">
+                <a:solidFill>
+                  <a:schemeClr val="tx1">
+                    <a:tint val="75000"/>
+                  </a:schemeClr>
+                </a:solidFill>
+              </a:defRPr>
+            </a:lvl2pPr>
+            <a:lvl3pPr marL="914400" indent="0">
+              <a:buNone/>
+              <a:defRPr sz="1600">
+                <a:solidFill>
+                  <a:schemeClr val="tx1">
+                    <a:tint val="75000"/>
+                  </a:schemeClr>
+                </a:solidFill>
+              </a:defRPr>
+            </a:lvl3pPr>
+            <a:lvl4pPr marL="1371600" indent="0">
+              <a:buNone/>
+              <a:defRPr sz="1400">
+                <a:solidFill>
+                  <a:schemeClr val="tx1">
+                    <a:tint val="75000"/>
+                  </a:schemeClr>
+                </a:solidFill>
+              </a:defRPr>
+            </a:lvl4pPr>
+            <a:lvl5pPr marL="1828800" indent="0">
+              <a:buNone/>
+              <a:defRPr sz="1400">
+                <a:solidFill>
+                  <a:schemeClr val="tx1">
+                    <a:tint val="75000"/>
+                  </a:schemeClr>
+                </a:solidFill>
+              </a:defRPr>
+            </a:lvl5pPr>
+            <a:lvl6pPr marL="2286000" indent="0">
+              <a:buNone/>
+              <a:defRPr sz="1400">
+                <a:solidFill>
+                  <a:schemeClr val="tx1">
+                    <a:tint val="75000"/>
+                  </a:schemeClr>
+                </a:solidFill>
+              </a:defRPr>
+            </a:lvl6pPr>
+            <a:lvl7pPr marL="2743200" indent="0">
+              <a:buNone/>
+              <a:defRPr sz="1400">
+                <a:solidFill>
+                  <a:schemeClr val="tx1">
+                    <a:tint val="75000"/>
+                  </a:schemeClr>
+                </a:solidFill>
+              </a:defRPr>
+            </a:lvl7pPr>
+            <a:lvl8pPr marL="3200400" indent="0">
+              <a:buNone/>
+              <a:defRPr sz="1400">
+                <a:solidFill>
+                  <a:schemeClr val="tx1">
+                    <a:tint val="75000"/>
+                  </a:schemeClr>
+                </a:solidFill>
+              </a:defRPr>
+            </a:lvl8pPr>
+            <a:lvl9pPr marL="3657600" indent="0">
+              <a:buNone/>
+              <a:defRPr sz="1400">
+                <a:solidFill>
+                  <a:schemeClr val="tx1">
+                    <a:tint val="75000"/>
+                  </a:schemeClr>
+                </a:solidFill>
+              </a:defRPr>
+            </a:lvl9pPr>
+          </a:lstStyle>
+          <a:p>
+            <a:pPr lvl="0"/>
+            <a:r>
+              <a:rPr lang="fr-FR" smtClean="0"/>
+              <a:t>Modifier les styles du texte du masque</a:t>
+            </a:r>
+          </a:p>
+        </p:txBody>
+      </p:sp>
+      <p:sp>
+        <p:nvSpPr>
+          <p:cNvPr id="4" name="Date Placeholder 3"/>
+          <p:cNvSpPr>
+            <a:spLocks noGrp="1"/>
+          </p:cNvSpPr>
+          <p:nvPr>
+            <p:ph type="dt" sz="half" idx="10"/>
+          </p:nvPr>
+        </p:nvSpPr>
+        <p:spPr/>
+        <p:txBody>
+          <a:bodyPr/>
+          <a:lstStyle/>
+          <a:p>
+            <a:fld id="{757DD2AA-2024-4295-B62F-A2D5D8CCA8F8}" type="datetimeFigureOut">
+              <a:rPr lang="fr-FR" smtClean="0"/>
+              <a:t>21/11/2022</a:t>
+            </a:fld>
+            <a:endParaRPr lang="fr-FR"/>
+          </a:p>
+        </p:txBody>
+      </p:sp>
+      <p:sp>
+        <p:nvSpPr>
+          <p:cNvPr id="5" name="Footer Placeholder 4"/>
+          <p:cNvSpPr>
+            <a:spLocks noGrp="1"/>
+          </p:cNvSpPr>
+          <p:nvPr>
+            <p:ph type="ftr" sz="quarter" idx="11"/>
+          </p:nvPr>
+        </p:nvSpPr>
+        <p:spPr/>
+        <p:txBody>
+          <a:bodyPr/>
+          <a:lstStyle/>
+          <a:p>
+            <a:endParaRPr lang="fr-FR"/>
+          </a:p>
+        </p:txBody>
+      </p:sp>
+      <p:sp>
+        <p:nvSpPr>
+          <p:cNvPr id="6" name="Slide Number Placeholder 5"/>
+          <p:cNvSpPr>
+            <a:spLocks noGrp="1"/>
+          </p:cNvSpPr>
+          <p:nvPr>
+            <p:ph type="sldNum" sz="quarter" idx="12"/>
+          </p:nvPr>
+        </p:nvSpPr>
+        <p:spPr/>
+        <p:txBody>
+          <a:bodyPr/>
+          <a:lstStyle/>
+          <a:p>
+            <a:fld id="{0230197A-E8DC-4653-8C4C-C57CCCA6104B}" type="slidenum">
+              <a:rPr lang="fr-FR" smtClean="0"/>
+              <a:t>‹N°›</a:t>
+            </a:fld>
+            <a:endParaRPr lang="fr-FR"/>
+          </a:p>
+        </p:txBody>
+      </p:sp>
+    </p:spTree>
+    <p:extLst>
+      <p:ext uri="{BB962C8B-B14F-4D97-AF65-F5344CB8AC3E}">
+        <p14:creationId xmlns:p14="http://schemas.microsoft.com/office/powerpoint/2010/main" val="102712716"/>
+      </p:ext>
+    </p:extLst>
+  </p:cSld>
+  <p:clrMapOvr>
+    <a:masterClrMapping/>
+  </p:clrMapOvr>
+</p:sldLayout>
+</file>
+
+<file path=ppt/slideLayouts/slideLayout13.xml><?xml version="1.0" encoding="utf-8"?>
+<p:sldLayout xmlns:a="http://schemas.openxmlformats.org/drawingml/2006/main" xmlns:r="http://schemas.openxmlformats.org/officeDocument/2006/relationships" xmlns:p="http://schemas.openxmlformats.org/presentationml/2006/main" preserve="1">
+  <p:cSld name="Carte nom citation">
+    <p:spTree>
+      <p:nvGrpSpPr>
+        <p:cNvPr id="1" name=""/>
+        <p:cNvGrpSpPr/>
+        <p:nvPr/>
+      </p:nvGrpSpPr>
+      <p:grpSpPr>
+        <a:xfrm>
+          <a:off x="0" y="0"/>
+          <a:ext cx="0" cy="0"/>
+          <a:chOff x="0" y="0"/>
+          <a:chExt cx="0" cy="0"/>
+        </a:xfrm>
+      </p:grpSpPr>
+      <p:sp>
+        <p:nvSpPr>
+          <p:cNvPr id="2" name="Title 1"/>
+          <p:cNvSpPr>
+            <a:spLocks noGrp="1"/>
+          </p:cNvSpPr>
+          <p:nvPr>
+            <p:ph type="title"/>
+          </p:nvPr>
+        </p:nvSpPr>
+        <p:spPr>
+          <a:xfrm>
+            <a:off x="931334" y="609600"/>
+            <a:ext cx="8094134" cy="3022600"/>
+          </a:xfrm>
+        </p:spPr>
+        <p:txBody>
+          <a:bodyPr anchor="ctr">
+            <a:normAutofit/>
+          </a:bodyPr>
+          <a:lstStyle>
+            <a:lvl1pPr algn="l">
+              <a:defRPr sz="4400" b="0" cap="none"/>
+            </a:lvl1pPr>
+          </a:lstStyle>
+          <a:p>
+            <a:r>
+              <a:rPr lang="fr-FR" smtClean="0"/>
+              <a:t>Modifiez le style du titre</a:t>
+            </a:r>
+            <a:endParaRPr lang="en-US" dirty="0"/>
+          </a:p>
+        </p:txBody>
+      </p:sp>
+      <p:sp>
+        <p:nvSpPr>
+          <p:cNvPr id="23" name="Text Placeholder 9"/>
+          <p:cNvSpPr>
+            <a:spLocks noGrp="1"/>
+          </p:cNvSpPr>
+          <p:nvPr>
+            <p:ph type="body" sz="quarter" idx="13"/>
+          </p:nvPr>
+        </p:nvSpPr>
+        <p:spPr>
+          <a:xfrm>
+            <a:off x="677332" y="4013200"/>
+            <a:ext cx="8596669" cy="514248"/>
+          </a:xfrm>
+        </p:spPr>
+        <p:txBody>
+          <a:bodyPr anchor="b">
+            <a:noAutofit/>
+          </a:bodyPr>
+          <a:lstStyle>
+            <a:lvl1pPr marL="0" indent="0">
+              <a:buFontTx/>
+              <a:buNone/>
+              <a:defRPr sz="2400">
+                <a:solidFill>
+                  <a:schemeClr val="tx1">
+                    <a:lumMod val="75000"/>
+                    <a:lumOff val="25000"/>
+                  </a:schemeClr>
+                </a:solidFill>
+              </a:defRPr>
+            </a:lvl1pPr>
+            <a:lvl2pPr marL="457200" indent="0">
+              <a:buFontTx/>
+              <a:buNone/>
+              <a:defRPr/>
+            </a:lvl2pPr>
+            <a:lvl3pPr marL="914400" indent="0">
+              <a:buFontTx/>
+              <a:buNone/>
+              <a:defRPr/>
+            </a:lvl3pPr>
+            <a:lvl4pPr marL="1371600" indent="0">
+              <a:buFontTx/>
+              <a:buNone/>
+              <a:defRPr/>
+            </a:lvl4pPr>
+            <a:lvl5pPr marL="1828800" indent="0">
+              <a:buFontTx/>
+              <a:buNone/>
+              <a:defRPr/>
+            </a:lvl5pPr>
+          </a:lstStyle>
+          <a:p>
+            <a:pPr lvl="0"/>
+            <a:r>
+              <a:rPr lang="fr-FR" smtClean="0"/>
+              <a:t>Modifier les styles du texte du masque</a:t>
+            </a:r>
+          </a:p>
+        </p:txBody>
+      </p:sp>
+      <p:sp>
+        <p:nvSpPr>
+          <p:cNvPr id="3" name="Text Placeholder 2"/>
+          <p:cNvSpPr>
+            <a:spLocks noGrp="1"/>
+          </p:cNvSpPr>
+          <p:nvPr>
+            <p:ph type="body" idx="1"/>
+          </p:nvPr>
+        </p:nvSpPr>
+        <p:spPr>
+          <a:xfrm>
+            <a:off x="677335" y="4527448"/>
+            <a:ext cx="8596668" cy="1513914"/>
+          </a:xfrm>
+        </p:spPr>
+        <p:txBody>
+          <a:bodyPr anchor="t">
+            <a:normAutofit/>
+          </a:bodyPr>
+          <a:lstStyle>
+            <a:lvl1pPr marL="0" indent="0" algn="l">
+              <a:buNone/>
+              <a:defRPr sz="1800">
+                <a:solidFill>
+                  <a:schemeClr val="tx1">
+                    <a:lumMod val="50000"/>
+                    <a:lumOff val="50000"/>
+                  </a:schemeClr>
+                </a:solidFill>
+              </a:defRPr>
+            </a:lvl1pPr>
+            <a:lvl2pPr marL="457200" indent="0">
+              <a:buNone/>
+              <a:defRPr sz="1800">
+                <a:solidFill>
+                  <a:schemeClr val="tx1">
+                    <a:tint val="75000"/>
+                  </a:schemeClr>
+                </a:solidFill>
+              </a:defRPr>
+            </a:lvl2pPr>
+            <a:lvl3pPr marL="914400" indent="0">
+              <a:buNone/>
+              <a:defRPr sz="1600">
+                <a:solidFill>
+                  <a:schemeClr val="tx1">
+                    <a:tint val="75000"/>
+                  </a:schemeClr>
+                </a:solidFill>
+              </a:defRPr>
+            </a:lvl3pPr>
+            <a:lvl4pPr marL="1371600" indent="0">
+              <a:buNone/>
+              <a:defRPr sz="1400">
+                <a:solidFill>
+                  <a:schemeClr val="tx1">
+                    <a:tint val="75000"/>
+                  </a:schemeClr>
+                </a:solidFill>
+              </a:defRPr>
+            </a:lvl4pPr>
+            <a:lvl5pPr marL="1828800" indent="0">
+              <a:buNone/>
+              <a:defRPr sz="1400">
+                <a:solidFill>
+                  <a:schemeClr val="tx1">
+                    <a:tint val="75000"/>
+                  </a:schemeClr>
+                </a:solidFill>
+              </a:defRPr>
+            </a:lvl5pPr>
+            <a:lvl6pPr marL="2286000" indent="0">
+              <a:buNone/>
+              <a:defRPr sz="1400">
+                <a:solidFill>
+                  <a:schemeClr val="tx1">
+                    <a:tint val="75000"/>
+                  </a:schemeClr>
+                </a:solidFill>
+              </a:defRPr>
+            </a:lvl6pPr>
+            <a:lvl7pPr marL="2743200" indent="0">
+              <a:buNone/>
+              <a:defRPr sz="1400">
+                <a:solidFill>
+                  <a:schemeClr val="tx1">
+                    <a:tint val="75000"/>
+                  </a:schemeClr>
+                </a:solidFill>
+              </a:defRPr>
+            </a:lvl7pPr>
+            <a:lvl8pPr marL="3200400" indent="0">
+              <a:buNone/>
+              <a:defRPr sz="1400">
+                <a:solidFill>
+                  <a:schemeClr val="tx1">
+                    <a:tint val="75000"/>
+                  </a:schemeClr>
+                </a:solidFill>
+              </a:defRPr>
+            </a:lvl8pPr>
+            <a:lvl9pPr marL="3657600" indent="0">
+              <a:buNone/>
+              <a:defRPr sz="1400">
+                <a:solidFill>
+                  <a:schemeClr val="tx1">
+                    <a:tint val="75000"/>
+                  </a:schemeClr>
+                </a:solidFill>
+              </a:defRPr>
+            </a:lvl9pPr>
+          </a:lstStyle>
+          <a:p>
+            <a:pPr lvl="0"/>
+            <a:r>
+              <a:rPr lang="fr-FR" smtClean="0"/>
+              <a:t>Modifier les styles du texte du masque</a:t>
+            </a:r>
+          </a:p>
+        </p:txBody>
+      </p:sp>
+      <p:sp>
+        <p:nvSpPr>
+          <p:cNvPr id="4" name="Date Placeholder 3"/>
+          <p:cNvSpPr>
+            <a:spLocks noGrp="1"/>
+          </p:cNvSpPr>
+          <p:nvPr>
+            <p:ph type="dt" sz="half" idx="10"/>
+          </p:nvPr>
+        </p:nvSpPr>
+        <p:spPr/>
+        <p:txBody>
+          <a:bodyPr/>
+          <a:lstStyle/>
+          <a:p>
+            <a:fld id="{757DD2AA-2024-4295-B62F-A2D5D8CCA8F8}" type="datetimeFigureOut">
+              <a:rPr lang="fr-FR" smtClean="0"/>
+              <a:t>21/11/2022</a:t>
+            </a:fld>
+            <a:endParaRPr lang="fr-FR"/>
+          </a:p>
+        </p:txBody>
+      </p:sp>
+      <p:sp>
+        <p:nvSpPr>
+          <p:cNvPr id="5" name="Footer Placeholder 4"/>
+          <p:cNvSpPr>
+            <a:spLocks noGrp="1"/>
+          </p:cNvSpPr>
+          <p:nvPr>
+            <p:ph type="ftr" sz="quarter" idx="11"/>
+          </p:nvPr>
+        </p:nvSpPr>
+        <p:spPr/>
+        <p:txBody>
+          <a:bodyPr/>
+          <a:lstStyle/>
+          <a:p>
+            <a:endParaRPr lang="fr-FR"/>
+          </a:p>
+        </p:txBody>
+      </p:sp>
+      <p:sp>
+        <p:nvSpPr>
+          <p:cNvPr id="6" name="Slide Number Placeholder 5"/>
+          <p:cNvSpPr>
+            <a:spLocks noGrp="1"/>
+          </p:cNvSpPr>
+          <p:nvPr>
+            <p:ph type="sldNum" sz="quarter" idx="12"/>
+          </p:nvPr>
+        </p:nvSpPr>
+        <p:spPr/>
+        <p:txBody>
+          <a:bodyPr/>
+          <a:lstStyle/>
+          <a:p>
+            <a:fld id="{0230197A-E8DC-4653-8C4C-C57CCCA6104B}" type="slidenum">
+              <a:rPr lang="fr-FR" smtClean="0"/>
+              <a:t>‹N°›</a:t>
+            </a:fld>
+            <a:endParaRPr lang="fr-FR"/>
+          </a:p>
+        </p:txBody>
+      </p:sp>
+      <p:sp>
+        <p:nvSpPr>
+          <p:cNvPr id="24" name="TextBox 23"/>
+          <p:cNvSpPr txBox="1"/>
+          <p:nvPr/>
+        </p:nvSpPr>
+        <p:spPr>
+          <a:xfrm>
+            <a:off x="541870" y="790378"/>
+            <a:ext cx="609600" cy="584776"/>
+          </a:xfrm>
+          <a:prstGeom prst="rect">
+            <a:avLst/>
+          </a:prstGeom>
+        </p:spPr>
+        <p:txBody>
+          <a:bodyPr vert="horz" lIns="91440" tIns="45720" rIns="91440" bIns="45720" rtlCol="0" anchor="ctr">
+            <a:noAutofit/>
+          </a:bodyPr>
+          <a:lstStyle/>
+          <a:p>
+            <a:pPr lvl="0"/>
+            <a:r>
+              <a:rPr lang="en-US" sz="8000" baseline="0" dirty="0">
+                <a:ln w="3175" cmpd="sng">
+                  <a:noFill/>
+                </a:ln>
+                <a:solidFill>
+                  <a:schemeClr val="accent1"/>
+                </a:solidFill>
+                <a:effectLst/>
+                <a:latin typeface="Arial"/>
+              </a:rPr>
+              <a:t>“</a:t>
+            </a:r>
+          </a:p>
+        </p:txBody>
+      </p:sp>
+      <p:sp>
+        <p:nvSpPr>
+          <p:cNvPr id="25" name="TextBox 24"/>
+          <p:cNvSpPr txBox="1"/>
+          <p:nvPr/>
+        </p:nvSpPr>
+        <p:spPr>
+          <a:xfrm>
+            <a:off x="8893011" y="2886556"/>
+            <a:ext cx="609600" cy="584776"/>
+          </a:xfrm>
+          <a:prstGeom prst="rect">
+            <a:avLst/>
+          </a:prstGeom>
+        </p:spPr>
+        <p:txBody>
+          <a:bodyPr vert="horz" lIns="91440" tIns="45720" rIns="91440" bIns="45720" rtlCol="0" anchor="ctr">
+            <a:noAutofit/>
+          </a:bodyPr>
+          <a:lstStyle/>
+          <a:p>
+            <a:pPr lvl="0"/>
+            <a:r>
+              <a:rPr lang="en-US" sz="8000" baseline="0" dirty="0">
+                <a:ln w="3175" cmpd="sng">
+                  <a:noFill/>
+                </a:ln>
+                <a:solidFill>
+                  <a:schemeClr val="accent1"/>
+                </a:solidFill>
+                <a:effectLst/>
+                <a:latin typeface="Arial"/>
+              </a:rPr>
+              <a:t>”</a:t>
+            </a:r>
+          </a:p>
+        </p:txBody>
+      </p:sp>
+    </p:spTree>
+    <p:extLst>
+      <p:ext uri="{BB962C8B-B14F-4D97-AF65-F5344CB8AC3E}">
+        <p14:creationId xmlns:p14="http://schemas.microsoft.com/office/powerpoint/2010/main" val="3997644802"/>
+      </p:ext>
+    </p:extLst>
+  </p:cSld>
+  <p:clrMapOvr>
+    <a:masterClrMapping/>
+  </p:clrMapOvr>
+</p:sldLayout>
+</file>
+
+<file path=ppt/slideLayouts/slideLayout14.xml><?xml version="1.0" encoding="utf-8"?>
+<p:sldLayout xmlns:a="http://schemas.openxmlformats.org/drawingml/2006/main" xmlns:r="http://schemas.openxmlformats.org/officeDocument/2006/relationships" xmlns:p="http://schemas.openxmlformats.org/presentationml/2006/main" preserve="1">
+  <p:cSld name="Vrai ou faux">
+    <p:spTree>
+      <p:nvGrpSpPr>
+        <p:cNvPr id="1" name=""/>
+        <p:cNvGrpSpPr/>
+        <p:nvPr/>
+      </p:nvGrpSpPr>
+      <p:grpSpPr>
+        <a:xfrm>
+          <a:off x="0" y="0"/>
+          <a:ext cx="0" cy="0"/>
+          <a:chOff x="0" y="0"/>
+          <a:chExt cx="0" cy="0"/>
+        </a:xfrm>
+      </p:grpSpPr>
+      <p:sp>
+        <p:nvSpPr>
+          <p:cNvPr id="2" name="Title 1"/>
+          <p:cNvSpPr>
+            <a:spLocks noGrp="1"/>
+          </p:cNvSpPr>
+          <p:nvPr>
+            <p:ph type="title"/>
+          </p:nvPr>
+        </p:nvSpPr>
+        <p:spPr>
+          <a:xfrm>
+            <a:off x="685799" y="609600"/>
+            <a:ext cx="8588203" cy="3022600"/>
+          </a:xfrm>
+        </p:spPr>
+        <p:txBody>
+          <a:bodyPr anchor="ctr">
+            <a:normAutofit/>
+          </a:bodyPr>
+          <a:lstStyle>
+            <a:lvl1pPr algn="l">
+              <a:defRPr sz="4400" b="0" cap="none"/>
+            </a:lvl1pPr>
+          </a:lstStyle>
+          <a:p>
+            <a:r>
+              <a:rPr lang="fr-FR" smtClean="0"/>
+              <a:t>Modifiez le style du titre</a:t>
+            </a:r>
+            <a:endParaRPr lang="en-US" dirty="0"/>
+          </a:p>
+        </p:txBody>
+      </p:sp>
+      <p:sp>
+        <p:nvSpPr>
+          <p:cNvPr id="23" name="Text Placeholder 9"/>
+          <p:cNvSpPr>
+            <a:spLocks noGrp="1"/>
+          </p:cNvSpPr>
+          <p:nvPr>
+            <p:ph type="body" sz="quarter" idx="13"/>
+          </p:nvPr>
+        </p:nvSpPr>
+        <p:spPr>
+          <a:xfrm>
+            <a:off x="677332" y="4013200"/>
+            <a:ext cx="8596669" cy="514248"/>
+          </a:xfrm>
+        </p:spPr>
+        <p:txBody>
+          <a:bodyPr anchor="b">
+            <a:noAutofit/>
+          </a:bodyPr>
+          <a:lstStyle>
+            <a:lvl1pPr marL="0" indent="0">
+              <a:buFontTx/>
+              <a:buNone/>
+              <a:defRPr sz="2400">
+                <a:solidFill>
+                  <a:schemeClr val="accent1"/>
+                </a:solidFill>
+              </a:defRPr>
+            </a:lvl1pPr>
+            <a:lvl2pPr marL="457200" indent="0">
+              <a:buFontTx/>
+              <a:buNone/>
+              <a:defRPr/>
+            </a:lvl2pPr>
+            <a:lvl3pPr marL="914400" indent="0">
+              <a:buFontTx/>
+              <a:buNone/>
+              <a:defRPr/>
+            </a:lvl3pPr>
+            <a:lvl4pPr marL="1371600" indent="0">
+              <a:buFontTx/>
+              <a:buNone/>
+              <a:defRPr/>
+            </a:lvl4pPr>
+            <a:lvl5pPr marL="1828800" indent="0">
+              <a:buFontTx/>
+              <a:buNone/>
+              <a:defRPr/>
+            </a:lvl5pPr>
+          </a:lstStyle>
+          <a:p>
+            <a:pPr lvl="0"/>
+            <a:r>
+              <a:rPr lang="fr-FR" smtClean="0"/>
+              <a:t>Modifier les styles du texte du masque</a:t>
+            </a:r>
+          </a:p>
+        </p:txBody>
+      </p:sp>
+      <p:sp>
+        <p:nvSpPr>
+          <p:cNvPr id="3" name="Text Placeholder 2"/>
+          <p:cNvSpPr>
+            <a:spLocks noGrp="1"/>
+          </p:cNvSpPr>
+          <p:nvPr>
+            <p:ph type="body" idx="1"/>
+          </p:nvPr>
+        </p:nvSpPr>
+        <p:spPr>
+          <a:xfrm>
+            <a:off x="677335" y="4527448"/>
+            <a:ext cx="8596668" cy="1513914"/>
+          </a:xfrm>
+        </p:spPr>
+        <p:txBody>
+          <a:bodyPr anchor="t">
+            <a:normAutofit/>
+          </a:bodyPr>
+          <a:lstStyle>
+            <a:lvl1pPr marL="0" indent="0" algn="l">
+              <a:buNone/>
+              <a:defRPr sz="1800">
+                <a:solidFill>
+                  <a:schemeClr val="tx1">
+                    <a:lumMod val="50000"/>
+                    <a:lumOff val="50000"/>
+                  </a:schemeClr>
+                </a:solidFill>
+              </a:defRPr>
+            </a:lvl1pPr>
+            <a:lvl2pPr marL="457200" indent="0">
+              <a:buNone/>
+              <a:defRPr sz="1800">
+                <a:solidFill>
+                  <a:schemeClr val="tx1">
+                    <a:tint val="75000"/>
+                  </a:schemeClr>
+                </a:solidFill>
+              </a:defRPr>
+            </a:lvl2pPr>
+            <a:lvl3pPr marL="914400" indent="0">
+              <a:buNone/>
+              <a:defRPr sz="1600">
+                <a:solidFill>
+                  <a:schemeClr val="tx1">
+                    <a:tint val="75000"/>
+                  </a:schemeClr>
+                </a:solidFill>
+              </a:defRPr>
+            </a:lvl3pPr>
+            <a:lvl4pPr marL="1371600" indent="0">
+              <a:buNone/>
+              <a:defRPr sz="1400">
+                <a:solidFill>
+                  <a:schemeClr val="tx1">
+                    <a:tint val="75000"/>
+                  </a:schemeClr>
+                </a:solidFill>
+              </a:defRPr>
+            </a:lvl4pPr>
+            <a:lvl5pPr marL="1828800" indent="0">
+              <a:buNone/>
+              <a:defRPr sz="1400">
+                <a:solidFill>
+                  <a:schemeClr val="tx1">
+                    <a:tint val="75000"/>
+                  </a:schemeClr>
+                </a:solidFill>
+              </a:defRPr>
+            </a:lvl5pPr>
+            <a:lvl6pPr marL="2286000" indent="0">
+              <a:buNone/>
+              <a:defRPr sz="1400">
+                <a:solidFill>
+                  <a:schemeClr val="tx1">
+                    <a:tint val="75000"/>
+                  </a:schemeClr>
+                </a:solidFill>
+              </a:defRPr>
+            </a:lvl6pPr>
+            <a:lvl7pPr marL="2743200" indent="0">
+              <a:buNone/>
+              <a:defRPr sz="1400">
+                <a:solidFill>
+                  <a:schemeClr val="tx1">
+                    <a:tint val="75000"/>
+                  </a:schemeClr>
+                </a:solidFill>
+              </a:defRPr>
+            </a:lvl7pPr>
+            <a:lvl8pPr marL="3200400" indent="0">
+              <a:buNone/>
+              <a:defRPr sz="1400">
+                <a:solidFill>
+                  <a:schemeClr val="tx1">
+                    <a:tint val="75000"/>
+                  </a:schemeClr>
+                </a:solidFill>
+              </a:defRPr>
+            </a:lvl8pPr>
+            <a:lvl9pPr marL="3657600" indent="0">
+              <a:buNone/>
+              <a:defRPr sz="1400">
+                <a:solidFill>
+                  <a:schemeClr val="tx1">
+                    <a:tint val="75000"/>
+                  </a:schemeClr>
+                </a:solidFill>
+              </a:defRPr>
+            </a:lvl9pPr>
+          </a:lstStyle>
+          <a:p>
+            <a:pPr lvl="0"/>
+            <a:r>
+              <a:rPr lang="fr-FR" smtClean="0"/>
+              <a:t>Modifier les styles du texte du masque</a:t>
+            </a:r>
+          </a:p>
+        </p:txBody>
+      </p:sp>
+      <p:sp>
+        <p:nvSpPr>
+          <p:cNvPr id="4" name="Date Placeholder 3"/>
+          <p:cNvSpPr>
+            <a:spLocks noGrp="1"/>
+          </p:cNvSpPr>
+          <p:nvPr>
+            <p:ph type="dt" sz="half" idx="10"/>
+          </p:nvPr>
+        </p:nvSpPr>
+        <p:spPr/>
+        <p:txBody>
+          <a:bodyPr/>
+          <a:lstStyle/>
+          <a:p>
+            <a:fld id="{757DD2AA-2024-4295-B62F-A2D5D8CCA8F8}" type="datetimeFigureOut">
+              <a:rPr lang="fr-FR" smtClean="0"/>
+              <a:t>21/11/2022</a:t>
+            </a:fld>
+            <a:endParaRPr lang="fr-FR"/>
+          </a:p>
+        </p:txBody>
+      </p:sp>
+      <p:sp>
+        <p:nvSpPr>
+          <p:cNvPr id="5" name="Footer Placeholder 4"/>
+          <p:cNvSpPr>
+            <a:spLocks noGrp="1"/>
+          </p:cNvSpPr>
+          <p:nvPr>
+            <p:ph type="ftr" sz="quarter" idx="11"/>
+          </p:nvPr>
+        </p:nvSpPr>
+        <p:spPr/>
+        <p:txBody>
+          <a:bodyPr/>
+          <a:lstStyle/>
+          <a:p>
+            <a:endParaRPr lang="fr-FR"/>
+          </a:p>
+        </p:txBody>
+      </p:sp>
+      <p:sp>
+        <p:nvSpPr>
+          <p:cNvPr id="6" name="Slide Number Placeholder 5"/>
+          <p:cNvSpPr>
+            <a:spLocks noGrp="1"/>
+          </p:cNvSpPr>
+          <p:nvPr>
+            <p:ph type="sldNum" sz="quarter" idx="12"/>
+          </p:nvPr>
+        </p:nvSpPr>
+        <p:spPr/>
+        <p:txBody>
+          <a:bodyPr/>
+          <a:lstStyle/>
+          <a:p>
+            <a:fld id="{0230197A-E8DC-4653-8C4C-C57CCCA6104B}" type="slidenum">
+              <a:rPr lang="fr-FR" smtClean="0"/>
+              <a:t>‹N°›</a:t>
+            </a:fld>
+            <a:endParaRPr lang="fr-FR"/>
+          </a:p>
+        </p:txBody>
+      </p:sp>
+    </p:spTree>
+    <p:extLst>
+      <p:ext uri="{BB962C8B-B14F-4D97-AF65-F5344CB8AC3E}">
+        <p14:creationId xmlns:p14="http://schemas.microsoft.com/office/powerpoint/2010/main" val="420553282"/>
+      </p:ext>
+    </p:extLst>
+  </p:cSld>
+  <p:clrMapOvr>
+    <a:masterClrMapping/>
+  </p:clrMapOvr>
+</p:sldLayout>
+</file>
+
+<file path=ppt/slideLayouts/slideLayout15.xml><?xml version="1.0" encoding="utf-8"?>
 <p:sldLayout xmlns:a="http://schemas.openxmlformats.org/drawingml/2006/main" xmlns:r="http://schemas.openxmlformats.org/officeDocument/2006/relationships" xmlns:p="http://schemas.openxmlformats.org/presentationml/2006/main" type="vertTx" preserve="1">
   <p:cSld name="Titre et texte vertical">
     <p:spTree>
@@ -318,7 +2517,7 @@
       </p:grpSpPr>
       <p:sp>
         <p:nvSpPr>
-          <p:cNvPr id="2" name="Titre 1"/>
+          <p:cNvPr id="2" name="Title 1"/>
           <p:cNvSpPr>
             <a:spLocks noGrp="1"/>
           </p:cNvSpPr>
@@ -335,13 +2534,13 @@
               <a:rPr lang="fr-FR" smtClean="0"/>
               <a:t>Modifiez le style du titre</a:t>
             </a:r>
-            <a:endParaRPr lang="fr-FR"/>
-          </a:p>
-        </p:txBody>
-      </p:sp>
-      <p:sp>
-        <p:nvSpPr>
-          <p:cNvPr id="3" name="Espace réservé du texte vertical 2"/>
+            <a:endParaRPr lang="en-US" dirty="0"/>
+          </a:p>
+        </p:txBody>
+      </p:sp>
+      <p:sp>
+        <p:nvSpPr>
+          <p:cNvPr id="3" name="Vertical Text Placeholder 2"/>
           <p:cNvSpPr>
             <a:spLocks noGrp="1"/>
           </p:cNvSpPr>
@@ -387,13 +2586,13 @@
               <a:rPr lang="fr-FR" smtClean="0"/>
               <a:t>Cinquième niveau</a:t>
             </a:r>
-            <a:endParaRPr lang="fr-FR"/>
-          </a:p>
-        </p:txBody>
-      </p:sp>
-      <p:sp>
-        <p:nvSpPr>
-          <p:cNvPr id="4" name="Espace réservé de la date 3"/>
+            <a:endParaRPr lang="en-US" dirty="0"/>
+          </a:p>
+        </p:txBody>
+      </p:sp>
+      <p:sp>
+        <p:nvSpPr>
+          <p:cNvPr id="4" name="Date Placeholder 3"/>
           <p:cNvSpPr>
             <a:spLocks noGrp="1"/>
           </p:cNvSpPr>
@@ -408,7 +2607,7 @@
           <a:p>
             <a:fld id="{757DD2AA-2024-4295-B62F-A2D5D8CCA8F8}" type="datetimeFigureOut">
               <a:rPr lang="fr-FR" smtClean="0"/>
-              <a:t>09/11/2022</a:t>
+              <a:t>21/11/2022</a:t>
             </a:fld>
             <a:endParaRPr lang="fr-FR"/>
           </a:p>
@@ -416,7 +2615,7 @@
       </p:sp>
       <p:sp>
         <p:nvSpPr>
-          <p:cNvPr id="5" name="Espace réservé du pied de page 4"/>
+          <p:cNvPr id="5" name="Footer Placeholder 4"/>
           <p:cNvSpPr>
             <a:spLocks noGrp="1"/>
           </p:cNvSpPr>
@@ -435,7 +2634,7 @@
       </p:sp>
       <p:sp>
         <p:nvSpPr>
-          <p:cNvPr id="6" name="Espace réservé du numéro de diapositive 5"/>
+          <p:cNvPr id="6" name="Slide Number Placeholder 5"/>
           <p:cNvSpPr>
             <a:spLocks noGrp="1"/>
           </p:cNvSpPr>
@@ -459,7 +2658,7 @@
     </p:spTree>
     <p:extLst>
       <p:ext uri="{BB962C8B-B14F-4D97-AF65-F5344CB8AC3E}">
-        <p14:creationId xmlns:p14="http://schemas.microsoft.com/office/powerpoint/2010/main" val="594081454"/>
+        <p14:creationId xmlns:p14="http://schemas.microsoft.com/office/powerpoint/2010/main" val="3718009265"/>
       </p:ext>
     </p:extLst>
   </p:cSld>
@@ -469,7 +2668,7 @@
 </p:sldLayout>
 </file>
 
-<file path=ppt/slideLayouts/slideLayout11.xml><?xml version="1.0" encoding="utf-8"?>
+<file path=ppt/slideLayouts/slideLayout16.xml><?xml version="1.0" encoding="utf-8"?>
 <p:sldLayout xmlns:a="http://schemas.openxmlformats.org/drawingml/2006/main" xmlns:r="http://schemas.openxmlformats.org/officeDocument/2006/relationships" xmlns:p="http://schemas.openxmlformats.org/presentationml/2006/main" type="vertTitleAndTx" preserve="1">
   <p:cSld name="Titre vertical et texte">
     <p:spTree>
@@ -488,7 +2687,7 @@
       </p:grpSpPr>
       <p:sp>
         <p:nvSpPr>
-          <p:cNvPr id="2" name="Titre vertical 1"/>
+          <p:cNvPr id="2" name="Vertical Title 1"/>
           <p:cNvSpPr>
             <a:spLocks noGrp="1"/>
           </p:cNvSpPr>
@@ -498,42 +2697,42 @@
         </p:nvSpPr>
         <p:spPr>
           <a:xfrm>
-            <a:off x="8724900" y="365125"/>
-            <a:ext cx="2628900" cy="5811838"/>
+            <a:off x="7967673" y="609599"/>
+            <a:ext cx="1304743" cy="5251451"/>
           </a:xfrm>
         </p:spPr>
         <p:txBody>
+          <a:bodyPr vert="eaVert" anchor="ctr"/>
+          <a:lstStyle/>
+          <a:p>
+            <a:r>
+              <a:rPr lang="fr-FR" smtClean="0"/>
+              <a:t>Modifiez le style du titre</a:t>
+            </a:r>
+            <a:endParaRPr lang="en-US" dirty="0"/>
+          </a:p>
+        </p:txBody>
+      </p:sp>
+      <p:sp>
+        <p:nvSpPr>
+          <p:cNvPr id="3" name="Vertical Text Placeholder 2"/>
+          <p:cNvSpPr>
+            <a:spLocks noGrp="1"/>
+          </p:cNvSpPr>
+          <p:nvPr>
+            <p:ph type="body" orient="vert" idx="1"/>
+          </p:nvPr>
+        </p:nvSpPr>
+        <p:spPr>
+          <a:xfrm>
+            <a:off x="677335" y="609600"/>
+            <a:ext cx="7060150" cy="5251450"/>
+          </a:xfrm>
+        </p:spPr>
+        <p:txBody>
           <a:bodyPr vert="eaVert"/>
           <a:lstStyle/>
           <a:p>
-            <a:r>
-              <a:rPr lang="fr-FR" smtClean="0"/>
-              <a:t>Modifiez le style du titre</a:t>
-            </a:r>
-            <a:endParaRPr lang="fr-FR"/>
-          </a:p>
-        </p:txBody>
-      </p:sp>
-      <p:sp>
-        <p:nvSpPr>
-          <p:cNvPr id="3" name="Espace réservé du texte vertical 2"/>
-          <p:cNvSpPr>
-            <a:spLocks noGrp="1"/>
-          </p:cNvSpPr>
-          <p:nvPr>
-            <p:ph type="body" orient="vert" idx="1"/>
-          </p:nvPr>
-        </p:nvSpPr>
-        <p:spPr>
-          <a:xfrm>
-            <a:off x="838200" y="365125"/>
-            <a:ext cx="7734300" cy="5811838"/>
-          </a:xfrm>
-        </p:spPr>
-        <p:txBody>
-          <a:bodyPr vert="eaVert"/>
-          <a:lstStyle/>
-          <a:p>
             <a:pPr lvl="0"/>
             <a:r>
               <a:rPr lang="fr-FR" smtClean="0"/>
@@ -567,13 +2766,13 @@
               <a:rPr lang="fr-FR" smtClean="0"/>
               <a:t>Cinquième niveau</a:t>
             </a:r>
-            <a:endParaRPr lang="fr-FR"/>
-          </a:p>
-        </p:txBody>
-      </p:sp>
-      <p:sp>
-        <p:nvSpPr>
-          <p:cNvPr id="4" name="Espace réservé de la date 3"/>
+            <a:endParaRPr lang="en-US" dirty="0"/>
+          </a:p>
+        </p:txBody>
+      </p:sp>
+      <p:sp>
+        <p:nvSpPr>
+          <p:cNvPr id="4" name="Date Placeholder 3"/>
           <p:cNvSpPr>
             <a:spLocks noGrp="1"/>
           </p:cNvSpPr>
@@ -588,7 +2787,7 @@
           <a:p>
             <a:fld id="{757DD2AA-2024-4295-B62F-A2D5D8CCA8F8}" type="datetimeFigureOut">
               <a:rPr lang="fr-FR" smtClean="0"/>
-              <a:t>09/11/2022</a:t>
+              <a:t>21/11/2022</a:t>
             </a:fld>
             <a:endParaRPr lang="fr-FR"/>
           </a:p>
@@ -596,7 +2795,7 @@
       </p:sp>
       <p:sp>
         <p:nvSpPr>
-          <p:cNvPr id="5" name="Espace réservé du pied de page 4"/>
+          <p:cNvPr id="5" name="Footer Placeholder 4"/>
           <p:cNvSpPr>
             <a:spLocks noGrp="1"/>
           </p:cNvSpPr>
@@ -615,7 +2814,7 @@
       </p:sp>
       <p:sp>
         <p:nvSpPr>
-          <p:cNvPr id="6" name="Espace réservé du numéro de diapositive 5"/>
+          <p:cNvPr id="6" name="Slide Number Placeholder 5"/>
           <p:cNvSpPr>
             <a:spLocks noGrp="1"/>
           </p:cNvSpPr>
@@ -639,7 +2838,7 @@
     </p:spTree>
     <p:extLst>
       <p:ext uri="{BB962C8B-B14F-4D97-AF65-F5344CB8AC3E}">
-        <p14:creationId xmlns:p14="http://schemas.microsoft.com/office/powerpoint/2010/main" val="2181244715"/>
+        <p14:creationId xmlns:p14="http://schemas.microsoft.com/office/powerpoint/2010/main" val="2037396843"/>
       </p:ext>
     </p:extLst>
   </p:cSld>
@@ -668,7 +2867,7 @@
       </p:grpSpPr>
       <p:sp>
         <p:nvSpPr>
-          <p:cNvPr id="2" name="Titre 1"/>
+          <p:cNvPr id="2" name="Title 1"/>
           <p:cNvSpPr>
             <a:spLocks noGrp="1"/>
           </p:cNvSpPr>
@@ -685,13 +2884,13 @@
               <a:rPr lang="fr-FR" smtClean="0"/>
               <a:t>Modifiez le style du titre</a:t>
             </a:r>
-            <a:endParaRPr lang="fr-FR"/>
-          </a:p>
-        </p:txBody>
-      </p:sp>
-      <p:sp>
-        <p:nvSpPr>
-          <p:cNvPr id="3" name="Espace réservé du contenu 2"/>
+            <a:endParaRPr lang="en-US" dirty="0"/>
+          </a:p>
+        </p:txBody>
+      </p:sp>
+      <p:sp>
+        <p:nvSpPr>
+          <p:cNvPr id="3" name="Content Placeholder 2"/>
           <p:cNvSpPr>
             <a:spLocks noGrp="1"/>
           </p:cNvSpPr>
@@ -737,13 +2936,13 @@
               <a:rPr lang="fr-FR" smtClean="0"/>
               <a:t>Cinquième niveau</a:t>
             </a:r>
-            <a:endParaRPr lang="fr-FR"/>
-          </a:p>
-        </p:txBody>
-      </p:sp>
-      <p:sp>
-        <p:nvSpPr>
-          <p:cNvPr id="4" name="Espace réservé de la date 3"/>
+            <a:endParaRPr lang="en-US" dirty="0"/>
+          </a:p>
+        </p:txBody>
+      </p:sp>
+      <p:sp>
+        <p:nvSpPr>
+          <p:cNvPr id="4" name="Date Placeholder 3"/>
           <p:cNvSpPr>
             <a:spLocks noGrp="1"/>
           </p:cNvSpPr>
@@ -758,7 +2957,7 @@
           <a:p>
             <a:fld id="{757DD2AA-2024-4295-B62F-A2D5D8CCA8F8}" type="datetimeFigureOut">
               <a:rPr lang="fr-FR" smtClean="0"/>
-              <a:t>09/11/2022</a:t>
+              <a:t>21/11/2022</a:t>
             </a:fld>
             <a:endParaRPr lang="fr-FR"/>
           </a:p>
@@ -766,7 +2965,7 @@
       </p:sp>
       <p:sp>
         <p:nvSpPr>
-          <p:cNvPr id="5" name="Espace réservé du pied de page 4"/>
+          <p:cNvPr id="5" name="Footer Placeholder 4"/>
           <p:cNvSpPr>
             <a:spLocks noGrp="1"/>
           </p:cNvSpPr>
@@ -785,7 +2984,7 @@
       </p:sp>
       <p:sp>
         <p:nvSpPr>
-          <p:cNvPr id="6" name="Espace réservé du numéro de diapositive 5"/>
+          <p:cNvPr id="6" name="Slide Number Placeholder 5"/>
           <p:cNvSpPr>
             <a:spLocks noGrp="1"/>
           </p:cNvSpPr>
@@ -809,7 +3008,7 @@
     </p:spTree>
     <p:extLst>
       <p:ext uri="{BB962C8B-B14F-4D97-AF65-F5344CB8AC3E}">
-        <p14:creationId xmlns:p14="http://schemas.microsoft.com/office/powerpoint/2010/main" val="1536902570"/>
+        <p14:creationId xmlns:p14="http://schemas.microsoft.com/office/powerpoint/2010/main" val="2665000282"/>
       </p:ext>
     </p:extLst>
   </p:cSld>
@@ -838,7 +3037,7 @@
       </p:grpSpPr>
       <p:sp>
         <p:nvSpPr>
-          <p:cNvPr id="2" name="Titre 1"/>
+          <p:cNvPr id="2" name="Title 1"/>
           <p:cNvSpPr>
             <a:spLocks noGrp="1"/>
           </p:cNvSpPr>
@@ -848,15 +3047,15 @@
         </p:nvSpPr>
         <p:spPr>
           <a:xfrm>
-            <a:off x="831850" y="1709738"/>
-            <a:ext cx="10515600" cy="2852737"/>
+            <a:off x="677335" y="2700867"/>
+            <a:ext cx="8596668" cy="1826581"/>
           </a:xfrm>
         </p:spPr>
         <p:txBody>
           <a:bodyPr anchor="b"/>
           <a:lstStyle>
-            <a:lvl1pPr>
-              <a:defRPr sz="6000"/>
+            <a:lvl1pPr algn="l">
+              <a:defRPr sz="4000" b="0" cap="none"/>
             </a:lvl1pPr>
           </a:lstStyle>
           <a:p>
@@ -864,13 +3063,13 @@
               <a:rPr lang="fr-FR" smtClean="0"/>
               <a:t>Modifiez le style du titre</a:t>
             </a:r>
-            <a:endParaRPr lang="fr-FR"/>
-          </a:p>
-        </p:txBody>
-      </p:sp>
-      <p:sp>
-        <p:nvSpPr>
-          <p:cNvPr id="3" name="Espace réservé du texte 2"/>
+            <a:endParaRPr lang="en-US" dirty="0"/>
+          </a:p>
+        </p:txBody>
+      </p:sp>
+      <p:sp>
+        <p:nvSpPr>
+          <p:cNvPr id="3" name="Text Placeholder 2"/>
           <p:cNvSpPr>
             <a:spLocks noGrp="1"/>
           </p:cNvSpPr>
@@ -880,26 +3079,27 @@
         </p:nvSpPr>
         <p:spPr>
           <a:xfrm>
-            <a:off x="831850" y="4589463"/>
-            <a:ext cx="10515600" cy="1500187"/>
+            <a:off x="677335" y="4527448"/>
+            <a:ext cx="8596668" cy="860400"/>
           </a:xfrm>
         </p:spPr>
         <p:txBody>
-          <a:bodyPr/>
+          <a:bodyPr anchor="t"/>
           <a:lstStyle>
-            <a:lvl1pPr marL="0" indent="0">
-              <a:buNone/>
-              <a:defRPr sz="2400">
+            <a:lvl1pPr marL="0" indent="0" algn="l">
+              <a:buNone/>
+              <a:defRPr sz="2000">
                 <a:solidFill>
                   <a:schemeClr val="tx1">
-                    <a:tint val="75000"/>
+                    <a:lumMod val="50000"/>
+                    <a:lumOff val="50000"/>
                   </a:schemeClr>
                 </a:solidFill>
               </a:defRPr>
             </a:lvl1pPr>
             <a:lvl2pPr marL="457200" indent="0">
               <a:buNone/>
-              <a:defRPr sz="2000">
+              <a:defRPr sz="1800">
                 <a:solidFill>
                   <a:schemeClr val="tx1">
                     <a:tint val="75000"/>
@@ -909,7 +3109,7 @@
             </a:lvl2pPr>
             <a:lvl3pPr marL="914400" indent="0">
               <a:buNone/>
-              <a:defRPr sz="1800">
+              <a:defRPr sz="1600">
                 <a:solidFill>
                   <a:schemeClr val="tx1">
                     <a:tint val="75000"/>
@@ -919,7 +3119,7 @@
             </a:lvl3pPr>
             <a:lvl4pPr marL="1371600" indent="0">
               <a:buNone/>
-              <a:defRPr sz="1600">
+              <a:defRPr sz="1400">
                 <a:solidFill>
                   <a:schemeClr val="tx1">
                     <a:tint val="75000"/>
@@ -929,7 +3129,7 @@
             </a:lvl4pPr>
             <a:lvl5pPr marL="1828800" indent="0">
               <a:buNone/>
-              <a:defRPr sz="1600">
+              <a:defRPr sz="1400">
                 <a:solidFill>
                   <a:schemeClr val="tx1">
                     <a:tint val="75000"/>
@@ -939,7 +3139,7 @@
             </a:lvl5pPr>
             <a:lvl6pPr marL="2286000" indent="0">
               <a:buNone/>
-              <a:defRPr sz="1600">
+              <a:defRPr sz="1400">
                 <a:solidFill>
                   <a:schemeClr val="tx1">
                     <a:tint val="75000"/>
@@ -949,7 +3149,7 @@
             </a:lvl6pPr>
             <a:lvl7pPr marL="2743200" indent="0">
               <a:buNone/>
-              <a:defRPr sz="1600">
+              <a:defRPr sz="1400">
                 <a:solidFill>
                   <a:schemeClr val="tx1">
                     <a:tint val="75000"/>
@@ -959,7 +3159,7 @@
             </a:lvl7pPr>
             <a:lvl8pPr marL="3200400" indent="0">
               <a:buNone/>
-              <a:defRPr sz="1600">
+              <a:defRPr sz="1400">
                 <a:solidFill>
                   <a:schemeClr val="tx1">
                     <a:tint val="75000"/>
@@ -969,7 +3169,7 @@
             </a:lvl8pPr>
             <a:lvl9pPr marL="3657600" indent="0">
               <a:buNone/>
-              <a:defRPr sz="1600">
+              <a:defRPr sz="1400">
                 <a:solidFill>
                   <a:schemeClr val="tx1">
                     <a:tint val="75000"/>
@@ -989,7 +3189,7 @@
       </p:sp>
       <p:sp>
         <p:nvSpPr>
-          <p:cNvPr id="4" name="Espace réservé de la date 3"/>
+          <p:cNvPr id="4" name="Date Placeholder 3"/>
           <p:cNvSpPr>
             <a:spLocks noGrp="1"/>
           </p:cNvSpPr>
@@ -1004,7 +3204,7 @@
           <a:p>
             <a:fld id="{757DD2AA-2024-4295-B62F-A2D5D8CCA8F8}" type="datetimeFigureOut">
               <a:rPr lang="fr-FR" smtClean="0"/>
-              <a:t>09/11/2022</a:t>
+              <a:t>21/11/2022</a:t>
             </a:fld>
             <a:endParaRPr lang="fr-FR"/>
           </a:p>
@@ -1012,7 +3212,7 @@
       </p:sp>
       <p:sp>
         <p:nvSpPr>
-          <p:cNvPr id="5" name="Espace réservé du pied de page 4"/>
+          <p:cNvPr id="5" name="Footer Placeholder 4"/>
           <p:cNvSpPr>
             <a:spLocks noGrp="1"/>
           </p:cNvSpPr>
@@ -1031,7 +3231,7 @@
       </p:sp>
       <p:sp>
         <p:nvSpPr>
-          <p:cNvPr id="6" name="Espace réservé du numéro de diapositive 5"/>
+          <p:cNvPr id="6" name="Slide Number Placeholder 5"/>
           <p:cNvSpPr>
             <a:spLocks noGrp="1"/>
           </p:cNvSpPr>
@@ -1055,7 +3255,7 @@
     </p:spTree>
     <p:extLst>
       <p:ext uri="{BB962C8B-B14F-4D97-AF65-F5344CB8AC3E}">
-        <p14:creationId xmlns:p14="http://schemas.microsoft.com/office/powerpoint/2010/main" val="2196288520"/>
+        <p14:creationId xmlns:p14="http://schemas.microsoft.com/office/powerpoint/2010/main" val="1964746754"/>
       </p:ext>
     </p:extLst>
   </p:cSld>
@@ -1084,7 +3284,7 @@
       </p:grpSpPr>
       <p:sp>
         <p:nvSpPr>
-          <p:cNvPr id="2" name="Titre 1"/>
+          <p:cNvPr id="2" name="Title 1"/>
           <p:cNvSpPr>
             <a:spLocks noGrp="1"/>
           </p:cNvSpPr>
@@ -1101,13 +3301,13 @@
               <a:rPr lang="fr-FR" smtClean="0"/>
               <a:t>Modifiez le style du titre</a:t>
             </a:r>
-            <a:endParaRPr lang="fr-FR"/>
-          </a:p>
-        </p:txBody>
-      </p:sp>
-      <p:sp>
-        <p:nvSpPr>
-          <p:cNvPr id="3" name="Espace réservé du contenu 2"/>
+            <a:endParaRPr lang="en-US" dirty="0"/>
+          </a:p>
+        </p:txBody>
+      </p:sp>
+      <p:sp>
+        <p:nvSpPr>
+          <p:cNvPr id="3" name="Content Placeholder 2"/>
           <p:cNvSpPr>
             <a:spLocks noGrp="1"/>
           </p:cNvSpPr>
@@ -1117,8 +3317,8 @@
         </p:nvSpPr>
         <p:spPr>
           <a:xfrm>
-            <a:off x="838200" y="1825625"/>
-            <a:ext cx="5181600" cy="4351338"/>
+            <a:off x="677334" y="2160589"/>
+            <a:ext cx="4184035" cy="3880772"/>
           </a:xfrm>
         </p:spPr>
         <p:txBody>
@@ -1158,13 +3358,13 @@
               <a:rPr lang="fr-FR" smtClean="0"/>
               <a:t>Cinquième niveau</a:t>
             </a:r>
-            <a:endParaRPr lang="fr-FR"/>
-          </a:p>
-        </p:txBody>
-      </p:sp>
-      <p:sp>
-        <p:nvSpPr>
-          <p:cNvPr id="4" name="Espace réservé du contenu 3"/>
+            <a:endParaRPr lang="en-US" dirty="0"/>
+          </a:p>
+        </p:txBody>
+      </p:sp>
+      <p:sp>
+        <p:nvSpPr>
+          <p:cNvPr id="4" name="Content Placeholder 3"/>
           <p:cNvSpPr>
             <a:spLocks noGrp="1"/>
           </p:cNvSpPr>
@@ -1174,8 +3374,8 @@
         </p:nvSpPr>
         <p:spPr>
           <a:xfrm>
-            <a:off x="6172200" y="1825625"/>
-            <a:ext cx="5181600" cy="4351338"/>
+            <a:off x="5089970" y="2160589"/>
+            <a:ext cx="4184034" cy="3880773"/>
           </a:xfrm>
         </p:spPr>
         <p:txBody>
@@ -1215,13 +3415,13 @@
               <a:rPr lang="fr-FR" smtClean="0"/>
               <a:t>Cinquième niveau</a:t>
             </a:r>
-            <a:endParaRPr lang="fr-FR"/>
-          </a:p>
-        </p:txBody>
-      </p:sp>
-      <p:sp>
-        <p:nvSpPr>
-          <p:cNvPr id="5" name="Espace réservé de la date 4"/>
+            <a:endParaRPr lang="en-US" dirty="0"/>
+          </a:p>
+        </p:txBody>
+      </p:sp>
+      <p:sp>
+        <p:nvSpPr>
+          <p:cNvPr id="5" name="Date Placeholder 4"/>
           <p:cNvSpPr>
             <a:spLocks noGrp="1"/>
           </p:cNvSpPr>
@@ -1236,7 +3436,7 @@
           <a:p>
             <a:fld id="{757DD2AA-2024-4295-B62F-A2D5D8CCA8F8}" type="datetimeFigureOut">
               <a:rPr lang="fr-FR" smtClean="0"/>
-              <a:t>09/11/2022</a:t>
+              <a:t>21/11/2022</a:t>
             </a:fld>
             <a:endParaRPr lang="fr-FR"/>
           </a:p>
@@ -1244,7 +3444,7 @@
       </p:sp>
       <p:sp>
         <p:nvSpPr>
-          <p:cNvPr id="6" name="Espace réservé du pied de page 5"/>
+          <p:cNvPr id="6" name="Footer Placeholder 5"/>
           <p:cNvSpPr>
             <a:spLocks noGrp="1"/>
           </p:cNvSpPr>
@@ -1263,7 +3463,7 @@
       </p:sp>
       <p:sp>
         <p:nvSpPr>
-          <p:cNvPr id="7" name="Espace réservé du numéro de diapositive 6"/>
+          <p:cNvPr id="7" name="Slide Number Placeholder 6"/>
           <p:cNvSpPr>
             <a:spLocks noGrp="1"/>
           </p:cNvSpPr>
@@ -1287,7 +3487,7 @@
     </p:spTree>
     <p:extLst>
       <p:ext uri="{BB962C8B-B14F-4D97-AF65-F5344CB8AC3E}">
-        <p14:creationId xmlns:p14="http://schemas.microsoft.com/office/powerpoint/2010/main" val="3024878404"/>
+        <p14:creationId xmlns:p14="http://schemas.microsoft.com/office/powerpoint/2010/main" val="955741286"/>
       </p:ext>
     </p:extLst>
   </p:cSld>
@@ -1316,54 +3516,55 @@
       </p:grpSpPr>
       <p:sp>
         <p:nvSpPr>
-          <p:cNvPr id="2" name="Titre 1"/>
+          <p:cNvPr id="2" name="Title 1"/>
           <p:cNvSpPr>
             <a:spLocks noGrp="1"/>
           </p:cNvSpPr>
           <p:nvPr>
             <p:ph type="title"/>
+          </p:nvPr>
+        </p:nvSpPr>
+        <p:spPr/>
+        <p:txBody>
+          <a:bodyPr/>
+          <a:lstStyle>
+            <a:lvl1pPr>
+              <a:defRPr/>
+            </a:lvl1pPr>
+          </a:lstStyle>
+          <a:p>
+            <a:r>
+              <a:rPr lang="fr-FR" smtClean="0"/>
+              <a:t>Modifiez le style du titre</a:t>
+            </a:r>
+            <a:endParaRPr lang="en-US" dirty="0"/>
+          </a:p>
+        </p:txBody>
+      </p:sp>
+      <p:sp>
+        <p:nvSpPr>
+          <p:cNvPr id="3" name="Text Placeholder 2"/>
+          <p:cNvSpPr>
+            <a:spLocks noGrp="1"/>
+          </p:cNvSpPr>
+          <p:nvPr>
+            <p:ph type="body" idx="1"/>
           </p:nvPr>
         </p:nvSpPr>
         <p:spPr>
           <a:xfrm>
-            <a:off x="839788" y="365125"/>
-            <a:ext cx="10515600" cy="1325563"/>
+            <a:off x="675745" y="2160983"/>
+            <a:ext cx="4185623" cy="576262"/>
           </a:xfrm>
         </p:spPr>
         <p:txBody>
-          <a:bodyPr/>
-          <a:lstStyle/>
-          <a:p>
-            <a:r>
-              <a:rPr lang="fr-FR" smtClean="0"/>
-              <a:t>Modifiez le style du titre</a:t>
-            </a:r>
-            <a:endParaRPr lang="fr-FR"/>
-          </a:p>
-        </p:txBody>
-      </p:sp>
-      <p:sp>
-        <p:nvSpPr>
-          <p:cNvPr id="3" name="Espace réservé du texte 2"/>
-          <p:cNvSpPr>
-            <a:spLocks noGrp="1"/>
-          </p:cNvSpPr>
-          <p:nvPr>
-            <p:ph type="body" idx="1"/>
-          </p:nvPr>
-        </p:nvSpPr>
-        <p:spPr>
-          <a:xfrm>
-            <a:off x="839788" y="1681163"/>
-            <a:ext cx="5157787" cy="823912"/>
-          </a:xfrm>
-        </p:spPr>
-        <p:txBody>
-          <a:bodyPr anchor="b"/>
+          <a:bodyPr anchor="b">
+            <a:noAutofit/>
+          </a:bodyPr>
           <a:lstStyle>
             <a:lvl1pPr marL="0" indent="0">
               <a:buNone/>
-              <a:defRPr sz="2400" b="1"/>
+              <a:defRPr sz="2400" b="0"/>
             </a:lvl1pPr>
             <a:lvl2pPr marL="457200" indent="0">
               <a:buNone/>
@@ -1409,7 +3610,7 @@
       </p:sp>
       <p:sp>
         <p:nvSpPr>
-          <p:cNvPr id="4" name="Espace réservé du contenu 3"/>
+          <p:cNvPr id="4" name="Content Placeholder 3"/>
           <p:cNvSpPr>
             <a:spLocks noGrp="1"/>
           </p:cNvSpPr>
@@ -1419,12 +3620,14 @@
         </p:nvSpPr>
         <p:spPr>
           <a:xfrm>
-            <a:off x="839788" y="2505075"/>
-            <a:ext cx="5157787" cy="3684588"/>
+            <a:off x="675745" y="2737245"/>
+            <a:ext cx="4185623" cy="3304117"/>
           </a:xfrm>
         </p:spPr>
         <p:txBody>
-          <a:bodyPr/>
+          <a:bodyPr>
+            <a:normAutofit/>
+          </a:bodyPr>
           <a:lstStyle/>
           <a:p>
             <a:pPr lvl="0"/>
@@ -1460,13 +3663,13 @@
               <a:rPr lang="fr-FR" smtClean="0"/>
               <a:t>Cinquième niveau</a:t>
             </a:r>
-            <a:endParaRPr lang="fr-FR"/>
-          </a:p>
-        </p:txBody>
-      </p:sp>
-      <p:sp>
-        <p:nvSpPr>
-          <p:cNvPr id="5" name="Espace réservé du texte 4"/>
+            <a:endParaRPr lang="en-US" dirty="0"/>
+          </a:p>
+        </p:txBody>
+      </p:sp>
+      <p:sp>
+        <p:nvSpPr>
+          <p:cNvPr id="5" name="Text Placeholder 4"/>
           <p:cNvSpPr>
             <a:spLocks noGrp="1"/>
           </p:cNvSpPr>
@@ -1476,16 +3679,18 @@
         </p:nvSpPr>
         <p:spPr>
           <a:xfrm>
-            <a:off x="6172200" y="1681163"/>
-            <a:ext cx="5183188" cy="823912"/>
+            <a:off x="5088383" y="2160983"/>
+            <a:ext cx="4185618" cy="576262"/>
           </a:xfrm>
         </p:spPr>
         <p:txBody>
-          <a:bodyPr anchor="b"/>
+          <a:bodyPr anchor="b">
+            <a:noAutofit/>
+          </a:bodyPr>
           <a:lstStyle>
             <a:lvl1pPr marL="0" indent="0">
               <a:buNone/>
-              <a:defRPr sz="2400" b="1"/>
+              <a:defRPr sz="2400" b="0"/>
             </a:lvl1pPr>
             <a:lvl2pPr marL="457200" indent="0">
               <a:buNone/>
@@ -1531,7 +3736,7 @@
       </p:sp>
       <p:sp>
         <p:nvSpPr>
-          <p:cNvPr id="6" name="Espace réservé du contenu 5"/>
+          <p:cNvPr id="6" name="Content Placeholder 5"/>
           <p:cNvSpPr>
             <a:spLocks noGrp="1"/>
           </p:cNvSpPr>
@@ -1541,59 +3746,84 @@
         </p:nvSpPr>
         <p:spPr>
           <a:xfrm>
-            <a:off x="6172200" y="2505075"/>
-            <a:ext cx="5183188" cy="3684588"/>
+            <a:off x="5088384" y="2737245"/>
+            <a:ext cx="4185617" cy="3304117"/>
           </a:xfrm>
         </p:spPr>
         <p:txBody>
+          <a:bodyPr>
+            <a:normAutofit/>
+          </a:bodyPr>
+          <a:lstStyle/>
+          <a:p>
+            <a:pPr lvl="0"/>
+            <a:r>
+              <a:rPr lang="fr-FR" smtClean="0"/>
+              <a:t>Modifier les styles du texte du masque</a:t>
+            </a:r>
+          </a:p>
+          <a:p>
+            <a:pPr lvl="1"/>
+            <a:r>
+              <a:rPr lang="fr-FR" smtClean="0"/>
+              <a:t>Deuxième niveau</a:t>
+            </a:r>
+          </a:p>
+          <a:p>
+            <a:pPr lvl="2"/>
+            <a:r>
+              <a:rPr lang="fr-FR" smtClean="0"/>
+              <a:t>Troisième niveau</a:t>
+            </a:r>
+          </a:p>
+          <a:p>
+            <a:pPr lvl="3"/>
+            <a:r>
+              <a:rPr lang="fr-FR" smtClean="0"/>
+              <a:t>Quatrième niveau</a:t>
+            </a:r>
+          </a:p>
+          <a:p>
+            <a:pPr lvl="4"/>
+            <a:r>
+              <a:rPr lang="fr-FR" smtClean="0"/>
+              <a:t>Cinquième niveau</a:t>
+            </a:r>
+            <a:endParaRPr lang="en-US" dirty="0"/>
+          </a:p>
+        </p:txBody>
+      </p:sp>
+      <p:sp>
+        <p:nvSpPr>
+          <p:cNvPr id="7" name="Date Placeholder 6"/>
+          <p:cNvSpPr>
+            <a:spLocks noGrp="1"/>
+          </p:cNvSpPr>
+          <p:nvPr>
+            <p:ph type="dt" sz="half" idx="10"/>
+          </p:nvPr>
+        </p:nvSpPr>
+        <p:spPr/>
+        <p:txBody>
           <a:bodyPr/>
           <a:lstStyle/>
           <a:p>
-            <a:pPr lvl="0"/>
-            <a:r>
-              <a:rPr lang="fr-FR" smtClean="0"/>
-              <a:t>Modifier les styles du texte du masque</a:t>
-            </a:r>
-          </a:p>
-          <a:p>
-            <a:pPr lvl="1"/>
-            <a:r>
-              <a:rPr lang="fr-FR" smtClean="0"/>
-              <a:t>Deuxième niveau</a:t>
-            </a:r>
-          </a:p>
-          <a:p>
-            <a:pPr lvl="2"/>
-            <a:r>
-              <a:rPr lang="fr-FR" smtClean="0"/>
-              <a:t>Troisième niveau</a:t>
-            </a:r>
-          </a:p>
-          <a:p>
-            <a:pPr lvl="3"/>
-            <a:r>
-              <a:rPr lang="fr-FR" smtClean="0"/>
-              <a:t>Quatrième niveau</a:t>
-            </a:r>
-          </a:p>
-          <a:p>
-            <a:pPr lvl="4"/>
-            <a:r>
-              <a:rPr lang="fr-FR" smtClean="0"/>
-              <a:t>Cinquième niveau</a:t>
-            </a:r>
+            <a:fld id="{757DD2AA-2024-4295-B62F-A2D5D8CCA8F8}" type="datetimeFigureOut">
+              <a:rPr lang="fr-FR" smtClean="0"/>
+              <a:t>21/11/2022</a:t>
+            </a:fld>
             <a:endParaRPr lang="fr-FR"/>
           </a:p>
         </p:txBody>
       </p:sp>
       <p:sp>
         <p:nvSpPr>
-          <p:cNvPr id="7" name="Espace réservé de la date 6"/>
-          <p:cNvSpPr>
-            <a:spLocks noGrp="1"/>
-          </p:cNvSpPr>
-          <p:nvPr>
-            <p:ph type="dt" sz="half" idx="10"/>
+          <p:cNvPr id="8" name="Footer Placeholder 7"/>
+          <p:cNvSpPr>
+            <a:spLocks noGrp="1"/>
+          </p:cNvSpPr>
+          <p:nvPr>
+            <p:ph type="ftr" sz="quarter" idx="11"/>
           </p:nvPr>
         </p:nvSpPr>
         <p:spPr/>
@@ -1601,36 +3831,13 @@
           <a:bodyPr/>
           <a:lstStyle/>
           <a:p>
-            <a:fld id="{757DD2AA-2024-4295-B62F-A2D5D8CCA8F8}" type="datetimeFigureOut">
-              <a:rPr lang="fr-FR" smtClean="0"/>
-              <a:t>09/11/2022</a:t>
-            </a:fld>
             <a:endParaRPr lang="fr-FR"/>
           </a:p>
         </p:txBody>
       </p:sp>
       <p:sp>
         <p:nvSpPr>
-          <p:cNvPr id="8" name="Espace réservé du pied de page 7"/>
-          <p:cNvSpPr>
-            <a:spLocks noGrp="1"/>
-          </p:cNvSpPr>
-          <p:nvPr>
-            <p:ph type="ftr" sz="quarter" idx="11"/>
-          </p:nvPr>
-        </p:nvSpPr>
-        <p:spPr/>
-        <p:txBody>
-          <a:bodyPr/>
-          <a:lstStyle/>
-          <a:p>
-            <a:endParaRPr lang="fr-FR"/>
-          </a:p>
-        </p:txBody>
-      </p:sp>
-      <p:sp>
-        <p:nvSpPr>
-          <p:cNvPr id="9" name="Espace réservé du numéro de diapositive 8"/>
+          <p:cNvPr id="9" name="Slide Number Placeholder 8"/>
           <p:cNvSpPr>
             <a:spLocks noGrp="1"/>
           </p:cNvSpPr>
@@ -1654,7 +3861,7 @@
     </p:spTree>
     <p:extLst>
       <p:ext uri="{BB962C8B-B14F-4D97-AF65-F5344CB8AC3E}">
-        <p14:creationId xmlns:p14="http://schemas.microsoft.com/office/powerpoint/2010/main" val="2771952913"/>
+        <p14:creationId xmlns:p14="http://schemas.microsoft.com/office/powerpoint/2010/main" val="3773365902"/>
       </p:ext>
     </p:extLst>
   </p:cSld>
@@ -1683,7 +3890,7 @@
       </p:grpSpPr>
       <p:sp>
         <p:nvSpPr>
-          <p:cNvPr id="2" name="Titre 1"/>
+          <p:cNvPr id="2" name="Title 1"/>
           <p:cNvSpPr>
             <a:spLocks noGrp="1"/>
           </p:cNvSpPr>
@@ -1691,7 +3898,12 @@
             <p:ph type="title"/>
           </p:nvPr>
         </p:nvSpPr>
-        <p:spPr/>
+        <p:spPr>
+          <a:xfrm>
+            <a:off x="677334" y="609600"/>
+            <a:ext cx="8596668" cy="1320800"/>
+          </a:xfrm>
+        </p:spPr>
         <p:txBody>
           <a:bodyPr/>
           <a:lstStyle/>
@@ -1700,13 +3912,13 @@
               <a:rPr lang="fr-FR" smtClean="0"/>
               <a:t>Modifiez le style du titre</a:t>
             </a:r>
-            <a:endParaRPr lang="fr-FR"/>
-          </a:p>
-        </p:txBody>
-      </p:sp>
-      <p:sp>
-        <p:nvSpPr>
-          <p:cNvPr id="3" name="Espace réservé de la date 2"/>
+            <a:endParaRPr lang="en-US" dirty="0"/>
+          </a:p>
+        </p:txBody>
+      </p:sp>
+      <p:sp>
+        <p:nvSpPr>
+          <p:cNvPr id="3" name="Date Placeholder 2"/>
           <p:cNvSpPr>
             <a:spLocks noGrp="1"/>
           </p:cNvSpPr>
@@ -1721,7 +3933,7 @@
           <a:p>
             <a:fld id="{757DD2AA-2024-4295-B62F-A2D5D8CCA8F8}" type="datetimeFigureOut">
               <a:rPr lang="fr-FR" smtClean="0"/>
-              <a:t>09/11/2022</a:t>
+              <a:t>21/11/2022</a:t>
             </a:fld>
             <a:endParaRPr lang="fr-FR"/>
           </a:p>
@@ -1729,7 +3941,7 @@
       </p:sp>
       <p:sp>
         <p:nvSpPr>
-          <p:cNvPr id="4" name="Espace réservé du pied de page 3"/>
+          <p:cNvPr id="4" name="Footer Placeholder 3"/>
           <p:cNvSpPr>
             <a:spLocks noGrp="1"/>
           </p:cNvSpPr>
@@ -1748,7 +3960,7 @@
       </p:sp>
       <p:sp>
         <p:nvSpPr>
-          <p:cNvPr id="5" name="Espace réservé du numéro de diapositive 4"/>
+          <p:cNvPr id="5" name="Slide Number Placeholder 4"/>
           <p:cNvSpPr>
             <a:spLocks noGrp="1"/>
           </p:cNvSpPr>
@@ -1772,7 +3984,7 @@
     </p:spTree>
     <p:extLst>
       <p:ext uri="{BB962C8B-B14F-4D97-AF65-F5344CB8AC3E}">
-        <p14:creationId xmlns:p14="http://schemas.microsoft.com/office/powerpoint/2010/main" val="3279143562"/>
+        <p14:creationId xmlns:p14="http://schemas.microsoft.com/office/powerpoint/2010/main" val="2572940057"/>
       </p:ext>
     </p:extLst>
   </p:cSld>
@@ -1801,7 +4013,7 @@
       </p:grpSpPr>
       <p:sp>
         <p:nvSpPr>
-          <p:cNvPr id="2" name="Espace réservé de la date 1"/>
+          <p:cNvPr id="2" name="Date Placeholder 1"/>
           <p:cNvSpPr>
             <a:spLocks noGrp="1"/>
           </p:cNvSpPr>
@@ -1816,7 +4028,7 @@
           <a:p>
             <a:fld id="{757DD2AA-2024-4295-B62F-A2D5D8CCA8F8}" type="datetimeFigureOut">
               <a:rPr lang="fr-FR" smtClean="0"/>
-              <a:t>09/11/2022</a:t>
+              <a:t>21/11/2022</a:t>
             </a:fld>
             <a:endParaRPr lang="fr-FR"/>
           </a:p>
@@ -1824,7 +4036,7 @@
       </p:sp>
       <p:sp>
         <p:nvSpPr>
-          <p:cNvPr id="3" name="Espace réservé du pied de page 2"/>
+          <p:cNvPr id="3" name="Footer Placeholder 2"/>
           <p:cNvSpPr>
             <a:spLocks noGrp="1"/>
           </p:cNvSpPr>
@@ -1843,7 +4055,7 @@
       </p:sp>
       <p:sp>
         <p:nvSpPr>
-          <p:cNvPr id="4" name="Espace réservé du numéro de diapositive 3"/>
+          <p:cNvPr id="4" name="Slide Number Placeholder 3"/>
           <p:cNvSpPr>
             <a:spLocks noGrp="1"/>
           </p:cNvSpPr>
@@ -1867,7 +4079,7 @@
     </p:spTree>
     <p:extLst>
       <p:ext uri="{BB962C8B-B14F-4D97-AF65-F5344CB8AC3E}">
-        <p14:creationId xmlns:p14="http://schemas.microsoft.com/office/powerpoint/2010/main" val="2360902140"/>
+        <p14:creationId xmlns:p14="http://schemas.microsoft.com/office/powerpoint/2010/main" val="2375911230"/>
       </p:ext>
     </p:extLst>
   </p:cSld>
@@ -1896,7 +4108,7 @@
       </p:grpSpPr>
       <p:sp>
         <p:nvSpPr>
-          <p:cNvPr id="2" name="Titre 1"/>
+          <p:cNvPr id="2" name="Title 1"/>
           <p:cNvSpPr>
             <a:spLocks noGrp="1"/>
           </p:cNvSpPr>
@@ -1906,15 +4118,17 @@
         </p:nvSpPr>
         <p:spPr>
           <a:xfrm>
-            <a:off x="839788" y="457200"/>
-            <a:ext cx="3932237" cy="1600200"/>
+            <a:off x="677334" y="1498604"/>
+            <a:ext cx="3854528" cy="1278466"/>
           </a:xfrm>
         </p:spPr>
         <p:txBody>
-          <a:bodyPr anchor="b"/>
+          <a:bodyPr anchor="b">
+            <a:normAutofit/>
+          </a:bodyPr>
           <a:lstStyle>
             <a:lvl1pPr>
-              <a:defRPr sz="3200"/>
+              <a:defRPr sz="2000"/>
             </a:lvl1pPr>
           </a:lstStyle>
           <a:p>
@@ -1922,13 +4136,13 @@
               <a:rPr lang="fr-FR" smtClean="0"/>
               <a:t>Modifiez le style du titre</a:t>
             </a:r>
-            <a:endParaRPr lang="fr-FR"/>
-          </a:p>
-        </p:txBody>
-      </p:sp>
-      <p:sp>
-        <p:nvSpPr>
-          <p:cNvPr id="3" name="Espace réservé du contenu 2"/>
+            <a:endParaRPr lang="en-US" dirty="0"/>
+          </a:p>
+        </p:txBody>
+      </p:sp>
+      <p:sp>
+        <p:nvSpPr>
+          <p:cNvPr id="3" name="Content Placeholder 2"/>
           <p:cNvSpPr>
             <a:spLocks noGrp="1"/>
           </p:cNvSpPr>
@@ -1938,41 +4152,15 @@
         </p:nvSpPr>
         <p:spPr>
           <a:xfrm>
-            <a:off x="5183188" y="987425"/>
-            <a:ext cx="6172200" cy="4873625"/>
+            <a:off x="4760461" y="514924"/>
+            <a:ext cx="4513541" cy="5526437"/>
           </a:xfrm>
         </p:spPr>
         <p:txBody>
-          <a:bodyPr/>
-          <a:lstStyle>
-            <a:lvl1pPr>
-              <a:defRPr sz="3200"/>
-            </a:lvl1pPr>
-            <a:lvl2pPr>
-              <a:defRPr sz="2800"/>
-            </a:lvl2pPr>
-            <a:lvl3pPr>
-              <a:defRPr sz="2400"/>
-            </a:lvl3pPr>
-            <a:lvl4pPr>
-              <a:defRPr sz="2000"/>
-            </a:lvl4pPr>
-            <a:lvl5pPr>
-              <a:defRPr sz="2000"/>
-            </a:lvl5pPr>
-            <a:lvl6pPr>
-              <a:defRPr sz="2000"/>
-            </a:lvl6pPr>
-            <a:lvl7pPr>
-              <a:defRPr sz="2000"/>
-            </a:lvl7pPr>
-            <a:lvl8pPr>
-              <a:defRPr sz="2000"/>
-            </a:lvl8pPr>
-            <a:lvl9pPr>
-              <a:defRPr sz="2000"/>
-            </a:lvl9pPr>
-          </a:lstStyle>
+          <a:bodyPr>
+            <a:normAutofit/>
+          </a:bodyPr>
+          <a:lstStyle/>
           <a:p>
             <a:pPr lvl="0"/>
             <a:r>
@@ -2007,13 +4195,13 @@
               <a:rPr lang="fr-FR" smtClean="0"/>
               <a:t>Cinquième niveau</a:t>
             </a:r>
-            <a:endParaRPr lang="fr-FR"/>
-          </a:p>
-        </p:txBody>
-      </p:sp>
-      <p:sp>
-        <p:nvSpPr>
-          <p:cNvPr id="4" name="Espace réservé du texte 3"/>
+            <a:endParaRPr lang="en-US" dirty="0"/>
+          </a:p>
+        </p:txBody>
+      </p:sp>
+      <p:sp>
+        <p:nvSpPr>
+          <p:cNvPr id="4" name="Text Placeholder 3"/>
           <p:cNvSpPr>
             <a:spLocks noGrp="1"/>
           </p:cNvSpPr>
@@ -2023,46 +4211,48 @@
         </p:nvSpPr>
         <p:spPr>
           <a:xfrm>
-            <a:off x="839788" y="2057400"/>
-            <a:ext cx="3932237" cy="3811588"/>
+            <a:off x="677334" y="2777069"/>
+            <a:ext cx="3854528" cy="2584449"/>
           </a:xfrm>
         </p:spPr>
         <p:txBody>
-          <a:bodyPr/>
+          <a:bodyPr>
+            <a:normAutofit/>
+          </a:bodyPr>
           <a:lstStyle>
             <a:lvl1pPr marL="0" indent="0">
               <a:buNone/>
-              <a:defRPr sz="1600"/>
+              <a:defRPr sz="1400"/>
             </a:lvl1pPr>
-            <a:lvl2pPr marL="457200" indent="0">
+            <a:lvl2pPr marL="457063" indent="0">
               <a:buNone/>
               <a:defRPr sz="1400"/>
             </a:lvl2pPr>
-            <a:lvl3pPr marL="914400" indent="0">
+            <a:lvl3pPr marL="914126" indent="0">
               <a:buNone/>
               <a:defRPr sz="1200"/>
             </a:lvl3pPr>
-            <a:lvl4pPr marL="1371600" indent="0">
+            <a:lvl4pPr marL="1371189" indent="0">
               <a:buNone/>
               <a:defRPr sz="1000"/>
             </a:lvl4pPr>
-            <a:lvl5pPr marL="1828800" indent="0">
+            <a:lvl5pPr marL="1828251" indent="0">
               <a:buNone/>
               <a:defRPr sz="1000"/>
             </a:lvl5pPr>
-            <a:lvl6pPr marL="2286000" indent="0">
+            <a:lvl6pPr marL="2285314" indent="0">
               <a:buNone/>
               <a:defRPr sz="1000"/>
             </a:lvl6pPr>
-            <a:lvl7pPr marL="2743200" indent="0">
+            <a:lvl7pPr marL="2742377" indent="0">
               <a:buNone/>
               <a:defRPr sz="1000"/>
             </a:lvl7pPr>
-            <a:lvl8pPr marL="3200400" indent="0">
+            <a:lvl8pPr marL="3199440" indent="0">
               <a:buNone/>
               <a:defRPr sz="1000"/>
             </a:lvl8pPr>
-            <a:lvl9pPr marL="3657600" indent="0">
+            <a:lvl9pPr marL="3656503" indent="0">
               <a:buNone/>
               <a:defRPr sz="1000"/>
             </a:lvl9pPr>
@@ -2078,7 +4268,7 @@
       </p:sp>
       <p:sp>
         <p:nvSpPr>
-          <p:cNvPr id="5" name="Espace réservé de la date 4"/>
+          <p:cNvPr id="5" name="Date Placeholder 4"/>
           <p:cNvSpPr>
             <a:spLocks noGrp="1"/>
           </p:cNvSpPr>
@@ -2093,7 +4283,7 @@
           <a:p>
             <a:fld id="{757DD2AA-2024-4295-B62F-A2D5D8CCA8F8}" type="datetimeFigureOut">
               <a:rPr lang="fr-FR" smtClean="0"/>
-              <a:t>09/11/2022</a:t>
+              <a:t>21/11/2022</a:t>
             </a:fld>
             <a:endParaRPr lang="fr-FR"/>
           </a:p>
@@ -2101,7 +4291,7 @@
       </p:sp>
       <p:sp>
         <p:nvSpPr>
-          <p:cNvPr id="6" name="Espace réservé du pied de page 5"/>
+          <p:cNvPr id="6" name="Footer Placeholder 5"/>
           <p:cNvSpPr>
             <a:spLocks noGrp="1"/>
           </p:cNvSpPr>
@@ -2120,7 +4310,7 @@
       </p:sp>
       <p:sp>
         <p:nvSpPr>
-          <p:cNvPr id="7" name="Espace réservé du numéro de diapositive 6"/>
+          <p:cNvPr id="7" name="Slide Number Placeholder 6"/>
           <p:cNvSpPr>
             <a:spLocks noGrp="1"/>
           </p:cNvSpPr>
@@ -2144,7 +4334,7 @@
     </p:spTree>
     <p:extLst>
       <p:ext uri="{BB962C8B-B14F-4D97-AF65-F5344CB8AC3E}">
-        <p14:creationId xmlns:p14="http://schemas.microsoft.com/office/powerpoint/2010/main" val="4233056881"/>
+        <p14:creationId xmlns:p14="http://schemas.microsoft.com/office/powerpoint/2010/main" val="1617269977"/>
       </p:ext>
     </p:extLst>
   </p:cSld>
@@ -2173,7 +4363,7 @@
       </p:grpSpPr>
       <p:sp>
         <p:nvSpPr>
-          <p:cNvPr id="2" name="Titre 1"/>
+          <p:cNvPr id="2" name="Title 1"/>
           <p:cNvSpPr>
             <a:spLocks noGrp="1"/>
           </p:cNvSpPr>
@@ -2183,15 +4373,17 @@
         </p:nvSpPr>
         <p:spPr>
           <a:xfrm>
-            <a:off x="839788" y="457200"/>
-            <a:ext cx="3932237" cy="1600200"/>
+            <a:off x="677334" y="4800600"/>
+            <a:ext cx="8596667" cy="566738"/>
           </a:xfrm>
         </p:spPr>
         <p:txBody>
-          <a:bodyPr anchor="b"/>
+          <a:bodyPr anchor="b">
+            <a:normAutofit/>
+          </a:bodyPr>
           <a:lstStyle>
-            <a:lvl1pPr>
-              <a:defRPr sz="3200"/>
+            <a:lvl1pPr algn="l">
+              <a:defRPr sz="2400" b="0"/>
             </a:lvl1pPr>
           </a:lstStyle>
           <a:p>
@@ -2199,15 +4391,15 @@
               <a:rPr lang="fr-FR" smtClean="0"/>
               <a:t>Modifiez le style du titre</a:t>
             </a:r>
-            <a:endParaRPr lang="fr-FR"/>
-          </a:p>
-        </p:txBody>
-      </p:sp>
-      <p:sp>
-        <p:nvSpPr>
-          <p:cNvPr id="3" name="Espace réservé pour une image  2"/>
-          <p:cNvSpPr>
-            <a:spLocks noGrp="1"/>
+            <a:endParaRPr lang="en-US" dirty="0"/>
+          </a:p>
+        </p:txBody>
+      </p:sp>
+      <p:sp>
+        <p:nvSpPr>
+          <p:cNvPr id="3" name="Picture Placeholder 2"/>
+          <p:cNvSpPr>
+            <a:spLocks noGrp="1" noChangeAspect="1"/>
           </p:cNvSpPr>
           <p:nvPr>
             <p:ph type="pic" idx="1"/>
@@ -2215,112 +4407,120 @@
         </p:nvSpPr>
         <p:spPr>
           <a:xfrm>
-            <a:off x="5183188" y="987425"/>
-            <a:ext cx="6172200" cy="4873625"/>
+            <a:off x="677334" y="609600"/>
+            <a:ext cx="8596668" cy="3845718"/>
           </a:xfrm>
         </p:spPr>
         <p:txBody>
-          <a:bodyPr/>
+          <a:bodyPr anchor="t">
+            <a:normAutofit/>
+          </a:bodyPr>
           <a:lstStyle>
-            <a:lvl1pPr marL="0" indent="0">
-              <a:buNone/>
-              <a:defRPr sz="3200"/>
-            </a:lvl1pPr>
-            <a:lvl2pPr marL="457200" indent="0">
-              <a:buNone/>
-              <a:defRPr sz="2800"/>
-            </a:lvl2pPr>
-            <a:lvl3pPr marL="914400" indent="0">
-              <a:buNone/>
-              <a:defRPr sz="2400"/>
-            </a:lvl3pPr>
-            <a:lvl4pPr marL="1371600" indent="0">
-              <a:buNone/>
-              <a:defRPr sz="2000"/>
-            </a:lvl4pPr>
-            <a:lvl5pPr marL="1828800" indent="0">
-              <a:buNone/>
-              <a:defRPr sz="2000"/>
-            </a:lvl5pPr>
-            <a:lvl6pPr marL="2286000" indent="0">
-              <a:buNone/>
-              <a:defRPr sz="2000"/>
-            </a:lvl6pPr>
-            <a:lvl7pPr marL="2743200" indent="0">
-              <a:buNone/>
-              <a:defRPr sz="2000"/>
-            </a:lvl7pPr>
-            <a:lvl8pPr marL="3200400" indent="0">
-              <a:buNone/>
-              <a:defRPr sz="2000"/>
-            </a:lvl8pPr>
-            <a:lvl9pPr marL="3657600" indent="0">
-              <a:buNone/>
-              <a:defRPr sz="2000"/>
-            </a:lvl9pPr>
-          </a:lstStyle>
-          <a:p>
-            <a:endParaRPr lang="fr-FR"/>
-          </a:p>
-        </p:txBody>
-      </p:sp>
-      <p:sp>
-        <p:nvSpPr>
-          <p:cNvPr id="4" name="Espace réservé du texte 3"/>
-          <p:cNvSpPr>
-            <a:spLocks noGrp="1"/>
-          </p:cNvSpPr>
-          <p:nvPr>
-            <p:ph type="body" sz="half" idx="2"/>
-          </p:nvPr>
-        </p:nvSpPr>
-        <p:spPr>
-          <a:xfrm>
-            <a:off x="839788" y="2057400"/>
-            <a:ext cx="3932237" cy="3811588"/>
-          </a:xfrm>
-        </p:spPr>
-        <p:txBody>
-          <a:bodyPr/>
-          <a:lstStyle>
-            <a:lvl1pPr marL="0" indent="0">
+            <a:lvl1pPr marL="0" indent="0" algn="ctr">
               <a:buNone/>
               <a:defRPr sz="1600"/>
             </a:lvl1pPr>
             <a:lvl2pPr marL="457200" indent="0">
               <a:buNone/>
-              <a:defRPr sz="1400"/>
+              <a:defRPr sz="1600"/>
             </a:lvl2pPr>
             <a:lvl3pPr marL="914400" indent="0">
               <a:buNone/>
-              <a:defRPr sz="1200"/>
+              <a:defRPr sz="1600"/>
             </a:lvl3pPr>
             <a:lvl4pPr marL="1371600" indent="0">
               <a:buNone/>
-              <a:defRPr sz="1000"/>
+              <a:defRPr sz="1600"/>
             </a:lvl4pPr>
             <a:lvl5pPr marL="1828800" indent="0">
               <a:buNone/>
-              <a:defRPr sz="1000"/>
+              <a:defRPr sz="1600"/>
             </a:lvl5pPr>
             <a:lvl6pPr marL="2286000" indent="0">
               <a:buNone/>
-              <a:defRPr sz="1000"/>
+              <a:defRPr sz="1600"/>
             </a:lvl6pPr>
             <a:lvl7pPr marL="2743200" indent="0">
               <a:buNone/>
-              <a:defRPr sz="1000"/>
+              <a:defRPr sz="1600"/>
             </a:lvl7pPr>
             <a:lvl8pPr marL="3200400" indent="0">
               <a:buNone/>
-              <a:defRPr sz="1000"/>
+              <a:defRPr sz="1600"/>
             </a:lvl8pPr>
             <a:lvl9pPr marL="3657600" indent="0">
               <a:buNone/>
-              <a:defRPr sz="1000"/>
+              <a:defRPr sz="1600"/>
             </a:lvl9pPr>
           </a:lstStyle>
           <a:p>
+            <a:r>
+              <a:rPr lang="fr-FR" smtClean="0"/>
+              <a:t>Cliquez sur l'icône pour ajouter une image</a:t>
+            </a:r>
+            <a:endParaRPr lang="en-US" dirty="0"/>
+          </a:p>
+        </p:txBody>
+      </p:sp>
+      <p:sp>
+        <p:nvSpPr>
+          <p:cNvPr id="4" name="Text Placeholder 3"/>
+          <p:cNvSpPr>
+            <a:spLocks noGrp="1"/>
+          </p:cNvSpPr>
+          <p:nvPr>
+            <p:ph type="body" sz="half" idx="2"/>
+          </p:nvPr>
+        </p:nvSpPr>
+        <p:spPr>
+          <a:xfrm>
+            <a:off x="677334" y="5367338"/>
+            <a:ext cx="8596667" cy="674024"/>
+          </a:xfrm>
+        </p:spPr>
+        <p:txBody>
+          <a:bodyPr>
+            <a:normAutofit/>
+          </a:bodyPr>
+          <a:lstStyle>
+            <a:lvl1pPr marL="0" indent="0">
+              <a:buNone/>
+              <a:defRPr sz="1200"/>
+            </a:lvl1pPr>
+            <a:lvl2pPr marL="457200" indent="0">
+              <a:buNone/>
+              <a:defRPr sz="1200"/>
+            </a:lvl2pPr>
+            <a:lvl3pPr marL="914400" indent="0">
+              <a:buNone/>
+              <a:defRPr sz="1000"/>
+            </a:lvl3pPr>
+            <a:lvl4pPr marL="1371600" indent="0">
+              <a:buNone/>
+              <a:defRPr sz="900"/>
+            </a:lvl4pPr>
+            <a:lvl5pPr marL="1828800" indent="0">
+              <a:buNone/>
+              <a:defRPr sz="900"/>
+            </a:lvl5pPr>
+            <a:lvl6pPr marL="2286000" indent="0">
+              <a:buNone/>
+              <a:defRPr sz="900"/>
+            </a:lvl6pPr>
+            <a:lvl7pPr marL="2743200" indent="0">
+              <a:buNone/>
+              <a:defRPr sz="900"/>
+            </a:lvl7pPr>
+            <a:lvl8pPr marL="3200400" indent="0">
+              <a:buNone/>
+              <a:defRPr sz="900"/>
+            </a:lvl8pPr>
+            <a:lvl9pPr marL="3657600" indent="0">
+              <a:buNone/>
+              <a:defRPr sz="900"/>
+            </a:lvl9pPr>
+          </a:lstStyle>
+          <a:p>
             <a:pPr lvl="0"/>
             <a:r>
               <a:rPr lang="fr-FR" smtClean="0"/>
@@ -2331,7 +4531,7 @@
       </p:sp>
       <p:sp>
         <p:nvSpPr>
-          <p:cNvPr id="5" name="Espace réservé de la date 4"/>
+          <p:cNvPr id="5" name="Date Placeholder 4"/>
           <p:cNvSpPr>
             <a:spLocks noGrp="1"/>
           </p:cNvSpPr>
@@ -2346,7 +4546,7 @@
           <a:p>
             <a:fld id="{757DD2AA-2024-4295-B62F-A2D5D8CCA8F8}" type="datetimeFigureOut">
               <a:rPr lang="fr-FR" smtClean="0"/>
-              <a:t>09/11/2022</a:t>
+              <a:t>21/11/2022</a:t>
             </a:fld>
             <a:endParaRPr lang="fr-FR"/>
           </a:p>
@@ -2354,7 +4554,7 @@
       </p:sp>
       <p:sp>
         <p:nvSpPr>
-          <p:cNvPr id="6" name="Espace réservé du pied de page 5"/>
+          <p:cNvPr id="6" name="Footer Placeholder 5"/>
           <p:cNvSpPr>
             <a:spLocks noGrp="1"/>
           </p:cNvSpPr>
@@ -2373,7 +4573,7 @@
       </p:sp>
       <p:sp>
         <p:nvSpPr>
-          <p:cNvPr id="7" name="Espace réservé du numéro de diapositive 6"/>
+          <p:cNvPr id="7" name="Slide Number Placeholder 6"/>
           <p:cNvSpPr>
             <a:spLocks noGrp="1"/>
           </p:cNvSpPr>
@@ -2397,7 +4597,7 @@
     </p:spTree>
     <p:extLst>
       <p:ext uri="{BB962C8B-B14F-4D97-AF65-F5344CB8AC3E}">
-        <p14:creationId xmlns:p14="http://schemas.microsoft.com/office/powerpoint/2010/main" val="241584866"/>
+        <p14:creationId xmlns:p14="http://schemas.microsoft.com/office/powerpoint/2010/main" val="1995888284"/>
       </p:ext>
     </p:extLst>
   </p:cSld>
@@ -2429,9 +4629,541 @@
           <a:chExt cx="0" cy="0"/>
         </a:xfrm>
       </p:grpSpPr>
-      <p:sp>
-        <p:nvSpPr>
-          <p:cNvPr id="2" name="Espace réservé du titre 1"/>
+      <p:grpSp>
+        <p:nvGrpSpPr>
+          <p:cNvPr id="29" name="Group 28"/>
+          <p:cNvGrpSpPr/>
+          <p:nvPr/>
+        </p:nvGrpSpPr>
+        <p:grpSpPr>
+          <a:xfrm>
+            <a:off x="0" y="-8467"/>
+            <a:ext cx="12192000" cy="6866467"/>
+            <a:chOff x="0" y="-8467"/>
+            <a:chExt cx="12192000" cy="6866467"/>
+          </a:xfrm>
+        </p:grpSpPr>
+        <p:cxnSp>
+          <p:nvCxnSpPr>
+            <p:cNvPr id="19" name="Straight Connector 18"/>
+            <p:cNvCxnSpPr/>
+            <p:nvPr/>
+          </p:nvCxnSpPr>
+          <p:spPr>
+            <a:xfrm>
+              <a:off x="9371012" y="0"/>
+              <a:ext cx="1219200" cy="6858000"/>
+            </a:xfrm>
+            <a:prstGeom prst="line">
+              <a:avLst/>
+            </a:prstGeom>
+            <a:ln w="9525">
+              <a:solidFill>
+                <a:schemeClr val="accent1">
+                  <a:alpha val="70000"/>
+                </a:schemeClr>
+              </a:solidFill>
+            </a:ln>
+          </p:spPr>
+          <p:style>
+            <a:lnRef idx="2">
+              <a:schemeClr val="accent1"/>
+            </a:lnRef>
+            <a:fillRef idx="0">
+              <a:schemeClr val="accent1"/>
+            </a:fillRef>
+            <a:effectRef idx="1">
+              <a:schemeClr val="accent1"/>
+            </a:effectRef>
+            <a:fontRef idx="minor">
+              <a:schemeClr val="tx1"/>
+            </a:fontRef>
+          </p:style>
+        </p:cxnSp>
+        <p:cxnSp>
+          <p:nvCxnSpPr>
+            <p:cNvPr id="20" name="Straight Connector 19"/>
+            <p:cNvCxnSpPr/>
+            <p:nvPr/>
+          </p:nvCxnSpPr>
+          <p:spPr>
+            <a:xfrm flipH="1">
+              <a:off x="7425267" y="3681413"/>
+              <a:ext cx="4763558" cy="3176587"/>
+            </a:xfrm>
+            <a:prstGeom prst="line">
+              <a:avLst/>
+            </a:prstGeom>
+            <a:ln w="9525">
+              <a:solidFill>
+                <a:schemeClr val="accent1">
+                  <a:alpha val="70000"/>
+                </a:schemeClr>
+              </a:solidFill>
+            </a:ln>
+          </p:spPr>
+          <p:style>
+            <a:lnRef idx="2">
+              <a:schemeClr val="accent1"/>
+            </a:lnRef>
+            <a:fillRef idx="0">
+              <a:schemeClr val="accent1"/>
+            </a:fillRef>
+            <a:effectRef idx="1">
+              <a:schemeClr val="accent1"/>
+            </a:effectRef>
+            <a:fontRef idx="minor">
+              <a:schemeClr val="tx1"/>
+            </a:fontRef>
+          </p:style>
+        </p:cxnSp>
+        <p:sp>
+          <p:nvSpPr>
+            <p:cNvPr id="21" name="Rectangle 23"/>
+            <p:cNvSpPr/>
+            <p:nvPr/>
+          </p:nvSpPr>
+          <p:spPr>
+            <a:xfrm>
+              <a:off x="9181476" y="-8467"/>
+              <a:ext cx="3007349" cy="6866467"/>
+            </a:xfrm>
+            <a:custGeom>
+              <a:avLst/>
+              <a:gdLst/>
+              <a:ahLst/>
+              <a:cxnLst/>
+              <a:rect l="l" t="t" r="r" b="b"/>
+              <a:pathLst>
+                <a:path w="3007349" h="6866467">
+                  <a:moveTo>
+                    <a:pt x="2045532" y="0"/>
+                  </a:moveTo>
+                  <a:lnTo>
+                    <a:pt x="3007349" y="0"/>
+                  </a:lnTo>
+                  <a:lnTo>
+                    <a:pt x="3007349" y="6866467"/>
+                  </a:lnTo>
+                  <a:lnTo>
+                    <a:pt x="0" y="6866467"/>
+                  </a:lnTo>
+                  <a:lnTo>
+                    <a:pt x="2045532" y="0"/>
+                  </a:lnTo>
+                  <a:close/>
+                </a:path>
+              </a:pathLst>
+            </a:custGeom>
+            <a:solidFill>
+              <a:schemeClr val="accent1">
+                <a:alpha val="36000"/>
+              </a:schemeClr>
+            </a:solidFill>
+            <a:ln>
+              <a:noFill/>
+            </a:ln>
+            <a:effectLst/>
+          </p:spPr>
+          <p:style>
+            <a:lnRef idx="1">
+              <a:schemeClr val="accent1"/>
+            </a:lnRef>
+            <a:fillRef idx="3">
+              <a:schemeClr val="accent1"/>
+            </a:fillRef>
+            <a:effectRef idx="2">
+              <a:schemeClr val="accent1"/>
+            </a:effectRef>
+            <a:fontRef idx="minor">
+              <a:schemeClr val="lt1"/>
+            </a:fontRef>
+          </p:style>
+        </p:sp>
+        <p:sp>
+          <p:nvSpPr>
+            <p:cNvPr id="22" name="Rectangle 25"/>
+            <p:cNvSpPr/>
+            <p:nvPr/>
+          </p:nvSpPr>
+          <p:spPr>
+            <a:xfrm>
+              <a:off x="9603442" y="-8467"/>
+              <a:ext cx="2588558" cy="6866467"/>
+            </a:xfrm>
+            <a:custGeom>
+              <a:avLst/>
+              <a:gdLst/>
+              <a:ahLst/>
+              <a:cxnLst/>
+              <a:rect l="l" t="t" r="r" b="b"/>
+              <a:pathLst>
+                <a:path w="2573311" h="6866467">
+                  <a:moveTo>
+                    <a:pt x="0" y="0"/>
+                  </a:moveTo>
+                  <a:lnTo>
+                    <a:pt x="2573311" y="0"/>
+                  </a:lnTo>
+                  <a:lnTo>
+                    <a:pt x="2573311" y="6866467"/>
+                  </a:lnTo>
+                  <a:lnTo>
+                    <a:pt x="1202336" y="6866467"/>
+                  </a:lnTo>
+                  <a:lnTo>
+                    <a:pt x="0" y="0"/>
+                  </a:lnTo>
+                  <a:close/>
+                </a:path>
+              </a:pathLst>
+            </a:custGeom>
+            <a:solidFill>
+              <a:schemeClr val="accent1">
+                <a:alpha val="20000"/>
+              </a:schemeClr>
+            </a:solidFill>
+            <a:ln>
+              <a:noFill/>
+            </a:ln>
+            <a:effectLst/>
+          </p:spPr>
+          <p:style>
+            <a:lnRef idx="1">
+              <a:schemeClr val="accent1"/>
+            </a:lnRef>
+            <a:fillRef idx="3">
+              <a:schemeClr val="accent1"/>
+            </a:fillRef>
+            <a:effectRef idx="2">
+              <a:schemeClr val="accent1"/>
+            </a:effectRef>
+            <a:fontRef idx="minor">
+              <a:schemeClr val="lt1"/>
+            </a:fontRef>
+          </p:style>
+        </p:sp>
+        <p:sp>
+          <p:nvSpPr>
+            <p:cNvPr id="23" name="Isosceles Triangle 22"/>
+            <p:cNvSpPr/>
+            <p:nvPr/>
+          </p:nvSpPr>
+          <p:spPr>
+            <a:xfrm>
+              <a:off x="8932333" y="3048000"/>
+              <a:ext cx="3259667" cy="3810000"/>
+            </a:xfrm>
+            <a:prstGeom prst="triangle">
+              <a:avLst>
+                <a:gd name="adj" fmla="val 100000"/>
+              </a:avLst>
+            </a:prstGeom>
+            <a:solidFill>
+              <a:schemeClr val="accent1">
+                <a:alpha val="72000"/>
+              </a:schemeClr>
+            </a:solidFill>
+            <a:ln>
+              <a:noFill/>
+            </a:ln>
+            <a:effectLst/>
+          </p:spPr>
+          <p:style>
+            <a:lnRef idx="1">
+              <a:schemeClr val="accent1"/>
+            </a:lnRef>
+            <a:fillRef idx="3">
+              <a:schemeClr val="accent1"/>
+            </a:fillRef>
+            <a:effectRef idx="2">
+              <a:schemeClr val="accent1"/>
+            </a:effectRef>
+            <a:fontRef idx="minor">
+              <a:schemeClr val="lt1"/>
+            </a:fontRef>
+          </p:style>
+        </p:sp>
+        <p:sp>
+          <p:nvSpPr>
+            <p:cNvPr id="24" name="Rectangle 27"/>
+            <p:cNvSpPr/>
+            <p:nvPr/>
+          </p:nvSpPr>
+          <p:spPr>
+            <a:xfrm>
+              <a:off x="9334500" y="-8467"/>
+              <a:ext cx="2854326" cy="6866467"/>
+            </a:xfrm>
+            <a:custGeom>
+              <a:avLst/>
+              <a:gdLst/>
+              <a:ahLst/>
+              <a:cxnLst/>
+              <a:rect l="l" t="t" r="r" b="b"/>
+              <a:pathLst>
+                <a:path w="2858013" h="6866467">
+                  <a:moveTo>
+                    <a:pt x="0" y="0"/>
+                  </a:moveTo>
+                  <a:lnTo>
+                    <a:pt x="2858013" y="0"/>
+                  </a:lnTo>
+                  <a:lnTo>
+                    <a:pt x="2858013" y="6866467"/>
+                  </a:lnTo>
+                  <a:lnTo>
+                    <a:pt x="2473942" y="6866467"/>
+                  </a:lnTo>
+                  <a:lnTo>
+                    <a:pt x="0" y="0"/>
+                  </a:lnTo>
+                  <a:close/>
+                </a:path>
+              </a:pathLst>
+            </a:custGeom>
+            <a:solidFill>
+              <a:schemeClr val="accent1">
+                <a:lumMod val="75000"/>
+                <a:alpha val="50000"/>
+              </a:schemeClr>
+            </a:solidFill>
+            <a:ln>
+              <a:noFill/>
+            </a:ln>
+            <a:effectLst/>
+          </p:spPr>
+          <p:style>
+            <a:lnRef idx="1">
+              <a:schemeClr val="accent1"/>
+            </a:lnRef>
+            <a:fillRef idx="3">
+              <a:schemeClr val="accent1"/>
+            </a:fillRef>
+            <a:effectRef idx="2">
+              <a:schemeClr val="accent1"/>
+            </a:effectRef>
+            <a:fontRef idx="minor">
+              <a:schemeClr val="lt1"/>
+            </a:fontRef>
+          </p:style>
+        </p:sp>
+        <p:sp>
+          <p:nvSpPr>
+            <p:cNvPr id="25" name="Rectangle 28"/>
+            <p:cNvSpPr/>
+            <p:nvPr/>
+          </p:nvSpPr>
+          <p:spPr>
+            <a:xfrm>
+              <a:off x="10898730" y="-8467"/>
+              <a:ext cx="1290094" cy="6866467"/>
+            </a:xfrm>
+            <a:custGeom>
+              <a:avLst/>
+              <a:gdLst/>
+              <a:ahLst/>
+              <a:cxnLst/>
+              <a:rect l="l" t="t" r="r" b="b"/>
+              <a:pathLst>
+                <a:path w="1290094" h="6858000">
+                  <a:moveTo>
+                    <a:pt x="1019735" y="0"/>
+                  </a:moveTo>
+                  <a:lnTo>
+                    <a:pt x="1290094" y="0"/>
+                  </a:lnTo>
+                  <a:lnTo>
+                    <a:pt x="1290094" y="6858000"/>
+                  </a:lnTo>
+                  <a:lnTo>
+                    <a:pt x="0" y="6858000"/>
+                  </a:lnTo>
+                  <a:lnTo>
+                    <a:pt x="1019735" y="0"/>
+                  </a:lnTo>
+                  <a:close/>
+                </a:path>
+              </a:pathLst>
+            </a:custGeom>
+            <a:solidFill>
+              <a:schemeClr val="accent1">
+                <a:lumMod val="75000"/>
+                <a:alpha val="70000"/>
+              </a:schemeClr>
+            </a:solidFill>
+            <a:ln>
+              <a:noFill/>
+            </a:ln>
+            <a:effectLst/>
+          </p:spPr>
+          <p:style>
+            <a:lnRef idx="1">
+              <a:schemeClr val="accent1"/>
+            </a:lnRef>
+            <a:fillRef idx="3">
+              <a:schemeClr val="accent1"/>
+            </a:fillRef>
+            <a:effectRef idx="2">
+              <a:schemeClr val="accent1"/>
+            </a:effectRef>
+            <a:fontRef idx="minor">
+              <a:schemeClr val="lt1"/>
+            </a:fontRef>
+          </p:style>
+        </p:sp>
+        <p:sp>
+          <p:nvSpPr>
+            <p:cNvPr id="26" name="Rectangle 29"/>
+            <p:cNvSpPr/>
+            <p:nvPr/>
+          </p:nvSpPr>
+          <p:spPr>
+            <a:xfrm>
+              <a:off x="10938999" y="-8467"/>
+              <a:ext cx="1249825" cy="6866467"/>
+            </a:xfrm>
+            <a:custGeom>
+              <a:avLst/>
+              <a:gdLst/>
+              <a:ahLst/>
+              <a:cxnLst/>
+              <a:rect l="l" t="t" r="r" b="b"/>
+              <a:pathLst>
+                <a:path w="1249825" h="6858000">
+                  <a:moveTo>
+                    <a:pt x="0" y="0"/>
+                  </a:moveTo>
+                  <a:lnTo>
+                    <a:pt x="1249825" y="0"/>
+                  </a:lnTo>
+                  <a:lnTo>
+                    <a:pt x="1249825" y="6858000"/>
+                  </a:lnTo>
+                  <a:lnTo>
+                    <a:pt x="1109382" y="6858000"/>
+                  </a:lnTo>
+                  <a:lnTo>
+                    <a:pt x="0" y="0"/>
+                  </a:lnTo>
+                  <a:close/>
+                </a:path>
+              </a:pathLst>
+            </a:custGeom>
+            <a:solidFill>
+              <a:schemeClr val="accent1">
+                <a:lumMod val="50000"/>
+                <a:alpha val="80000"/>
+              </a:schemeClr>
+            </a:solidFill>
+            <a:ln>
+              <a:noFill/>
+            </a:ln>
+            <a:effectLst/>
+          </p:spPr>
+          <p:style>
+            <a:lnRef idx="1">
+              <a:schemeClr val="accent1"/>
+            </a:lnRef>
+            <a:fillRef idx="3">
+              <a:schemeClr val="accent1"/>
+            </a:fillRef>
+            <a:effectRef idx="2">
+              <a:schemeClr val="accent1"/>
+            </a:effectRef>
+            <a:fontRef idx="minor">
+              <a:schemeClr val="lt1"/>
+            </a:fontRef>
+          </p:style>
+        </p:sp>
+        <p:sp>
+          <p:nvSpPr>
+            <p:cNvPr id="27" name="Isosceles Triangle 26"/>
+            <p:cNvSpPr/>
+            <p:nvPr/>
+          </p:nvSpPr>
+          <p:spPr>
+            <a:xfrm>
+              <a:off x="10371666" y="3589867"/>
+              <a:ext cx="1817159" cy="3268133"/>
+            </a:xfrm>
+            <a:prstGeom prst="triangle">
+              <a:avLst>
+                <a:gd name="adj" fmla="val 100000"/>
+              </a:avLst>
+            </a:prstGeom>
+            <a:solidFill>
+              <a:schemeClr val="accent1">
+                <a:lumMod val="50000"/>
+                <a:alpha val="66000"/>
+              </a:schemeClr>
+            </a:solidFill>
+            <a:ln>
+              <a:noFill/>
+            </a:ln>
+            <a:effectLst/>
+          </p:spPr>
+          <p:style>
+            <a:lnRef idx="1">
+              <a:schemeClr val="accent1"/>
+            </a:lnRef>
+            <a:fillRef idx="3">
+              <a:schemeClr val="accent1"/>
+            </a:fillRef>
+            <a:effectRef idx="2">
+              <a:schemeClr val="accent1"/>
+            </a:effectRef>
+            <a:fontRef idx="minor">
+              <a:schemeClr val="lt1"/>
+            </a:fontRef>
+          </p:style>
+        </p:sp>
+        <p:sp>
+          <p:nvSpPr>
+            <p:cNvPr id="28" name="Isosceles Triangle 27"/>
+            <p:cNvSpPr/>
+            <p:nvPr/>
+          </p:nvSpPr>
+          <p:spPr>
+            <a:xfrm>
+              <a:off x="0" y="4013200"/>
+              <a:ext cx="448733" cy="2844800"/>
+            </a:xfrm>
+            <a:prstGeom prst="triangle">
+              <a:avLst>
+                <a:gd name="adj" fmla="val 0"/>
+              </a:avLst>
+            </a:prstGeom>
+            <a:solidFill>
+              <a:schemeClr val="accent1">
+                <a:lumMod val="75000"/>
+                <a:alpha val="70000"/>
+              </a:schemeClr>
+            </a:solidFill>
+            <a:ln>
+              <a:noFill/>
+            </a:ln>
+            <a:effectLst/>
+          </p:spPr>
+          <p:style>
+            <a:lnRef idx="1">
+              <a:schemeClr val="accent1"/>
+            </a:lnRef>
+            <a:fillRef idx="3">
+              <a:schemeClr val="accent1"/>
+            </a:fillRef>
+            <a:effectRef idx="2">
+              <a:schemeClr val="accent1"/>
+            </a:effectRef>
+            <a:fontRef idx="minor">
+              <a:schemeClr val="lt1"/>
+            </a:fontRef>
+          </p:style>
+        </p:sp>
+      </p:grpSp>
+      <p:sp>
+        <p:nvSpPr>
+          <p:cNvPr id="2" name="Title Placeholder 1"/>
           <p:cNvSpPr>
             <a:spLocks noGrp="1"/>
           </p:cNvSpPr>
@@ -2441,15 +5173,15 @@
         </p:nvSpPr>
         <p:spPr>
           <a:xfrm>
-            <a:off x="838200" y="365125"/>
-            <a:ext cx="10515600" cy="1325563"/>
+            <a:off x="677334" y="609600"/>
+            <a:ext cx="8596668" cy="1320800"/>
           </a:xfrm>
           <a:prstGeom prst="rect">
             <a:avLst/>
           </a:prstGeom>
         </p:spPr>
         <p:txBody>
-          <a:bodyPr vert="horz" lIns="91440" tIns="45720" rIns="91440" bIns="45720" rtlCol="0" anchor="ctr">
+          <a:bodyPr vert="horz" lIns="91440" tIns="45720" rIns="91440" bIns="45720" rtlCol="0" anchor="t">
             <a:normAutofit/>
           </a:bodyPr>
           <a:lstStyle/>
@@ -2458,13 +5190,13 @@
               <a:rPr lang="fr-FR" smtClean="0"/>
               <a:t>Modifiez le style du titre</a:t>
             </a:r>
-            <a:endParaRPr lang="fr-FR"/>
-          </a:p>
-        </p:txBody>
-      </p:sp>
-      <p:sp>
-        <p:nvSpPr>
-          <p:cNvPr id="3" name="Espace réservé du texte 2"/>
+            <a:endParaRPr lang="en-US" dirty="0"/>
+          </a:p>
+        </p:txBody>
+      </p:sp>
+      <p:sp>
+        <p:nvSpPr>
+          <p:cNvPr id="3" name="Text Placeholder 2"/>
           <p:cNvSpPr>
             <a:spLocks noGrp="1"/>
           </p:cNvSpPr>
@@ -2474,8 +5206,8 @@
         </p:nvSpPr>
         <p:spPr>
           <a:xfrm>
-            <a:off x="838200" y="1825625"/>
-            <a:ext cx="10515600" cy="4351338"/>
+            <a:off x="677334" y="2160589"/>
+            <a:ext cx="8596668" cy="3880773"/>
           </a:xfrm>
           <a:prstGeom prst="rect">
             <a:avLst/>
@@ -2520,13 +5252,13 @@
               <a:rPr lang="fr-FR" smtClean="0"/>
               <a:t>Cinquième niveau</a:t>
             </a:r>
-            <a:endParaRPr lang="fr-FR"/>
-          </a:p>
-        </p:txBody>
-      </p:sp>
-      <p:sp>
-        <p:nvSpPr>
-          <p:cNvPr id="4" name="Espace réservé de la date 3"/>
+            <a:endParaRPr lang="en-US" dirty="0"/>
+          </a:p>
+        </p:txBody>
+      </p:sp>
+      <p:sp>
+        <p:nvSpPr>
+          <p:cNvPr id="4" name="Date Placeholder 3"/>
           <p:cNvSpPr>
             <a:spLocks noGrp="1"/>
           </p:cNvSpPr>
@@ -2536,8 +5268,8 @@
         </p:nvSpPr>
         <p:spPr>
           <a:xfrm>
-            <a:off x="838200" y="6356350"/>
-            <a:ext cx="2743200" cy="365125"/>
+            <a:off x="7205133" y="6041362"/>
+            <a:ext cx="911939" cy="365125"/>
           </a:xfrm>
           <a:prstGeom prst="rect">
             <a:avLst/>
@@ -2546,8 +5278,8 @@
         <p:txBody>
           <a:bodyPr vert="horz" lIns="91440" tIns="45720" rIns="91440" bIns="45720" rtlCol="0" anchor="ctr"/>
           <a:lstStyle>
-            <a:lvl1pPr algn="l">
-              <a:defRPr sz="1200">
+            <a:lvl1pPr algn="r">
+              <a:defRPr sz="900">
                 <a:solidFill>
                   <a:schemeClr val="tx1">
                     <a:tint val="75000"/>
@@ -2559,7 +5291,7 @@
           <a:p>
             <a:fld id="{757DD2AA-2024-4295-B62F-A2D5D8CCA8F8}" type="datetimeFigureOut">
               <a:rPr lang="fr-FR" smtClean="0"/>
-              <a:t>09/11/2022</a:t>
+              <a:t>21/11/2022</a:t>
             </a:fld>
             <a:endParaRPr lang="fr-FR"/>
           </a:p>
@@ -2567,7 +5299,7 @@
       </p:sp>
       <p:sp>
         <p:nvSpPr>
-          <p:cNvPr id="5" name="Espace réservé du pied de page 4"/>
+          <p:cNvPr id="5" name="Footer Placeholder 4"/>
           <p:cNvSpPr>
             <a:spLocks noGrp="1"/>
           </p:cNvSpPr>
@@ -2577,8 +5309,8 @@
         </p:nvSpPr>
         <p:spPr>
           <a:xfrm>
-            <a:off x="4038600" y="6356350"/>
-            <a:ext cx="4114800" cy="365125"/>
+            <a:off x="677334" y="6041362"/>
+            <a:ext cx="6297612" cy="365125"/>
           </a:xfrm>
           <a:prstGeom prst="rect">
             <a:avLst/>
@@ -2587,8 +5319,8 @@
         <p:txBody>
           <a:bodyPr vert="horz" lIns="91440" tIns="45720" rIns="91440" bIns="45720" rtlCol="0" anchor="ctr"/>
           <a:lstStyle>
-            <a:lvl1pPr algn="ctr">
-              <a:defRPr sz="1200">
+            <a:lvl1pPr algn="l">
+              <a:defRPr sz="900">
                 <a:solidFill>
                   <a:schemeClr val="tx1">
                     <a:tint val="75000"/>
@@ -2604,7 +5336,7 @@
       </p:sp>
       <p:sp>
         <p:nvSpPr>
-          <p:cNvPr id="6" name="Espace réservé du numéro de diapositive 5"/>
+          <p:cNvPr id="6" name="Slide Number Placeholder 5"/>
           <p:cNvSpPr>
             <a:spLocks noGrp="1"/>
           </p:cNvSpPr>
@@ -2614,8 +5346,8 @@
         </p:nvSpPr>
         <p:spPr>
           <a:xfrm>
-            <a:off x="8610600" y="6356350"/>
-            <a:ext cx="2743200" cy="365125"/>
+            <a:off x="8590663" y="6041362"/>
+            <a:ext cx="683339" cy="365125"/>
           </a:xfrm>
           <a:prstGeom prst="rect">
             <a:avLst/>
@@ -2625,10 +5357,10 @@
           <a:bodyPr vert="horz" lIns="91440" tIns="45720" rIns="91440" bIns="45720" rtlCol="0" anchor="ctr"/>
           <a:lstStyle>
             <a:lvl1pPr algn="r">
-              <a:defRPr sz="1200">
+              <a:defRPr sz="900">
                 <a:solidFill>
-                  <a:schemeClr val="tx1">
-                    <a:tint val="75000"/>
+                  <a:schemeClr val="accent1">
+                    <a:lumMod val="75000"/>
                   </a:schemeClr>
                 </a:solidFill>
               </a:defRPr>
@@ -2646,55 +5378,355 @@
     </p:spTree>
     <p:extLst>
       <p:ext uri="{BB962C8B-B14F-4D97-AF65-F5344CB8AC3E}">
-        <p14:creationId xmlns:p14="http://schemas.microsoft.com/office/powerpoint/2010/main" val="2444102265"/>
+        <p14:creationId xmlns:p14="http://schemas.microsoft.com/office/powerpoint/2010/main" val="4189662036"/>
       </p:ext>
     </p:extLst>
   </p:cSld>
   <p:clrMap bg1="lt1" tx1="dk1" bg2="lt2" tx2="dk2" accent1="accent1" accent2="accent2" accent3="accent3" accent4="accent4" accent5="accent5" accent6="accent6" hlink="hlink" folHlink="folHlink"/>
   <p:sldLayoutIdLst>
-    <p:sldLayoutId id="2147483649" r:id="rId1"/>
-    <p:sldLayoutId id="2147483650" r:id="rId2"/>
-    <p:sldLayoutId id="2147483651" r:id="rId3"/>
-    <p:sldLayoutId id="2147483652" r:id="rId4"/>
-    <p:sldLayoutId id="2147483653" r:id="rId5"/>
-    <p:sldLayoutId id="2147483654" r:id="rId6"/>
-    <p:sldLayoutId id="2147483655" r:id="rId7"/>
-    <p:sldLayoutId id="2147483656" r:id="rId8"/>
-    <p:sldLayoutId id="2147483657" r:id="rId9"/>
-    <p:sldLayoutId id="2147483658" r:id="rId10"/>
-    <p:sldLayoutId id="2147483659" r:id="rId11"/>
+    <p:sldLayoutId id="2147483712" r:id="rId1"/>
+    <p:sldLayoutId id="2147483713" r:id="rId2"/>
+    <p:sldLayoutId id="2147483714" r:id="rId3"/>
+    <p:sldLayoutId id="2147483715" r:id="rId4"/>
+    <p:sldLayoutId id="2147483716" r:id="rId5"/>
+    <p:sldLayoutId id="2147483717" r:id="rId6"/>
+    <p:sldLayoutId id="2147483718" r:id="rId7"/>
+    <p:sldLayoutId id="2147483719" r:id="rId8"/>
+    <p:sldLayoutId id="2147483720" r:id="rId9"/>
+    <p:sldLayoutId id="2147483721" r:id="rId10"/>
+    <p:sldLayoutId id="2147483722" r:id="rId11"/>
+    <p:sldLayoutId id="2147483723" r:id="rId12"/>
+    <p:sldLayoutId id="2147483724" r:id="rId13"/>
+    <p:sldLayoutId id="2147483725" r:id="rId14"/>
+    <p:sldLayoutId id="2147483726" r:id="rId15"/>
+    <p:sldLayoutId id="2147483727" r:id="rId16"/>
   </p:sldLayoutIdLst>
   <p:txStyles>
     <p:titleStyle>
-      <a:lvl1pPr algn="l" defTabSz="914400" rtl="0" eaLnBrk="1" latinLnBrk="0" hangingPunct="1">
-        <a:lnSpc>
-          <a:spcPct val="90000"/>
-        </a:lnSpc>
+      <a:lvl1pPr algn="l" defTabSz="457200" rtl="0" eaLnBrk="1" latinLnBrk="0" hangingPunct="1">
         <a:spcBef>
           <a:spcPct val="0"/>
         </a:spcBef>
         <a:buNone/>
-        <a:defRPr sz="4400" kern="1200">
+        <a:defRPr sz="3600" kern="1200">
           <a:solidFill>
-            <a:schemeClr val="tx1"/>
+            <a:schemeClr val="accent1">
+              <a:lumMod val="75000"/>
+            </a:schemeClr>
           </a:solidFill>
           <a:latin typeface="+mj-lt"/>
           <a:ea typeface="+mj-ea"/>
           <a:cs typeface="+mj-cs"/>
         </a:defRPr>
       </a:lvl1pPr>
+      <a:lvl2pPr eaLnBrk="1" hangingPunct="1">
+        <a:defRPr>
+          <a:solidFill>
+            <a:schemeClr val="tx2"/>
+          </a:solidFill>
+        </a:defRPr>
+      </a:lvl2pPr>
+      <a:lvl3pPr eaLnBrk="1" hangingPunct="1">
+        <a:defRPr>
+          <a:solidFill>
+            <a:schemeClr val="tx2"/>
+          </a:solidFill>
+        </a:defRPr>
+      </a:lvl3pPr>
+      <a:lvl4pPr eaLnBrk="1" hangingPunct="1">
+        <a:defRPr>
+          <a:solidFill>
+            <a:schemeClr val="tx2"/>
+          </a:solidFill>
+        </a:defRPr>
+      </a:lvl4pPr>
+      <a:lvl5pPr eaLnBrk="1" hangingPunct="1">
+        <a:defRPr>
+          <a:solidFill>
+            <a:schemeClr val="tx2"/>
+          </a:solidFill>
+        </a:defRPr>
+      </a:lvl5pPr>
+      <a:lvl6pPr eaLnBrk="1" hangingPunct="1">
+        <a:defRPr>
+          <a:solidFill>
+            <a:schemeClr val="tx2"/>
+          </a:solidFill>
+        </a:defRPr>
+      </a:lvl6pPr>
+      <a:lvl7pPr eaLnBrk="1" hangingPunct="1">
+        <a:defRPr>
+          <a:solidFill>
+            <a:schemeClr val="tx2"/>
+          </a:solidFill>
+        </a:defRPr>
+      </a:lvl7pPr>
+      <a:lvl8pPr eaLnBrk="1" hangingPunct="1">
+        <a:defRPr>
+          <a:solidFill>
+            <a:schemeClr val="tx2"/>
+          </a:solidFill>
+        </a:defRPr>
+      </a:lvl8pPr>
+      <a:lvl9pPr eaLnBrk="1" hangingPunct="1">
+        <a:defRPr>
+          <a:solidFill>
+            <a:schemeClr val="tx2"/>
+          </a:solidFill>
+        </a:defRPr>
+      </a:lvl9pPr>
     </p:titleStyle>
     <p:bodyStyle>
-      <a:lvl1pPr marL="228600" indent="-228600" algn="l" defTabSz="914400" rtl="0" eaLnBrk="1" latinLnBrk="0" hangingPunct="1">
-        <a:lnSpc>
-          <a:spcPct val="90000"/>
-        </a:lnSpc>
+      <a:lvl1pPr marL="342900" indent="-342900" algn="l" defTabSz="457200" rtl="0" eaLnBrk="1" latinLnBrk="0" hangingPunct="1">
         <a:spcBef>
           <a:spcPts val="1000"/>
         </a:spcBef>
-        <a:buFont typeface="Arial" panose="020B0604020202020204" pitchFamily="34" charset="0"/>
-        <a:buChar char="•"/>
-        <a:defRPr sz="2800" kern="1200">
+        <a:spcAft>
+          <a:spcPts val="0"/>
+        </a:spcAft>
+        <a:buClr>
+          <a:schemeClr val="accent1">
+            <a:lumMod val="75000"/>
+          </a:schemeClr>
+        </a:buClr>
+        <a:buSzPct val="80000"/>
+        <a:buFont typeface="Wingdings 3" charset="2"/>
+        <a:buChar char=""/>
+        <a:defRPr sz="1800" kern="1200">
+          <a:solidFill>
+            <a:schemeClr val="tx1">
+              <a:lumMod val="75000"/>
+              <a:lumOff val="25000"/>
+            </a:schemeClr>
+          </a:solidFill>
+          <a:latin typeface="+mn-lt"/>
+          <a:ea typeface="+mn-ea"/>
+          <a:cs typeface="+mn-cs"/>
+        </a:defRPr>
+      </a:lvl1pPr>
+      <a:lvl2pPr marL="742950" indent="-285750" algn="l" defTabSz="457200" rtl="0" eaLnBrk="1" latinLnBrk="0" hangingPunct="1">
+        <a:spcBef>
+          <a:spcPts val="1000"/>
+        </a:spcBef>
+        <a:spcAft>
+          <a:spcPts val="0"/>
+        </a:spcAft>
+        <a:buClr>
+          <a:schemeClr val="accent1">
+            <a:lumMod val="75000"/>
+          </a:schemeClr>
+        </a:buClr>
+        <a:buSzPct val="80000"/>
+        <a:buFont typeface="Wingdings 3" charset="2"/>
+        <a:buChar char=""/>
+        <a:defRPr sz="1600" kern="1200">
+          <a:solidFill>
+            <a:schemeClr val="tx1">
+              <a:lumMod val="75000"/>
+              <a:lumOff val="25000"/>
+            </a:schemeClr>
+          </a:solidFill>
+          <a:latin typeface="+mn-lt"/>
+          <a:ea typeface="+mn-ea"/>
+          <a:cs typeface="+mn-cs"/>
+        </a:defRPr>
+      </a:lvl2pPr>
+      <a:lvl3pPr marL="1143000" indent="-228600" algn="l" defTabSz="457200" rtl="0" eaLnBrk="1" latinLnBrk="0" hangingPunct="1">
+        <a:spcBef>
+          <a:spcPts val="1000"/>
+        </a:spcBef>
+        <a:spcAft>
+          <a:spcPts val="0"/>
+        </a:spcAft>
+        <a:buClr>
+          <a:schemeClr val="accent1">
+            <a:lumMod val="75000"/>
+          </a:schemeClr>
+        </a:buClr>
+        <a:buSzPct val="80000"/>
+        <a:buFont typeface="Wingdings 3" charset="2"/>
+        <a:buChar char=""/>
+        <a:defRPr sz="1400" kern="1200">
+          <a:solidFill>
+            <a:schemeClr val="tx1">
+              <a:lumMod val="75000"/>
+              <a:lumOff val="25000"/>
+            </a:schemeClr>
+          </a:solidFill>
+          <a:latin typeface="+mn-lt"/>
+          <a:ea typeface="+mn-ea"/>
+          <a:cs typeface="+mn-cs"/>
+        </a:defRPr>
+      </a:lvl3pPr>
+      <a:lvl4pPr marL="1600200" indent="-228600" algn="l" defTabSz="457200" rtl="0" eaLnBrk="1" latinLnBrk="0" hangingPunct="1">
+        <a:spcBef>
+          <a:spcPts val="1000"/>
+        </a:spcBef>
+        <a:spcAft>
+          <a:spcPts val="0"/>
+        </a:spcAft>
+        <a:buClr>
+          <a:schemeClr val="accent1">
+            <a:lumMod val="75000"/>
+          </a:schemeClr>
+        </a:buClr>
+        <a:buSzPct val="80000"/>
+        <a:buFont typeface="Wingdings 3" charset="2"/>
+        <a:buChar char=""/>
+        <a:defRPr sz="1200" kern="1200">
+          <a:solidFill>
+            <a:schemeClr val="tx1">
+              <a:lumMod val="75000"/>
+              <a:lumOff val="25000"/>
+            </a:schemeClr>
+          </a:solidFill>
+          <a:latin typeface="+mn-lt"/>
+          <a:ea typeface="+mn-ea"/>
+          <a:cs typeface="+mn-cs"/>
+        </a:defRPr>
+      </a:lvl4pPr>
+      <a:lvl5pPr marL="2057400" indent="-228600" algn="l" defTabSz="457200" rtl="0" eaLnBrk="1" latinLnBrk="0" hangingPunct="1">
+        <a:spcBef>
+          <a:spcPts val="1000"/>
+        </a:spcBef>
+        <a:spcAft>
+          <a:spcPts val="0"/>
+        </a:spcAft>
+        <a:buClr>
+          <a:schemeClr val="accent1">
+            <a:lumMod val="75000"/>
+          </a:schemeClr>
+        </a:buClr>
+        <a:buSzPct val="80000"/>
+        <a:buFont typeface="Wingdings 3" charset="2"/>
+        <a:buChar char=""/>
+        <a:defRPr sz="1200" kern="1200">
+          <a:solidFill>
+            <a:schemeClr val="tx1">
+              <a:lumMod val="75000"/>
+              <a:lumOff val="25000"/>
+            </a:schemeClr>
+          </a:solidFill>
+          <a:latin typeface="+mn-lt"/>
+          <a:ea typeface="+mn-ea"/>
+          <a:cs typeface="+mn-cs"/>
+        </a:defRPr>
+      </a:lvl5pPr>
+      <a:lvl6pPr marL="2514600" indent="-228600" algn="l" defTabSz="457200" rtl="0" eaLnBrk="1" latinLnBrk="0" hangingPunct="1">
+        <a:spcBef>
+          <a:spcPts val="1000"/>
+        </a:spcBef>
+        <a:spcAft>
+          <a:spcPts val="0"/>
+        </a:spcAft>
+        <a:buClr>
+          <a:schemeClr val="accent1">
+            <a:lumMod val="75000"/>
+          </a:schemeClr>
+        </a:buClr>
+        <a:buSzPct val="80000"/>
+        <a:buFont typeface="Wingdings 3" charset="2"/>
+        <a:buChar char=""/>
+        <a:defRPr sz="1200" kern="1200">
+          <a:solidFill>
+            <a:schemeClr val="tx1">
+              <a:lumMod val="75000"/>
+              <a:lumOff val="25000"/>
+            </a:schemeClr>
+          </a:solidFill>
+          <a:latin typeface="+mn-lt"/>
+          <a:ea typeface="+mn-ea"/>
+          <a:cs typeface="+mn-cs"/>
+        </a:defRPr>
+      </a:lvl6pPr>
+      <a:lvl7pPr marL="2971800" indent="-228600" algn="l" defTabSz="457200" rtl="0" eaLnBrk="1" latinLnBrk="0" hangingPunct="1">
+        <a:spcBef>
+          <a:spcPts val="1000"/>
+        </a:spcBef>
+        <a:spcAft>
+          <a:spcPts val="0"/>
+        </a:spcAft>
+        <a:buClr>
+          <a:schemeClr val="accent1">
+            <a:lumMod val="75000"/>
+          </a:schemeClr>
+        </a:buClr>
+        <a:buSzPct val="80000"/>
+        <a:buFont typeface="Wingdings 3" charset="2"/>
+        <a:buChar char=""/>
+        <a:defRPr sz="1200" kern="1200">
+          <a:solidFill>
+            <a:schemeClr val="tx1">
+              <a:lumMod val="75000"/>
+              <a:lumOff val="25000"/>
+            </a:schemeClr>
+          </a:solidFill>
+          <a:latin typeface="+mn-lt"/>
+          <a:ea typeface="+mn-ea"/>
+          <a:cs typeface="+mn-cs"/>
+        </a:defRPr>
+      </a:lvl7pPr>
+      <a:lvl8pPr marL="3429000" indent="-228600" algn="l" defTabSz="457200" rtl="0" eaLnBrk="1" latinLnBrk="0" hangingPunct="1">
+        <a:spcBef>
+          <a:spcPts val="1000"/>
+        </a:spcBef>
+        <a:spcAft>
+          <a:spcPts val="0"/>
+        </a:spcAft>
+        <a:buClr>
+          <a:schemeClr val="accent1">
+            <a:lumMod val="75000"/>
+          </a:schemeClr>
+        </a:buClr>
+        <a:buSzPct val="80000"/>
+        <a:buFont typeface="Wingdings 3" charset="2"/>
+        <a:buChar char=""/>
+        <a:defRPr sz="1200" kern="1200">
+          <a:solidFill>
+            <a:schemeClr val="tx1">
+              <a:lumMod val="75000"/>
+              <a:lumOff val="25000"/>
+            </a:schemeClr>
+          </a:solidFill>
+          <a:latin typeface="+mn-lt"/>
+          <a:ea typeface="+mn-ea"/>
+          <a:cs typeface="+mn-cs"/>
+        </a:defRPr>
+      </a:lvl8pPr>
+      <a:lvl9pPr marL="3886200" indent="-228600" algn="l" defTabSz="457200" rtl="0" eaLnBrk="1" latinLnBrk="0" hangingPunct="1">
+        <a:spcBef>
+          <a:spcPts val="1000"/>
+        </a:spcBef>
+        <a:spcAft>
+          <a:spcPts val="0"/>
+        </a:spcAft>
+        <a:buClr>
+          <a:schemeClr val="accent1">
+            <a:lumMod val="75000"/>
+          </a:schemeClr>
+        </a:buClr>
+        <a:buSzPct val="80000"/>
+        <a:buFont typeface="Wingdings 3" charset="2"/>
+        <a:buChar char=""/>
+        <a:defRPr sz="1200" kern="1200">
+          <a:solidFill>
+            <a:schemeClr val="tx1">
+              <a:lumMod val="75000"/>
+              <a:lumOff val="25000"/>
+            </a:schemeClr>
+          </a:solidFill>
+          <a:latin typeface="+mn-lt"/>
+          <a:ea typeface="+mn-ea"/>
+          <a:cs typeface="+mn-cs"/>
+        </a:defRPr>
+      </a:lvl9pPr>
+    </p:bodyStyle>
+    <p:otherStyle>
+      <a:defPPr>
+        <a:defRPr lang="en-US"/>
+      </a:defPPr>
+      <a:lvl1pPr marL="0" algn="l" defTabSz="457200" rtl="0" eaLnBrk="1" latinLnBrk="0" hangingPunct="1">
+        <a:defRPr sz="1800" kern="1200">
           <a:solidFill>
             <a:schemeClr val="tx1"/>
           </a:solidFill>
@@ -2703,16 +5735,8 @@
           <a:cs typeface="+mn-cs"/>
         </a:defRPr>
       </a:lvl1pPr>
-      <a:lvl2pPr marL="685800" indent="-228600" algn="l" defTabSz="914400" rtl="0" eaLnBrk="1" latinLnBrk="0" hangingPunct="1">
-        <a:lnSpc>
-          <a:spcPct val="90000"/>
-        </a:lnSpc>
-        <a:spcBef>
-          <a:spcPts val="500"/>
-        </a:spcBef>
-        <a:buFont typeface="Arial" panose="020B0604020202020204" pitchFamily="34" charset="0"/>
-        <a:buChar char="•"/>
-        <a:defRPr sz="2400" kern="1200">
+      <a:lvl2pPr marL="457200" algn="l" defTabSz="457200" rtl="0" eaLnBrk="1" latinLnBrk="0" hangingPunct="1">
+        <a:defRPr sz="1800" kern="1200">
           <a:solidFill>
             <a:schemeClr val="tx1"/>
           </a:solidFill>
@@ -2721,16 +5745,8 @@
           <a:cs typeface="+mn-cs"/>
         </a:defRPr>
       </a:lvl2pPr>
-      <a:lvl3pPr marL="1143000" indent="-228600" algn="l" defTabSz="914400" rtl="0" eaLnBrk="1" latinLnBrk="0" hangingPunct="1">
-        <a:lnSpc>
-          <a:spcPct val="90000"/>
-        </a:lnSpc>
-        <a:spcBef>
-          <a:spcPts val="500"/>
-        </a:spcBef>
-        <a:buFont typeface="Arial" panose="020B0604020202020204" pitchFamily="34" charset="0"/>
-        <a:buChar char="•"/>
-        <a:defRPr sz="2000" kern="1200">
+      <a:lvl3pPr marL="914400" algn="l" defTabSz="457200" rtl="0" eaLnBrk="1" latinLnBrk="0" hangingPunct="1">
+        <a:defRPr sz="1800" kern="1200">
           <a:solidFill>
             <a:schemeClr val="tx1"/>
           </a:solidFill>
@@ -2739,15 +5755,7 @@
           <a:cs typeface="+mn-cs"/>
         </a:defRPr>
       </a:lvl3pPr>
-      <a:lvl4pPr marL="1600200" indent="-228600" algn="l" defTabSz="914400" rtl="0" eaLnBrk="1" latinLnBrk="0" hangingPunct="1">
-        <a:lnSpc>
-          <a:spcPct val="90000"/>
-        </a:lnSpc>
-        <a:spcBef>
-          <a:spcPts val="500"/>
-        </a:spcBef>
-        <a:buFont typeface="Arial" panose="020B0604020202020204" pitchFamily="34" charset="0"/>
-        <a:buChar char="•"/>
+      <a:lvl4pPr marL="1371600" algn="l" defTabSz="457200" rtl="0" eaLnBrk="1" latinLnBrk="0" hangingPunct="1">
         <a:defRPr sz="1800" kern="1200">
           <a:solidFill>
             <a:schemeClr val="tx1"/>
@@ -2757,15 +5765,7 @@
           <a:cs typeface="+mn-cs"/>
         </a:defRPr>
       </a:lvl4pPr>
-      <a:lvl5pPr marL="2057400" indent="-228600" algn="l" defTabSz="914400" rtl="0" eaLnBrk="1" latinLnBrk="0" hangingPunct="1">
-        <a:lnSpc>
-          <a:spcPct val="90000"/>
-        </a:lnSpc>
-        <a:spcBef>
-          <a:spcPts val="500"/>
-        </a:spcBef>
-        <a:buFont typeface="Arial" panose="020B0604020202020204" pitchFamily="34" charset="0"/>
-        <a:buChar char="•"/>
+      <a:lvl5pPr marL="1828800" algn="l" defTabSz="457200" rtl="0" eaLnBrk="1" latinLnBrk="0" hangingPunct="1">
         <a:defRPr sz="1800" kern="1200">
           <a:solidFill>
             <a:schemeClr val="tx1"/>
@@ -2775,15 +5775,7 @@
           <a:cs typeface="+mn-cs"/>
         </a:defRPr>
       </a:lvl5pPr>
-      <a:lvl6pPr marL="2514600" indent="-228600" algn="l" defTabSz="914400" rtl="0" eaLnBrk="1" latinLnBrk="0" hangingPunct="1">
-        <a:lnSpc>
-          <a:spcPct val="90000"/>
-        </a:lnSpc>
-        <a:spcBef>
-          <a:spcPts val="500"/>
-        </a:spcBef>
-        <a:buFont typeface="Arial" panose="020B0604020202020204" pitchFamily="34" charset="0"/>
-        <a:buChar char="•"/>
+      <a:lvl6pPr marL="2286000" algn="l" defTabSz="457200" rtl="0" eaLnBrk="1" latinLnBrk="0" hangingPunct="1">
         <a:defRPr sz="1800" kern="1200">
           <a:solidFill>
             <a:schemeClr val="tx1"/>
@@ -2793,15 +5785,7 @@
           <a:cs typeface="+mn-cs"/>
         </a:defRPr>
       </a:lvl6pPr>
-      <a:lvl7pPr marL="2971800" indent="-228600" algn="l" defTabSz="914400" rtl="0" eaLnBrk="1" latinLnBrk="0" hangingPunct="1">
-        <a:lnSpc>
-          <a:spcPct val="90000"/>
-        </a:lnSpc>
-        <a:spcBef>
-          <a:spcPts val="500"/>
-        </a:spcBef>
-        <a:buFont typeface="Arial" panose="020B0604020202020204" pitchFamily="34" charset="0"/>
-        <a:buChar char="•"/>
+      <a:lvl7pPr marL="2743200" algn="l" defTabSz="457200" rtl="0" eaLnBrk="1" latinLnBrk="0" hangingPunct="1">
         <a:defRPr sz="1800" kern="1200">
           <a:solidFill>
             <a:schemeClr val="tx1"/>
@@ -2811,15 +5795,7 @@
           <a:cs typeface="+mn-cs"/>
         </a:defRPr>
       </a:lvl7pPr>
-      <a:lvl8pPr marL="3429000" indent="-228600" algn="l" defTabSz="914400" rtl="0" eaLnBrk="1" latinLnBrk="0" hangingPunct="1">
-        <a:lnSpc>
-          <a:spcPct val="90000"/>
-        </a:lnSpc>
-        <a:spcBef>
-          <a:spcPts val="500"/>
-        </a:spcBef>
-        <a:buFont typeface="Arial" panose="020B0604020202020204" pitchFamily="34" charset="0"/>
-        <a:buChar char="•"/>
+      <a:lvl8pPr marL="3200400" algn="l" defTabSz="457200" rtl="0" eaLnBrk="1" latinLnBrk="0" hangingPunct="1">
         <a:defRPr sz="1800" kern="1200">
           <a:solidFill>
             <a:schemeClr val="tx1"/>
@@ -2829,110 +5805,7 @@
           <a:cs typeface="+mn-cs"/>
         </a:defRPr>
       </a:lvl8pPr>
-      <a:lvl9pPr marL="3886200" indent="-228600" algn="l" defTabSz="914400" rtl="0" eaLnBrk="1" latinLnBrk="0" hangingPunct="1">
-        <a:lnSpc>
-          <a:spcPct val="90000"/>
-        </a:lnSpc>
-        <a:spcBef>
-          <a:spcPts val="500"/>
-        </a:spcBef>
-        <a:buFont typeface="Arial" panose="020B0604020202020204" pitchFamily="34" charset="0"/>
-        <a:buChar char="•"/>
-        <a:defRPr sz="1800" kern="1200">
-          <a:solidFill>
-            <a:schemeClr val="tx1"/>
-          </a:solidFill>
-          <a:latin typeface="+mn-lt"/>
-          <a:ea typeface="+mn-ea"/>
-          <a:cs typeface="+mn-cs"/>
-        </a:defRPr>
-      </a:lvl9pPr>
-    </p:bodyStyle>
-    <p:otherStyle>
-      <a:defPPr>
-        <a:defRPr lang="fr-FR"/>
-      </a:defPPr>
-      <a:lvl1pPr marL="0" algn="l" defTabSz="914400" rtl="0" eaLnBrk="1" latinLnBrk="0" hangingPunct="1">
-        <a:defRPr sz="1800" kern="1200">
-          <a:solidFill>
-            <a:schemeClr val="tx1"/>
-          </a:solidFill>
-          <a:latin typeface="+mn-lt"/>
-          <a:ea typeface="+mn-ea"/>
-          <a:cs typeface="+mn-cs"/>
-        </a:defRPr>
-      </a:lvl1pPr>
-      <a:lvl2pPr marL="457200" algn="l" defTabSz="914400" rtl="0" eaLnBrk="1" latinLnBrk="0" hangingPunct="1">
-        <a:defRPr sz="1800" kern="1200">
-          <a:solidFill>
-            <a:schemeClr val="tx1"/>
-          </a:solidFill>
-          <a:latin typeface="+mn-lt"/>
-          <a:ea typeface="+mn-ea"/>
-          <a:cs typeface="+mn-cs"/>
-        </a:defRPr>
-      </a:lvl2pPr>
-      <a:lvl3pPr marL="914400" algn="l" defTabSz="914400" rtl="0" eaLnBrk="1" latinLnBrk="0" hangingPunct="1">
-        <a:defRPr sz="1800" kern="1200">
-          <a:solidFill>
-            <a:schemeClr val="tx1"/>
-          </a:solidFill>
-          <a:latin typeface="+mn-lt"/>
-          <a:ea typeface="+mn-ea"/>
-          <a:cs typeface="+mn-cs"/>
-        </a:defRPr>
-      </a:lvl3pPr>
-      <a:lvl4pPr marL="1371600" algn="l" defTabSz="914400" rtl="0" eaLnBrk="1" latinLnBrk="0" hangingPunct="1">
-        <a:defRPr sz="1800" kern="1200">
-          <a:solidFill>
-            <a:schemeClr val="tx1"/>
-          </a:solidFill>
-          <a:latin typeface="+mn-lt"/>
-          <a:ea typeface="+mn-ea"/>
-          <a:cs typeface="+mn-cs"/>
-        </a:defRPr>
-      </a:lvl4pPr>
-      <a:lvl5pPr marL="1828800" algn="l" defTabSz="914400" rtl="0" eaLnBrk="1" latinLnBrk="0" hangingPunct="1">
-        <a:defRPr sz="1800" kern="1200">
-          <a:solidFill>
-            <a:schemeClr val="tx1"/>
-          </a:solidFill>
-          <a:latin typeface="+mn-lt"/>
-          <a:ea typeface="+mn-ea"/>
-          <a:cs typeface="+mn-cs"/>
-        </a:defRPr>
-      </a:lvl5pPr>
-      <a:lvl6pPr marL="2286000" algn="l" defTabSz="914400" rtl="0" eaLnBrk="1" latinLnBrk="0" hangingPunct="1">
-        <a:defRPr sz="1800" kern="1200">
-          <a:solidFill>
-            <a:schemeClr val="tx1"/>
-          </a:solidFill>
-          <a:latin typeface="+mn-lt"/>
-          <a:ea typeface="+mn-ea"/>
-          <a:cs typeface="+mn-cs"/>
-        </a:defRPr>
-      </a:lvl6pPr>
-      <a:lvl7pPr marL="2743200" algn="l" defTabSz="914400" rtl="0" eaLnBrk="1" latinLnBrk="0" hangingPunct="1">
-        <a:defRPr sz="1800" kern="1200">
-          <a:solidFill>
-            <a:schemeClr val="tx1"/>
-          </a:solidFill>
-          <a:latin typeface="+mn-lt"/>
-          <a:ea typeface="+mn-ea"/>
-          <a:cs typeface="+mn-cs"/>
-        </a:defRPr>
-      </a:lvl7pPr>
-      <a:lvl8pPr marL="3200400" algn="l" defTabSz="914400" rtl="0" eaLnBrk="1" latinLnBrk="0" hangingPunct="1">
-        <a:defRPr sz="1800" kern="1200">
-          <a:solidFill>
-            <a:schemeClr val="tx1"/>
-          </a:solidFill>
-          <a:latin typeface="+mn-lt"/>
-          <a:ea typeface="+mn-ea"/>
-          <a:cs typeface="+mn-cs"/>
-        </a:defRPr>
-      </a:lvl8pPr>
-      <a:lvl9pPr marL="3657600" algn="l" defTabSz="914400" rtl="0" eaLnBrk="1" latinLnBrk="0" hangingPunct="1">
+      <a:lvl9pPr marL="3657600" algn="l" defTabSz="457200" rtl="0" eaLnBrk="1" latinLnBrk="0" hangingPunct="1">
         <a:defRPr sz="1800" kern="1200">
           <a:solidFill>
             <a:schemeClr val="tx1"/>
@@ -2974,17 +5847,23 @@
             <p:ph type="ctrTitle"/>
           </p:nvPr>
         </p:nvSpPr>
-        <p:spPr/>
+        <p:spPr>
+          <a:xfrm>
+            <a:off x="633376" y="-568002"/>
+            <a:ext cx="9144000" cy="2387600"/>
+          </a:xfrm>
+        </p:spPr>
         <p:txBody>
           <a:bodyPr/>
           <a:lstStyle/>
           <a:p>
+            <a:pPr algn="ctr"/>
             <a:r>
               <a:rPr lang="fr-FR" dirty="0" smtClean="0"/>
               <a:t>ASIC </a:t>
             </a:r>
             <a:r>
-              <a:rPr lang="fr-FR" smtClean="0"/>
+              <a:rPr lang="fr-FR" dirty="0" err="1" smtClean="0"/>
               <a:t>project</a:t>
             </a:r>
             <a:endParaRPr lang="fr-FR" dirty="0"/>
@@ -3001,15 +5880,306 @@
             <p:ph type="subTitle" idx="1"/>
           </p:nvPr>
         </p:nvSpPr>
-        <p:spPr/>
+        <p:spPr>
+          <a:xfrm>
+            <a:off x="633376" y="1931483"/>
+            <a:ext cx="9144000" cy="1655762"/>
+          </a:xfrm>
+        </p:spPr>
         <p:txBody>
           <a:bodyPr/>
           <a:lstStyle/>
           <a:p>
-            <a:endParaRPr lang="fr-FR"/>
-          </a:p>
-        </p:txBody>
-      </p:sp>
+            <a:pPr algn="ctr"/>
+            <a:r>
+              <a:rPr lang="fr-FR" dirty="0" smtClean="0"/>
+              <a:t>Thales-IMS Marvyn </a:t>
+            </a:r>
+            <a:r>
+              <a:rPr lang="fr-FR" dirty="0" err="1" smtClean="0"/>
+              <a:t>Pannetier</a:t>
+            </a:r>
+            <a:endParaRPr lang="fr-FR" dirty="0"/>
+          </a:p>
+        </p:txBody>
+      </p:sp>
+      <p:sp>
+        <p:nvSpPr>
+          <p:cNvPr id="4" name="ZoneTexte 3"/>
+          <p:cNvSpPr txBox="1"/>
+          <p:nvPr/>
+        </p:nvSpPr>
+        <p:spPr>
+          <a:xfrm>
+            <a:off x="1212856" y="7577983"/>
+            <a:ext cx="10217221" cy="1477328"/>
+          </a:xfrm>
+          <a:prstGeom prst="rect">
+            <a:avLst/>
+          </a:prstGeom>
+          <a:noFill/>
+        </p:spPr>
+        <p:txBody>
+          <a:bodyPr wrap="none" rtlCol="0">
+            <a:spAutoFit/>
+          </a:bodyPr>
+          <a:lstStyle/>
+          <a:p>
+            <a:r>
+              <a:rPr lang="en-US" dirty="0" err="1" smtClean="0"/>
+              <a:t>Expiquer</a:t>
+            </a:r>
+            <a:r>
+              <a:rPr lang="en-US" dirty="0" smtClean="0"/>
+              <a:t> </a:t>
+            </a:r>
+            <a:r>
+              <a:rPr lang="en-US" dirty="0" err="1" smtClean="0"/>
+              <a:t>ce</a:t>
+            </a:r>
+            <a:r>
+              <a:rPr lang="en-US" dirty="0" smtClean="0"/>
+              <a:t> que </a:t>
+            </a:r>
+            <a:r>
+              <a:rPr lang="en-US" dirty="0" err="1" smtClean="0"/>
+              <a:t>j’ai</a:t>
+            </a:r>
+            <a:r>
+              <a:rPr lang="en-US" dirty="0" smtClean="0"/>
+              <a:t> fait </a:t>
+            </a:r>
+          </a:p>
+          <a:p>
+            <a:endParaRPr lang="en-US" dirty="0"/>
+          </a:p>
+          <a:p>
+            <a:pPr marL="285750" indent="-285750">
+              <a:buFont typeface="Arial" panose="020B0604020202020204" pitchFamily="34" charset="0"/>
+              <a:buChar char="•"/>
+            </a:pPr>
+            <a:r>
+              <a:rPr lang="en-US" dirty="0" smtClean="0"/>
+              <a:t>Formation </a:t>
+            </a:r>
+            <a:r>
+              <a:rPr lang="en-US" dirty="0" err="1" smtClean="0"/>
+              <a:t>flot</a:t>
+            </a:r>
+            <a:r>
+              <a:rPr lang="en-US" dirty="0" smtClean="0"/>
+              <a:t> FPGA </a:t>
+            </a:r>
+            <a:r>
+              <a:rPr lang="en-US" dirty="0" err="1" smtClean="0"/>
+              <a:t>numérique</a:t>
+            </a:r>
+            <a:r>
+              <a:rPr lang="en-US" dirty="0" smtClean="0"/>
+              <a:t> (VHDL, </a:t>
+            </a:r>
+            <a:r>
+              <a:rPr lang="en-US" dirty="0" err="1" smtClean="0"/>
+              <a:t>Xillinx</a:t>
+            </a:r>
+            <a:r>
+              <a:rPr lang="en-US" dirty="0" smtClean="0"/>
+              <a:t> </a:t>
+            </a:r>
+            <a:r>
+              <a:rPr lang="en-US" dirty="0" err="1" smtClean="0"/>
+              <a:t>vivado</a:t>
+            </a:r>
+            <a:r>
+              <a:rPr lang="en-US" dirty="0" smtClean="0"/>
+              <a:t>)</a:t>
+            </a:r>
+          </a:p>
+          <a:p>
+            <a:pPr marL="285750" indent="-285750">
+              <a:buFont typeface="Arial" panose="020B0604020202020204" pitchFamily="34" charset="0"/>
+              <a:buChar char="•"/>
+            </a:pPr>
+            <a:r>
+              <a:rPr lang="en-US" dirty="0" smtClean="0"/>
+              <a:t>Formation </a:t>
+            </a:r>
+            <a:r>
+              <a:rPr lang="en-US" dirty="0" err="1" smtClean="0"/>
+              <a:t>flot</a:t>
+            </a:r>
+            <a:r>
+              <a:rPr lang="en-US" dirty="0" smtClean="0"/>
+              <a:t> ASIC </a:t>
+            </a:r>
+            <a:r>
+              <a:rPr lang="en-US" dirty="0" err="1" smtClean="0"/>
+              <a:t>numérique</a:t>
+            </a:r>
+            <a:r>
+              <a:rPr lang="en-US" dirty="0" smtClean="0"/>
+              <a:t> (DC, EDI </a:t>
+            </a:r>
+            <a:r>
+              <a:rPr lang="en-US" dirty="0" err="1" smtClean="0"/>
+              <a:t>candence</a:t>
+            </a:r>
+            <a:r>
+              <a:rPr lang="en-US" dirty="0" smtClean="0"/>
+              <a:t>, script TCL, </a:t>
+            </a:r>
+            <a:r>
+              <a:rPr lang="en-US" dirty="0" err="1" smtClean="0"/>
+              <a:t>Modelsim</a:t>
+            </a:r>
+            <a:r>
+              <a:rPr lang="en-US" dirty="0" smtClean="0"/>
+              <a:t>, redaction d’un petit doc </a:t>
+            </a:r>
+            <a:r>
+              <a:rPr lang="en-US" dirty="0" err="1" smtClean="0"/>
+              <a:t>récap</a:t>
+            </a:r>
+            <a:r>
+              <a:rPr lang="en-US" dirty="0" smtClean="0"/>
+              <a:t>)</a:t>
+            </a:r>
+          </a:p>
+          <a:p>
+            <a:pPr marL="285750" indent="-285750">
+              <a:buFont typeface="Arial" panose="020B0604020202020204" pitchFamily="34" charset="0"/>
+              <a:buChar char="•"/>
+            </a:pPr>
+            <a:r>
+              <a:rPr lang="en-US" dirty="0" err="1" smtClean="0"/>
+              <a:t>Capitaliser</a:t>
+            </a:r>
+            <a:r>
+              <a:rPr lang="en-US" dirty="0" smtClean="0"/>
+              <a:t> </a:t>
+            </a:r>
+            <a:r>
+              <a:rPr lang="en-US" dirty="0" err="1" smtClean="0"/>
+              <a:t>infos</a:t>
+            </a:r>
+            <a:r>
+              <a:rPr lang="en-US" dirty="0" smtClean="0"/>
+              <a:t> ASICAGE </a:t>
+            </a:r>
+            <a:r>
+              <a:rPr lang="en-US" dirty="0" err="1" smtClean="0"/>
+              <a:t>analogique</a:t>
+            </a:r>
+            <a:r>
+              <a:rPr lang="en-US" dirty="0"/>
+              <a:t> </a:t>
+            </a:r>
+            <a:r>
+              <a:rPr lang="en-US" dirty="0" smtClean="0"/>
+              <a:t>et </a:t>
+            </a:r>
+            <a:r>
+              <a:rPr lang="en-US" dirty="0" err="1" smtClean="0"/>
+              <a:t>possibilité</a:t>
+            </a:r>
+            <a:r>
+              <a:rPr lang="en-US" dirty="0" smtClean="0"/>
+              <a:t> avec THALES-IMS</a:t>
+            </a:r>
+            <a:endParaRPr lang="en-US" dirty="0"/>
+          </a:p>
+        </p:txBody>
+      </p:sp>
+      <p:pic>
+        <p:nvPicPr>
+          <p:cNvPr id="8" name="Image 7"/>
+          <p:cNvPicPr>
+            <a:picLocks noChangeAspect="1"/>
+          </p:cNvPicPr>
+          <p:nvPr/>
+        </p:nvPicPr>
+        <p:blipFill>
+          <a:blip r:embed="rId2">
+            <a:extLst>
+              <a:ext uri="{28A0092B-C50C-407E-A947-70E740481C1C}">
+                <a14:useLocalDpi xmlns:a14="http://schemas.microsoft.com/office/drawing/2010/main" val="0"/>
+              </a:ext>
+            </a:extLst>
+          </a:blip>
+          <a:stretch>
+            <a:fillRect/>
+          </a:stretch>
+        </p:blipFill>
+        <p:spPr>
+          <a:xfrm>
+            <a:off x="1110678" y="2962775"/>
+            <a:ext cx="4204376" cy="1093138"/>
+          </a:xfrm>
+          <a:prstGeom prst="rect">
+            <a:avLst/>
+          </a:prstGeom>
+        </p:spPr>
+      </p:pic>
+      <p:pic>
+        <p:nvPicPr>
+          <p:cNvPr id="9" name="Image 8"/>
+          <p:cNvPicPr>
+            <a:picLocks noChangeAspect="1"/>
+          </p:cNvPicPr>
+          <p:nvPr/>
+        </p:nvPicPr>
+        <p:blipFill>
+          <a:blip r:embed="rId3" cstate="print">
+            <a:extLst>
+              <a:ext uri="{28A0092B-C50C-407E-A947-70E740481C1C}">
+                <a14:useLocalDpi xmlns:a14="http://schemas.microsoft.com/office/drawing/2010/main" val="0"/>
+              </a:ext>
+            </a:extLst>
+          </a:blip>
+          <a:stretch>
+            <a:fillRect/>
+          </a:stretch>
+        </p:blipFill>
+        <p:spPr>
+          <a:xfrm>
+            <a:off x="1212856" y="4519256"/>
+            <a:ext cx="2958325" cy="1135897"/>
+          </a:xfrm>
+          <a:prstGeom prst="rect">
+            <a:avLst/>
+          </a:prstGeom>
+        </p:spPr>
+      </p:pic>
+      <p:pic>
+        <p:nvPicPr>
+          <p:cNvPr id="12" name="Image 11"/>
+          <p:cNvPicPr>
+            <a:picLocks noChangeAspect="1"/>
+          </p:cNvPicPr>
+          <p:nvPr/>
+        </p:nvPicPr>
+        <p:blipFill>
+          <a:blip r:embed="rId4">
+            <a:extLst>
+              <a:ext uri="{28A0092B-C50C-407E-A947-70E740481C1C}">
+                <a14:useLocalDpi xmlns:a14="http://schemas.microsoft.com/office/drawing/2010/main" val="0"/>
+              </a:ext>
+            </a:extLst>
+          </a:blip>
+          <a:stretch>
+            <a:fillRect/>
+          </a:stretch>
+        </p:blipFill>
+        <p:spPr>
+          <a:xfrm>
+            <a:off x="5792356" y="3458604"/>
+            <a:ext cx="2999793" cy="1996226"/>
+          </a:xfrm>
+          <a:prstGeom prst="rect">
+            <a:avLst/>
+          </a:prstGeom>
+        </p:spPr>
+      </p:pic>
     </p:spTree>
     <p:extLst>
       <p:ext uri="{BB962C8B-B14F-4D97-AF65-F5344CB8AC3E}">
@@ -3020,13 +6190,2089 @@
   <p:clrMapOvr>
     <a:masterClrMapping/>
   </p:clrMapOvr>
+  <p:timing>
+    <p:tnLst>
+      <p:par>
+        <p:cTn id="1" dur="indefinite" restart="never" nodeType="tmRoot"/>
+      </p:par>
+    </p:tnLst>
+  </p:timing>
+</p:sld>
+</file>
+
+<file path=ppt/slides/slide2.xml><?xml version="1.0" encoding="utf-8"?>
+<p:sld xmlns:a="http://schemas.openxmlformats.org/drawingml/2006/main" xmlns:r="http://schemas.openxmlformats.org/officeDocument/2006/relationships" xmlns:p="http://schemas.openxmlformats.org/presentationml/2006/main">
+  <p:cSld>
+    <p:spTree>
+      <p:nvGrpSpPr>
+        <p:cNvPr id="1" name=""/>
+        <p:cNvGrpSpPr/>
+        <p:nvPr/>
+      </p:nvGrpSpPr>
+      <p:grpSpPr>
+        <a:xfrm>
+          <a:off x="0" y="0"/>
+          <a:ext cx="0" cy="0"/>
+          <a:chOff x="0" y="0"/>
+          <a:chExt cx="0" cy="0"/>
+        </a:xfrm>
+      </p:grpSpPr>
+      <p:sp>
+        <p:nvSpPr>
+          <p:cNvPr id="2" name="Titre 1"/>
+          <p:cNvSpPr>
+            <a:spLocks noGrp="1"/>
+          </p:cNvSpPr>
+          <p:nvPr>
+            <p:ph type="title"/>
+          </p:nvPr>
+        </p:nvSpPr>
+        <p:spPr/>
+        <p:txBody>
+          <a:bodyPr/>
+          <a:lstStyle/>
+          <a:p>
+            <a:r>
+              <a:rPr lang="fr-FR" dirty="0"/>
+              <a:t>1</a:t>
+            </a:r>
+            <a:r>
+              <a:rPr lang="fr-FR" dirty="0" smtClean="0"/>
+              <a:t> – ASIC type</a:t>
+            </a:r>
+            <a:endParaRPr lang="fr-FR" dirty="0"/>
+          </a:p>
+        </p:txBody>
+      </p:sp>
+      <p:pic>
+        <p:nvPicPr>
+          <p:cNvPr id="6" name="Image 5"/>
+          <p:cNvPicPr>
+            <a:picLocks noChangeAspect="1"/>
+          </p:cNvPicPr>
+          <p:nvPr/>
+        </p:nvPicPr>
+        <p:blipFill>
+          <a:blip r:embed="rId2">
+            <a:extLst>
+              <a:ext uri="{28A0092B-C50C-407E-A947-70E740481C1C}">
+                <a14:useLocalDpi xmlns:a14="http://schemas.microsoft.com/office/drawing/2010/main" val="0"/>
+              </a:ext>
+            </a:extLst>
+          </a:blip>
+          <a:stretch>
+            <a:fillRect/>
+          </a:stretch>
+        </p:blipFill>
+        <p:spPr>
+          <a:xfrm>
+            <a:off x="575098" y="1439132"/>
+            <a:ext cx="8468802" cy="4315832"/>
+          </a:xfrm>
+          <a:prstGeom prst="rect">
+            <a:avLst/>
+          </a:prstGeom>
+        </p:spPr>
+      </p:pic>
+      <p:pic>
+        <p:nvPicPr>
+          <p:cNvPr id="7" name="Image 6"/>
+          <p:cNvPicPr>
+            <a:picLocks noChangeAspect="1"/>
+          </p:cNvPicPr>
+          <p:nvPr/>
+        </p:nvPicPr>
+        <p:blipFill>
+          <a:blip r:embed="rId3">
+            <a:extLst>
+              <a:ext uri="{28A0092B-C50C-407E-A947-70E740481C1C}">
+                <a14:useLocalDpi xmlns:a14="http://schemas.microsoft.com/office/drawing/2010/main" val="0"/>
+              </a:ext>
+            </a:extLst>
+          </a:blip>
+          <a:stretch>
+            <a:fillRect/>
+          </a:stretch>
+        </p:blipFill>
+        <p:spPr>
+          <a:xfrm>
+            <a:off x="1334960" y="1439132"/>
+            <a:ext cx="6949079" cy="4298629"/>
+          </a:xfrm>
+          <a:prstGeom prst="rect">
+            <a:avLst/>
+          </a:prstGeom>
+        </p:spPr>
+      </p:pic>
+      <p:sp>
+        <p:nvSpPr>
+          <p:cNvPr id="5" name="ZoneTexte 4"/>
+          <p:cNvSpPr txBox="1"/>
+          <p:nvPr/>
+        </p:nvSpPr>
+        <p:spPr>
+          <a:xfrm>
+            <a:off x="12444309" y="2775137"/>
+            <a:ext cx="8592114" cy="646331"/>
+          </a:xfrm>
+          <a:prstGeom prst="rect">
+            <a:avLst/>
+          </a:prstGeom>
+          <a:noFill/>
+        </p:spPr>
+        <p:txBody>
+          <a:bodyPr wrap="square" rtlCol="0">
+            <a:spAutoFit/>
+          </a:bodyPr>
+          <a:lstStyle/>
+          <a:p>
+            <a:r>
+              <a:rPr lang="en-US" dirty="0" smtClean="0"/>
+              <a:t>PDK free</a:t>
+            </a:r>
+          </a:p>
+          <a:p>
+            <a:r>
+              <a:rPr lang="en-US" dirty="0" smtClean="0"/>
+              <a:t>IP catalog (components already ready but not optimized)</a:t>
+            </a:r>
+            <a:endParaRPr lang="en-US" dirty="0"/>
+          </a:p>
+        </p:txBody>
+      </p:sp>
+    </p:spTree>
+    <p:extLst>
+      <p:ext uri="{BB962C8B-B14F-4D97-AF65-F5344CB8AC3E}">
+        <p14:creationId xmlns:p14="http://schemas.microsoft.com/office/powerpoint/2010/main" val="3024677892"/>
+      </p:ext>
+    </p:extLst>
+  </p:cSld>
+  <p:clrMapOvr>
+    <a:masterClrMapping/>
+  </p:clrMapOvr>
+  <p:timing>
+    <p:tnLst>
+      <p:par>
+        <p:cTn id="1" dur="indefinite" restart="never" nodeType="tmRoot">
+          <p:childTnLst>
+            <p:seq concurrent="1" nextAc="seek">
+              <p:cTn id="2" dur="indefinite" nodeType="mainSeq">
+                <p:childTnLst>
+                  <p:par>
+                    <p:cTn id="3" fill="hold">
+                      <p:stCondLst>
+                        <p:cond delay="indefinite"/>
+                      </p:stCondLst>
+                      <p:childTnLst>
+                        <p:par>
+                          <p:cTn id="4" fill="hold">
+                            <p:stCondLst>
+                              <p:cond delay="0"/>
+                            </p:stCondLst>
+                            <p:childTnLst>
+                              <p:par>
+                                <p:cTn id="5" presetID="10" presetClass="entr" presetSubtype="0" fill="hold" nodeType="clickEffect">
+                                  <p:stCondLst>
+                                    <p:cond delay="0"/>
+                                  </p:stCondLst>
+                                  <p:childTnLst>
+                                    <p:set>
+                                      <p:cBhvr>
+                                        <p:cTn id="6" dur="1" fill="hold">
+                                          <p:stCondLst>
+                                            <p:cond delay="0"/>
+                                          </p:stCondLst>
+                                        </p:cTn>
+                                        <p:tgtEl>
+                                          <p:spTgt spid="7"/>
+                                        </p:tgtEl>
+                                        <p:attrNameLst>
+                                          <p:attrName>style.visibility</p:attrName>
+                                        </p:attrNameLst>
+                                      </p:cBhvr>
+                                      <p:to>
+                                        <p:strVal val="visible"/>
+                                      </p:to>
+                                    </p:set>
+                                    <p:animEffect transition="in" filter="fade">
+                                      <p:cBhvr>
+                                        <p:cTn id="7" dur="500"/>
+                                        <p:tgtEl>
+                                          <p:spTgt spid="7"/>
+                                        </p:tgtEl>
+                                      </p:cBhvr>
+                                    </p:animEffect>
+                                  </p:childTnLst>
+                                </p:cTn>
+                              </p:par>
+                              <p:par>
+                                <p:cTn id="8" presetID="10" presetClass="exit" presetSubtype="0" fill="hold" nodeType="withEffect">
+                                  <p:stCondLst>
+                                    <p:cond delay="0"/>
+                                  </p:stCondLst>
+                                  <p:childTnLst>
+                                    <p:animEffect transition="out" filter="fade">
+                                      <p:cBhvr>
+                                        <p:cTn id="9" dur="500"/>
+                                        <p:tgtEl>
+                                          <p:spTgt spid="6"/>
+                                        </p:tgtEl>
+                                      </p:cBhvr>
+                                    </p:animEffect>
+                                    <p:set>
+                                      <p:cBhvr>
+                                        <p:cTn id="10" dur="1" fill="hold">
+                                          <p:stCondLst>
+                                            <p:cond delay="499"/>
+                                          </p:stCondLst>
+                                        </p:cTn>
+                                        <p:tgtEl>
+                                          <p:spTgt spid="6"/>
+                                        </p:tgtEl>
+                                        <p:attrNameLst>
+                                          <p:attrName>style.visibility</p:attrName>
+                                        </p:attrNameLst>
+                                      </p:cBhvr>
+                                      <p:to>
+                                        <p:strVal val="hidden"/>
+                                      </p:to>
+                                    </p:set>
+                                  </p:childTnLst>
+                                </p:cTn>
+                              </p:par>
+                            </p:childTnLst>
+                          </p:cTn>
+                        </p:par>
+                      </p:childTnLst>
+                    </p:cTn>
+                  </p:par>
+                </p:childTnLst>
+              </p:cTn>
+              <p:prevCondLst>
+                <p:cond evt="onPrev" delay="0">
+                  <p:tgtEl>
+                    <p:sldTgt/>
+                  </p:tgtEl>
+                </p:cond>
+              </p:prevCondLst>
+              <p:nextCondLst>
+                <p:cond evt="onNext" delay="0">
+                  <p:tgtEl>
+                    <p:sldTgt/>
+                  </p:tgtEl>
+                </p:cond>
+              </p:nextCondLst>
+            </p:seq>
+          </p:childTnLst>
+        </p:cTn>
+      </p:par>
+    </p:tnLst>
+  </p:timing>
+</p:sld>
+</file>
+
+<file path=ppt/slides/slide3.xml><?xml version="1.0" encoding="utf-8"?>
+<p:sld xmlns:a="http://schemas.openxmlformats.org/drawingml/2006/main" xmlns:r="http://schemas.openxmlformats.org/officeDocument/2006/relationships" xmlns:p="http://schemas.openxmlformats.org/presentationml/2006/main">
+  <p:cSld>
+    <p:spTree>
+      <p:nvGrpSpPr>
+        <p:cNvPr id="1" name=""/>
+        <p:cNvGrpSpPr/>
+        <p:nvPr/>
+      </p:nvGrpSpPr>
+      <p:grpSpPr>
+        <a:xfrm>
+          <a:off x="0" y="0"/>
+          <a:ext cx="0" cy="0"/>
+          <a:chOff x="0" y="0"/>
+          <a:chExt cx="0" cy="0"/>
+        </a:xfrm>
+      </p:grpSpPr>
+      <p:sp>
+        <p:nvSpPr>
+          <p:cNvPr id="2" name="Titre 1"/>
+          <p:cNvSpPr>
+            <a:spLocks noGrp="1"/>
+          </p:cNvSpPr>
+          <p:nvPr>
+            <p:ph type="title"/>
+          </p:nvPr>
+        </p:nvSpPr>
+        <p:spPr/>
+        <p:txBody>
+          <a:bodyPr/>
+          <a:lstStyle/>
+          <a:p>
+            <a:r>
+              <a:rPr lang="fr-FR" dirty="0" smtClean="0"/>
+              <a:t>2 - Technologies </a:t>
+            </a:r>
+            <a:endParaRPr lang="fr-FR" dirty="0"/>
+          </a:p>
+        </p:txBody>
+      </p:sp>
+      <p:graphicFrame>
+        <p:nvGraphicFramePr>
+          <p:cNvPr id="5" name="Tableau 4"/>
+          <p:cNvGraphicFramePr>
+            <a:graphicFrameLocks noGrp="1"/>
+          </p:cNvGraphicFramePr>
+          <p:nvPr>
+            <p:extLst>
+              <p:ext uri="{D42A27DB-BD31-4B8C-83A1-F6EECF244321}">
+                <p14:modId xmlns:p14="http://schemas.microsoft.com/office/powerpoint/2010/main" val="1315520151"/>
+              </p:ext>
+            </p:extLst>
+          </p:nvPr>
+        </p:nvGraphicFramePr>
+        <p:xfrm>
+          <a:off x="911668" y="2332566"/>
+          <a:ext cx="8127999" cy="2392680"/>
+        </p:xfrm>
+        <a:graphic>
+          <a:graphicData uri="http://schemas.openxmlformats.org/drawingml/2006/table">
+            <a:tbl>
+              <a:tblPr firstRow="1" bandRow="1">
+                <a:tableStyleId>{5C22544A-7EE6-4342-B048-85BDC9FD1C3A}</a:tableStyleId>
+              </a:tblPr>
+              <a:tblGrid>
+                <a:gridCol w="1041250">
+                  <a:extLst>
+                    <a:ext uri="{9D8B030D-6E8A-4147-A177-3AD203B41FA5}">
+                      <a16:colId xmlns:a16="http://schemas.microsoft.com/office/drawing/2014/main" val="3673544667"/>
+                    </a:ext>
+                  </a:extLst>
+                </a:gridCol>
+                <a:gridCol w="3527744">
+                  <a:extLst>
+                    <a:ext uri="{9D8B030D-6E8A-4147-A177-3AD203B41FA5}">
+                      <a16:colId xmlns:a16="http://schemas.microsoft.com/office/drawing/2014/main" val="751945177"/>
+                    </a:ext>
+                  </a:extLst>
+                </a:gridCol>
+                <a:gridCol w="3559005">
+                  <a:extLst>
+                    <a:ext uri="{9D8B030D-6E8A-4147-A177-3AD203B41FA5}">
+                      <a16:colId xmlns:a16="http://schemas.microsoft.com/office/drawing/2014/main" val="1446549472"/>
+                    </a:ext>
+                  </a:extLst>
+                </a:gridCol>
+              </a:tblGrid>
+              <a:tr h="370840">
+                <a:tc>
+                  <a:txBody>
+                    <a:bodyPr/>
+                    <a:lstStyle/>
+                    <a:p>
+                      <a:endParaRPr lang="fr-FR" dirty="0"/>
+                    </a:p>
+                  </a:txBody>
+                  <a:tcPr/>
+                </a:tc>
+                <a:tc>
+                  <a:txBody>
+                    <a:bodyPr/>
+                    <a:lstStyle/>
+                    <a:p>
+                      <a:pPr algn="ctr"/>
+                      <a:r>
+                        <a:rPr lang="fr-FR" dirty="0" smtClean="0"/>
+                        <a:t>Pros</a:t>
+                      </a:r>
+                      <a:endParaRPr lang="fr-FR" dirty="0"/>
+                    </a:p>
+                  </a:txBody>
+                  <a:tcPr/>
+                </a:tc>
+                <a:tc>
+                  <a:txBody>
+                    <a:bodyPr/>
+                    <a:lstStyle/>
+                    <a:p>
+                      <a:pPr algn="ctr"/>
+                      <a:r>
+                        <a:rPr lang="fr-FR" dirty="0" smtClean="0"/>
+                        <a:t>Cons</a:t>
+                      </a:r>
+                      <a:endParaRPr lang="fr-FR" dirty="0"/>
+                    </a:p>
+                  </a:txBody>
+                  <a:tcPr/>
+                </a:tc>
+                <a:extLst>
+                  <a:ext uri="{0D108BD9-81ED-4DB2-BD59-A6C34878D82A}">
+                    <a16:rowId xmlns:a16="http://schemas.microsoft.com/office/drawing/2014/main" val="2340133285"/>
+                  </a:ext>
+                </a:extLst>
+              </a:tr>
+              <a:tr h="636694">
+                <a:tc>
+                  <a:txBody>
+                    <a:bodyPr/>
+                    <a:lstStyle/>
+                    <a:p>
+                      <a:pPr algn="ctr"/>
+                      <a:r>
+                        <a:rPr lang="fr-FR" dirty="0" smtClean="0"/>
+                        <a:t>X-FAB</a:t>
+                      </a:r>
+                      <a:endParaRPr lang="fr-FR" dirty="0"/>
+                    </a:p>
+                  </a:txBody>
+                  <a:tcPr anchor="ctr"/>
+                </a:tc>
+                <a:tc>
+                  <a:txBody>
+                    <a:bodyPr/>
+                    <a:lstStyle/>
+                    <a:p>
+                      <a:pPr marL="285750" indent="-285750">
+                        <a:buFont typeface="Arial" panose="020B0604020202020204" pitchFamily="34" charset="0"/>
+                        <a:buChar char="•"/>
+                      </a:pPr>
+                      <a:r>
+                        <a:rPr lang="en-US" noProof="0" dirty="0" smtClean="0"/>
+                        <a:t>Used</a:t>
+                      </a:r>
+                      <a:r>
+                        <a:rPr lang="fr-FR" dirty="0" smtClean="0"/>
+                        <a:t> by THALES and IMS</a:t>
+                      </a:r>
+                    </a:p>
+                    <a:p>
+                      <a:pPr marL="285750" indent="-285750">
+                        <a:buFont typeface="Arial" panose="020B0604020202020204" pitchFamily="34" charset="0"/>
+                        <a:buChar char="•"/>
+                      </a:pPr>
+                      <a:r>
+                        <a:rPr lang="en-US" noProof="0" dirty="0" smtClean="0"/>
+                        <a:t>Present</a:t>
+                      </a:r>
+                      <a:r>
+                        <a:rPr lang="fr-FR" dirty="0" smtClean="0"/>
+                        <a:t> in France</a:t>
+                      </a:r>
+                    </a:p>
+                  </a:txBody>
+                  <a:tcPr/>
+                </a:tc>
+                <a:tc>
+                  <a:txBody>
+                    <a:bodyPr/>
+                    <a:lstStyle/>
+                    <a:p>
+                      <a:endParaRPr lang="fr-FR" dirty="0"/>
+                    </a:p>
+                  </a:txBody>
+                  <a:tcPr/>
+                </a:tc>
+                <a:extLst>
+                  <a:ext uri="{0D108BD9-81ED-4DB2-BD59-A6C34878D82A}">
+                    <a16:rowId xmlns:a16="http://schemas.microsoft.com/office/drawing/2014/main" val="191027760"/>
+                  </a:ext>
+                </a:extLst>
+              </a:tr>
+              <a:tr h="370840">
+                <a:tc>
+                  <a:txBody>
+                    <a:bodyPr/>
+                    <a:lstStyle/>
+                    <a:p>
+                      <a:pPr algn="ctr"/>
+                      <a:r>
+                        <a:rPr lang="fr-FR" dirty="0" smtClean="0"/>
+                        <a:t>ST</a:t>
+                      </a:r>
+                      <a:endParaRPr lang="fr-FR" dirty="0"/>
+                    </a:p>
+                  </a:txBody>
+                  <a:tcPr anchor="ctr"/>
+                </a:tc>
+                <a:tc>
+                  <a:txBody>
+                    <a:bodyPr/>
+                    <a:lstStyle/>
+                    <a:p>
+                      <a:pPr marL="285750" indent="-285750">
+                        <a:buFont typeface="Arial" panose="020B0604020202020204" pitchFamily="34" charset="0"/>
+                        <a:buChar char="•"/>
+                      </a:pPr>
+                      <a:r>
+                        <a:rPr lang="fr-FR" dirty="0" err="1" smtClean="0"/>
+                        <a:t>Strong</a:t>
+                      </a:r>
+                      <a:r>
+                        <a:rPr lang="fr-FR" dirty="0" smtClean="0"/>
+                        <a:t> </a:t>
+                      </a:r>
+                      <a:r>
+                        <a:rPr lang="en-US" noProof="0" dirty="0" smtClean="0"/>
+                        <a:t>resources</a:t>
+                      </a:r>
+                      <a:r>
+                        <a:rPr lang="fr-FR" dirty="0" smtClean="0"/>
+                        <a:t> at IMS</a:t>
+                      </a:r>
+                    </a:p>
+                    <a:p>
+                      <a:pPr marL="285750" indent="-285750">
+                        <a:buFont typeface="Arial" panose="020B0604020202020204" pitchFamily="34" charset="0"/>
+                        <a:buChar char="•"/>
+                      </a:pPr>
+                      <a:r>
+                        <a:rPr lang="fr-FR" dirty="0" err="1" smtClean="0"/>
+                        <a:t>Present</a:t>
+                      </a:r>
+                      <a:r>
+                        <a:rPr lang="fr-FR" dirty="0" smtClean="0"/>
+                        <a:t> in France</a:t>
+                      </a:r>
+                      <a:endParaRPr lang="fr-FR" dirty="0"/>
+                    </a:p>
+                  </a:txBody>
+                  <a:tcPr/>
+                </a:tc>
+                <a:tc>
+                  <a:txBody>
+                    <a:bodyPr/>
+                    <a:lstStyle/>
+                    <a:p>
+                      <a:pPr marL="285750" indent="-285750">
+                        <a:buFont typeface="Arial" panose="020B0604020202020204" pitchFamily="34" charset="0"/>
+                        <a:buChar char="•"/>
+                      </a:pPr>
+                      <a:r>
+                        <a:rPr lang="fr-FR" dirty="0" err="1" smtClean="0"/>
+                        <a:t>Could</a:t>
+                      </a:r>
+                      <a:r>
+                        <a:rPr lang="fr-FR" dirty="0" smtClean="0"/>
+                        <a:t> </a:t>
+                      </a:r>
+                      <a:r>
+                        <a:rPr lang="fr-FR" dirty="0" err="1" smtClean="0"/>
+                        <a:t>be</a:t>
+                      </a:r>
+                      <a:r>
+                        <a:rPr lang="fr-FR" dirty="0" smtClean="0"/>
+                        <a:t> </a:t>
+                      </a:r>
+                      <a:r>
+                        <a:rPr lang="fr-FR" dirty="0" err="1" smtClean="0"/>
+                        <a:t>difficult</a:t>
+                      </a:r>
+                      <a:r>
+                        <a:rPr lang="fr-FR" baseline="0" dirty="0" smtClean="0"/>
+                        <a:t> to use at Thales</a:t>
+                      </a:r>
+                      <a:endParaRPr lang="fr-FR" dirty="0"/>
+                    </a:p>
+                  </a:txBody>
+                  <a:tcPr/>
+                </a:tc>
+                <a:extLst>
+                  <a:ext uri="{0D108BD9-81ED-4DB2-BD59-A6C34878D82A}">
+                    <a16:rowId xmlns:a16="http://schemas.microsoft.com/office/drawing/2014/main" val="1179200680"/>
+                  </a:ext>
+                </a:extLst>
+              </a:tr>
+              <a:tr h="370840">
+                <a:tc>
+                  <a:txBody>
+                    <a:bodyPr/>
+                    <a:lstStyle/>
+                    <a:p>
+                      <a:pPr algn="ctr"/>
+                      <a:r>
+                        <a:rPr lang="fr-FR" dirty="0" smtClean="0"/>
+                        <a:t>ONSEMI</a:t>
+                      </a:r>
+                      <a:endParaRPr lang="fr-FR" dirty="0"/>
+                    </a:p>
+                  </a:txBody>
+                  <a:tcPr anchor="ctr"/>
+                </a:tc>
+                <a:tc>
+                  <a:txBody>
+                    <a:bodyPr/>
+                    <a:lstStyle/>
+                    <a:p>
+                      <a:pPr marL="285750" indent="-285750">
+                        <a:buFont typeface="Arial" panose="020B0604020202020204" pitchFamily="34" charset="0"/>
+                        <a:buChar char="•"/>
+                      </a:pPr>
+                      <a:r>
+                        <a:rPr lang="fr-FR" dirty="0" err="1" smtClean="0"/>
+                        <a:t>Used</a:t>
+                      </a:r>
+                      <a:r>
+                        <a:rPr lang="fr-FR" dirty="0" smtClean="0"/>
+                        <a:t> at THALES</a:t>
+                      </a:r>
+                      <a:endParaRPr lang="fr-FR" dirty="0"/>
+                    </a:p>
+                  </a:txBody>
+                  <a:tcPr/>
+                </a:tc>
+                <a:tc>
+                  <a:txBody>
+                    <a:bodyPr/>
+                    <a:lstStyle/>
+                    <a:p>
+                      <a:endParaRPr lang="fr-FR" dirty="0"/>
+                    </a:p>
+                  </a:txBody>
+                  <a:tcPr/>
+                </a:tc>
+                <a:extLst>
+                  <a:ext uri="{0D108BD9-81ED-4DB2-BD59-A6C34878D82A}">
+                    <a16:rowId xmlns:a16="http://schemas.microsoft.com/office/drawing/2014/main" val="2787221057"/>
+                  </a:ext>
+                </a:extLst>
+              </a:tr>
+              <a:tr h="370840">
+                <a:tc>
+                  <a:txBody>
+                    <a:bodyPr/>
+                    <a:lstStyle/>
+                    <a:p>
+                      <a:pPr algn="ctr"/>
+                      <a:r>
+                        <a:rPr lang="en-US" dirty="0" smtClean="0"/>
+                        <a:t>TSMC</a:t>
+                      </a:r>
+                      <a:endParaRPr lang="en-US" dirty="0"/>
+                    </a:p>
+                  </a:txBody>
+                  <a:tcPr anchor="ctr"/>
+                </a:tc>
+                <a:tc>
+                  <a:txBody>
+                    <a:bodyPr/>
+                    <a:lstStyle/>
+                    <a:p>
+                      <a:endParaRPr lang="en-US" dirty="0"/>
+                    </a:p>
+                  </a:txBody>
+                  <a:tcPr/>
+                </a:tc>
+                <a:tc>
+                  <a:txBody>
+                    <a:bodyPr/>
+                    <a:lstStyle/>
+                    <a:p>
+                      <a:endParaRPr lang="fr-FR" dirty="0"/>
+                    </a:p>
+                  </a:txBody>
+                  <a:tcPr/>
+                </a:tc>
+                <a:extLst>
+                  <a:ext uri="{0D108BD9-81ED-4DB2-BD59-A6C34878D82A}">
+                    <a16:rowId xmlns:a16="http://schemas.microsoft.com/office/drawing/2014/main" val="101062122"/>
+                  </a:ext>
+                </a:extLst>
+              </a:tr>
+            </a:tbl>
+          </a:graphicData>
+        </a:graphic>
+      </p:graphicFrame>
+      <p:sp>
+        <p:nvSpPr>
+          <p:cNvPr id="4" name="ZoneTexte 3"/>
+          <p:cNvSpPr txBox="1"/>
+          <p:nvPr/>
+        </p:nvSpPr>
+        <p:spPr>
+          <a:xfrm>
+            <a:off x="12790136" y="3306616"/>
+            <a:ext cx="2943755" cy="923330"/>
+          </a:xfrm>
+          <a:prstGeom prst="rect">
+            <a:avLst/>
+          </a:prstGeom>
+          <a:noFill/>
+        </p:spPr>
+        <p:txBody>
+          <a:bodyPr wrap="none" rtlCol="0">
+            <a:spAutoFit/>
+          </a:bodyPr>
+          <a:lstStyle/>
+          <a:p>
+            <a:r>
+              <a:rPr lang="en-US" dirty="0" smtClean="0"/>
+              <a:t>La </a:t>
+            </a:r>
+            <a:r>
+              <a:rPr lang="en-US" dirty="0" err="1" smtClean="0"/>
+              <a:t>quelle</a:t>
+            </a:r>
+            <a:r>
+              <a:rPr lang="en-US" dirty="0" smtClean="0"/>
+              <a:t> de </a:t>
+            </a:r>
+            <a:r>
+              <a:rPr lang="en-US" dirty="0" err="1" smtClean="0"/>
+              <a:t>pref</a:t>
+            </a:r>
+            <a:r>
+              <a:rPr lang="en-US" dirty="0" smtClean="0"/>
+              <a:t>?</a:t>
+            </a:r>
+          </a:p>
+          <a:p>
+            <a:endParaRPr lang="en-US" dirty="0"/>
+          </a:p>
+          <a:p>
+            <a:r>
+              <a:rPr lang="en-US" dirty="0" smtClean="0"/>
+              <a:t>PDK-</a:t>
+            </a:r>
+            <a:r>
+              <a:rPr lang="en-US" dirty="0" err="1" smtClean="0"/>
+              <a:t>Xfab</a:t>
+            </a:r>
+            <a:r>
+              <a:rPr lang="en-US" dirty="0" smtClean="0"/>
+              <a:t> accessible à </a:t>
+            </a:r>
+            <a:r>
+              <a:rPr lang="en-US" dirty="0" err="1" smtClean="0"/>
+              <a:t>thales</a:t>
+            </a:r>
+            <a:r>
+              <a:rPr lang="en-US" dirty="0" smtClean="0"/>
+              <a:t>?</a:t>
+            </a:r>
+            <a:endParaRPr lang="en-US" dirty="0"/>
+          </a:p>
+        </p:txBody>
+      </p:sp>
+    </p:spTree>
+    <p:extLst>
+      <p:ext uri="{BB962C8B-B14F-4D97-AF65-F5344CB8AC3E}">
+        <p14:creationId xmlns:p14="http://schemas.microsoft.com/office/powerpoint/2010/main" val="107078585"/>
+      </p:ext>
+    </p:extLst>
+  </p:cSld>
+  <p:clrMapOvr>
+    <a:masterClrMapping/>
+  </p:clrMapOvr>
+  <p:timing>
+    <p:tnLst>
+      <p:par>
+        <p:cTn id="1" dur="indefinite" restart="never" nodeType="tmRoot"/>
+      </p:par>
+    </p:tnLst>
+  </p:timing>
+</p:sld>
+</file>
+
+<file path=ppt/slides/slide4.xml><?xml version="1.0" encoding="utf-8"?>
+<p:sld xmlns:a="http://schemas.openxmlformats.org/drawingml/2006/main" xmlns:r="http://schemas.openxmlformats.org/officeDocument/2006/relationships" xmlns:p="http://schemas.openxmlformats.org/presentationml/2006/main">
+  <p:cSld>
+    <p:spTree>
+      <p:nvGrpSpPr>
+        <p:cNvPr id="1" name=""/>
+        <p:cNvGrpSpPr/>
+        <p:nvPr/>
+      </p:nvGrpSpPr>
+      <p:grpSpPr>
+        <a:xfrm>
+          <a:off x="0" y="0"/>
+          <a:ext cx="0" cy="0"/>
+          <a:chOff x="0" y="0"/>
+          <a:chExt cx="0" cy="0"/>
+        </a:xfrm>
+      </p:grpSpPr>
+      <p:sp>
+        <p:nvSpPr>
+          <p:cNvPr id="2" name="Titre 1"/>
+          <p:cNvSpPr>
+            <a:spLocks noGrp="1"/>
+          </p:cNvSpPr>
+          <p:nvPr>
+            <p:ph type="title"/>
+          </p:nvPr>
+        </p:nvSpPr>
+        <p:spPr/>
+        <p:txBody>
+          <a:bodyPr/>
+          <a:lstStyle/>
+          <a:p>
+            <a:r>
+              <a:rPr lang="fr-FR" dirty="0"/>
+              <a:t>3</a:t>
+            </a:r>
+            <a:r>
+              <a:rPr lang="fr-FR" dirty="0" smtClean="0"/>
+              <a:t> - Tools </a:t>
+            </a:r>
+            <a:endParaRPr lang="fr-FR" dirty="0"/>
+          </a:p>
+        </p:txBody>
+      </p:sp>
+      <p:sp>
+        <p:nvSpPr>
+          <p:cNvPr id="3" name="Espace réservé du contenu 2"/>
+          <p:cNvSpPr>
+            <a:spLocks noGrp="1"/>
+          </p:cNvSpPr>
+          <p:nvPr>
+            <p:ph idx="1"/>
+          </p:nvPr>
+        </p:nvSpPr>
+        <p:spPr/>
+        <p:txBody>
+          <a:bodyPr/>
+          <a:lstStyle/>
+          <a:p>
+            <a:r>
+              <a:rPr lang="fr-FR" dirty="0" smtClean="0"/>
+              <a:t>Cadence </a:t>
+            </a:r>
+            <a:r>
+              <a:rPr lang="fr-FR" dirty="0" err="1"/>
+              <a:t>V</a:t>
+            </a:r>
+            <a:r>
+              <a:rPr lang="fr-FR" dirty="0" err="1" smtClean="0"/>
+              <a:t>irtuoso</a:t>
+            </a:r>
+            <a:r>
+              <a:rPr lang="fr-FR" dirty="0" smtClean="0"/>
+              <a:t> (</a:t>
+            </a:r>
+            <a:r>
+              <a:rPr lang="fr-FR" dirty="0" err="1" smtClean="0"/>
+              <a:t>schematic</a:t>
+            </a:r>
+            <a:r>
+              <a:rPr lang="fr-FR" dirty="0" smtClean="0"/>
+              <a:t>, placement and </a:t>
+            </a:r>
+            <a:r>
+              <a:rPr lang="fr-FR" dirty="0" err="1" smtClean="0"/>
+              <a:t>routing</a:t>
+            </a:r>
+            <a:r>
+              <a:rPr lang="fr-FR" dirty="0" smtClean="0"/>
+              <a:t> by hand)</a:t>
+            </a:r>
+            <a:endParaRPr lang="fr-FR" dirty="0"/>
+          </a:p>
+          <a:p>
+            <a:endParaRPr lang="fr-FR" dirty="0" smtClean="0"/>
+          </a:p>
+          <a:p>
+            <a:endParaRPr lang="fr-FR" dirty="0" smtClean="0"/>
+          </a:p>
+          <a:p>
+            <a:endParaRPr lang="fr-FR" dirty="0" smtClean="0"/>
+          </a:p>
+          <a:p>
+            <a:endParaRPr lang="fr-FR" dirty="0" smtClean="0"/>
+          </a:p>
+          <a:p>
+            <a:r>
+              <a:rPr lang="fr-FR" dirty="0" smtClean="0"/>
+              <a:t>PDK (</a:t>
+            </a:r>
+            <a:r>
+              <a:rPr lang="fr-FR" dirty="0" err="1" smtClean="0"/>
+              <a:t>process</a:t>
+            </a:r>
+            <a:r>
+              <a:rPr lang="fr-FR" dirty="0" smtClean="0"/>
+              <a:t> design kit): </a:t>
+            </a:r>
+            <a:r>
+              <a:rPr lang="fr-FR" dirty="0" err="1" smtClean="0"/>
+              <a:t>contains</a:t>
+            </a:r>
+            <a:r>
+              <a:rPr lang="fr-FR" dirty="0" smtClean="0"/>
+              <a:t> </a:t>
+            </a:r>
+            <a:r>
+              <a:rPr lang="fr-FR" dirty="0" err="1" smtClean="0"/>
+              <a:t>layouts</a:t>
+            </a:r>
+            <a:r>
+              <a:rPr lang="fr-FR" dirty="0" smtClean="0"/>
+              <a:t> and </a:t>
+            </a:r>
+            <a:r>
+              <a:rPr lang="fr-FR" dirty="0" err="1" smtClean="0"/>
+              <a:t>manufacturing</a:t>
+            </a:r>
+            <a:r>
+              <a:rPr lang="fr-FR" dirty="0" smtClean="0"/>
+              <a:t> </a:t>
+            </a:r>
+            <a:r>
+              <a:rPr lang="fr-FR" dirty="0" err="1" smtClean="0"/>
+              <a:t>rules</a:t>
+            </a:r>
+            <a:r>
+              <a:rPr lang="fr-FR" dirty="0" smtClean="0"/>
+              <a:t>. </a:t>
+            </a:r>
+            <a:r>
+              <a:rPr lang="fr-FR" dirty="0" err="1" smtClean="0"/>
+              <a:t>Given</a:t>
+            </a:r>
+            <a:r>
+              <a:rPr lang="fr-FR" dirty="0" smtClean="0"/>
+              <a:t> for free by the </a:t>
+            </a:r>
+            <a:r>
+              <a:rPr lang="fr-FR" dirty="0" err="1" smtClean="0"/>
+              <a:t>founder</a:t>
+            </a:r>
+            <a:r>
+              <a:rPr lang="fr-FR" dirty="0" smtClean="0"/>
+              <a:t>.</a:t>
+            </a:r>
+          </a:p>
+          <a:p>
+            <a:endParaRPr lang="fr-FR" dirty="0"/>
+          </a:p>
+        </p:txBody>
+      </p:sp>
+      <p:pic>
+        <p:nvPicPr>
+          <p:cNvPr id="4" name="Image 3"/>
+          <p:cNvPicPr>
+            <a:picLocks noChangeAspect="1"/>
+          </p:cNvPicPr>
+          <p:nvPr/>
+        </p:nvPicPr>
+        <p:blipFill>
+          <a:blip r:embed="rId2">
+            <a:extLst>
+              <a:ext uri="{28A0092B-C50C-407E-A947-70E740481C1C}">
+                <a14:useLocalDpi xmlns:a14="http://schemas.microsoft.com/office/drawing/2010/main" val="0"/>
+              </a:ext>
+            </a:extLst>
+          </a:blip>
+          <a:stretch>
+            <a:fillRect/>
+          </a:stretch>
+        </p:blipFill>
+        <p:spPr>
+          <a:xfrm>
+            <a:off x="2787650" y="2979739"/>
+            <a:ext cx="4025900" cy="754856"/>
+          </a:xfrm>
+          <a:prstGeom prst="rect">
+            <a:avLst/>
+          </a:prstGeom>
+        </p:spPr>
+      </p:pic>
+    </p:spTree>
+    <p:extLst>
+      <p:ext uri="{BB962C8B-B14F-4D97-AF65-F5344CB8AC3E}">
+        <p14:creationId xmlns:p14="http://schemas.microsoft.com/office/powerpoint/2010/main" val="3668492074"/>
+      </p:ext>
+    </p:extLst>
+  </p:cSld>
+  <p:clrMapOvr>
+    <a:masterClrMapping/>
+  </p:clrMapOvr>
+  <p:timing>
+    <p:tnLst>
+      <p:par>
+        <p:cTn id="1" dur="indefinite" restart="never" nodeType="tmRoot"/>
+      </p:par>
+    </p:tnLst>
+  </p:timing>
+</p:sld>
+</file>
+
+<file path=ppt/slides/slide5.xml><?xml version="1.0" encoding="utf-8"?>
+<p:sld xmlns:a="http://schemas.openxmlformats.org/drawingml/2006/main" xmlns:r="http://schemas.openxmlformats.org/officeDocument/2006/relationships" xmlns:p="http://schemas.openxmlformats.org/presentationml/2006/main">
+  <p:cSld>
+    <p:spTree>
+      <p:nvGrpSpPr>
+        <p:cNvPr id="1" name=""/>
+        <p:cNvGrpSpPr/>
+        <p:nvPr/>
+      </p:nvGrpSpPr>
+      <p:grpSpPr>
+        <a:xfrm>
+          <a:off x="0" y="0"/>
+          <a:ext cx="0" cy="0"/>
+          <a:chOff x="0" y="0"/>
+          <a:chExt cx="0" cy="0"/>
+        </a:xfrm>
+      </p:grpSpPr>
+      <p:sp>
+        <p:nvSpPr>
+          <p:cNvPr id="2" name="Titre 1"/>
+          <p:cNvSpPr>
+            <a:spLocks noGrp="1"/>
+          </p:cNvSpPr>
+          <p:nvPr>
+            <p:ph type="title"/>
+          </p:nvPr>
+        </p:nvSpPr>
+        <p:spPr/>
+        <p:txBody>
+          <a:bodyPr/>
+          <a:lstStyle/>
+          <a:p>
+            <a:r>
+              <a:rPr lang="fr-FR" dirty="0"/>
+              <a:t>4</a:t>
+            </a:r>
+            <a:r>
+              <a:rPr lang="fr-FR" dirty="0" smtClean="0"/>
+              <a:t> – </a:t>
+            </a:r>
+            <a:r>
+              <a:rPr lang="fr-FR" dirty="0" err="1" smtClean="0"/>
+              <a:t>Costs</a:t>
+            </a:r>
+            <a:r>
+              <a:rPr lang="fr-FR" dirty="0" smtClean="0"/>
+              <a:t>  </a:t>
+            </a:r>
+            <a:endParaRPr lang="fr-FR" dirty="0"/>
+          </a:p>
+        </p:txBody>
+      </p:sp>
+      <p:sp>
+        <p:nvSpPr>
+          <p:cNvPr id="3" name="Espace réservé du contenu 2"/>
+          <p:cNvSpPr>
+            <a:spLocks noGrp="1"/>
+          </p:cNvSpPr>
+          <p:nvPr>
+            <p:ph idx="1"/>
+          </p:nvPr>
+        </p:nvSpPr>
+        <p:spPr/>
+        <p:txBody>
+          <a:bodyPr/>
+          <a:lstStyle/>
+          <a:p>
+            <a:endParaRPr lang="fr-FR" dirty="0" smtClean="0"/>
+          </a:p>
+          <a:p>
+            <a:r>
+              <a:rPr lang="fr-FR" dirty="0" smtClean="0"/>
+              <a:t>X-FAB </a:t>
+            </a:r>
+            <a:r>
+              <a:rPr lang="fr-FR" dirty="0" err="1" smtClean="0"/>
+              <a:t>prototyping</a:t>
+            </a:r>
+            <a:r>
+              <a:rPr lang="fr-FR" dirty="0" smtClean="0"/>
+              <a:t> services</a:t>
+            </a:r>
+          </a:p>
+          <a:p>
+            <a:r>
+              <a:rPr lang="fr-FR" dirty="0" smtClean="0"/>
+              <a:t>CMP (</a:t>
+            </a:r>
+            <a:r>
+              <a:rPr lang="en-US" dirty="0"/>
+              <a:t>Circuits Multi-</a:t>
+            </a:r>
+            <a:r>
+              <a:rPr lang="en-US" dirty="0" err="1"/>
+              <a:t>Projets</a:t>
+            </a:r>
+            <a:r>
+              <a:rPr lang="en-US" dirty="0" smtClean="0"/>
+              <a:t>®)</a:t>
+            </a:r>
+            <a:r>
+              <a:rPr lang="fr-FR" dirty="0" smtClean="0"/>
+              <a:t> for ST, </a:t>
+            </a:r>
+            <a:r>
+              <a:rPr lang="fr-FR" dirty="0" err="1" smtClean="0"/>
+              <a:t>Onsemi</a:t>
+            </a:r>
+            <a:r>
+              <a:rPr lang="fr-FR" dirty="0" smtClean="0"/>
+              <a:t>, AMS</a:t>
+            </a:r>
+          </a:p>
+          <a:p>
+            <a:r>
+              <a:rPr lang="fr-FR" dirty="0" smtClean="0"/>
+              <a:t>Thales mm2 </a:t>
+            </a:r>
+            <a:r>
+              <a:rPr lang="fr-FR" dirty="0" err="1" smtClean="0"/>
+              <a:t>cost</a:t>
+            </a:r>
+            <a:r>
+              <a:rPr lang="fr-FR" dirty="0" smtClean="0"/>
+              <a:t>? (65nm ST 3000€)</a:t>
+            </a:r>
+          </a:p>
+          <a:p>
+            <a:r>
+              <a:rPr lang="fr-FR" dirty="0" smtClean="0"/>
+              <a:t>1 million dollar to </a:t>
+            </a:r>
+            <a:r>
+              <a:rPr lang="fr-FR" dirty="0" err="1" smtClean="0"/>
+              <a:t>launch</a:t>
+            </a:r>
+            <a:r>
+              <a:rPr lang="fr-FR" dirty="0" smtClean="0"/>
+              <a:t> a </a:t>
+            </a:r>
+            <a:r>
+              <a:rPr lang="fr-FR" dirty="0" err="1" smtClean="0"/>
+              <a:t>project</a:t>
+            </a:r>
+            <a:endParaRPr lang="fr-FR" dirty="0" smtClean="0"/>
+          </a:p>
+          <a:p>
+            <a:r>
+              <a:rPr lang="fr-FR" dirty="0" err="1" smtClean="0"/>
+              <a:t>Cost</a:t>
+            </a:r>
+            <a:r>
+              <a:rPr lang="fr-FR" dirty="0" smtClean="0"/>
+              <a:t> : </a:t>
+            </a:r>
+            <a:r>
+              <a:rPr lang="fr-FR" dirty="0" err="1" smtClean="0"/>
+              <a:t>development</a:t>
+            </a:r>
+            <a:r>
+              <a:rPr lang="fr-FR" dirty="0" smtClean="0"/>
+              <a:t>(Tools/</a:t>
+            </a:r>
+            <a:r>
+              <a:rPr lang="fr-FR" dirty="0" err="1" smtClean="0"/>
+              <a:t>softs,time</a:t>
+            </a:r>
+            <a:r>
+              <a:rPr lang="fr-FR" dirty="0" smtClean="0"/>
+              <a:t>…etc.), </a:t>
+            </a:r>
+            <a:r>
+              <a:rPr lang="fr-FR" dirty="0" err="1"/>
+              <a:t>m</a:t>
+            </a:r>
+            <a:r>
+              <a:rPr lang="fr-FR" dirty="0" err="1" smtClean="0"/>
+              <a:t>anufacturing</a:t>
+            </a:r>
+            <a:r>
+              <a:rPr lang="fr-FR" dirty="0" smtClean="0"/>
+              <a:t>, test and validation </a:t>
+            </a:r>
+            <a:r>
+              <a:rPr lang="fr-FR" dirty="0" err="1" smtClean="0"/>
+              <a:t>costs</a:t>
+            </a:r>
+            <a:r>
+              <a:rPr lang="fr-FR" dirty="0" smtClean="0"/>
+              <a:t> </a:t>
+            </a:r>
+          </a:p>
+          <a:p>
+            <a:endParaRPr lang="fr-FR" dirty="0" smtClean="0"/>
+          </a:p>
+          <a:p>
+            <a:endParaRPr lang="fr-FR" dirty="0"/>
+          </a:p>
+        </p:txBody>
+      </p:sp>
+    </p:spTree>
+    <p:extLst>
+      <p:ext uri="{BB962C8B-B14F-4D97-AF65-F5344CB8AC3E}">
+        <p14:creationId xmlns:p14="http://schemas.microsoft.com/office/powerpoint/2010/main" val="3186608984"/>
+      </p:ext>
+    </p:extLst>
+  </p:cSld>
+  <p:clrMapOvr>
+    <a:masterClrMapping/>
+  </p:clrMapOvr>
+  <p:timing>
+    <p:tnLst>
+      <p:par>
+        <p:cTn id="1" dur="indefinite" restart="never" nodeType="tmRoot"/>
+      </p:par>
+    </p:tnLst>
+  </p:timing>
+</p:sld>
+</file>
+
+<file path=ppt/slides/slide6.xml><?xml version="1.0" encoding="utf-8"?>
+<p:sld xmlns:a="http://schemas.openxmlformats.org/drawingml/2006/main" xmlns:r="http://schemas.openxmlformats.org/officeDocument/2006/relationships" xmlns:p="http://schemas.openxmlformats.org/presentationml/2006/main">
+  <p:cSld>
+    <p:spTree>
+      <p:nvGrpSpPr>
+        <p:cNvPr id="1" name=""/>
+        <p:cNvGrpSpPr/>
+        <p:nvPr/>
+      </p:nvGrpSpPr>
+      <p:grpSpPr>
+        <a:xfrm>
+          <a:off x="0" y="0"/>
+          <a:ext cx="0" cy="0"/>
+          <a:chOff x="0" y="0"/>
+          <a:chExt cx="0" cy="0"/>
+        </a:xfrm>
+      </p:grpSpPr>
+      <p:sp>
+        <p:nvSpPr>
+          <p:cNvPr id="2" name="Titre 1"/>
+          <p:cNvSpPr>
+            <a:spLocks noGrp="1"/>
+          </p:cNvSpPr>
+          <p:nvPr>
+            <p:ph type="title"/>
+          </p:nvPr>
+        </p:nvSpPr>
+        <p:spPr/>
+        <p:txBody>
+          <a:bodyPr/>
+          <a:lstStyle/>
+          <a:p>
+            <a:r>
+              <a:rPr lang="fr-FR" dirty="0"/>
+              <a:t>5</a:t>
+            </a:r>
+            <a:r>
+              <a:rPr lang="fr-FR" dirty="0" smtClean="0"/>
+              <a:t> – </a:t>
+            </a:r>
+            <a:r>
+              <a:rPr lang="fr-FR" dirty="0" err="1" smtClean="0"/>
+              <a:t>Projects</a:t>
+            </a:r>
+            <a:r>
+              <a:rPr lang="fr-FR" dirty="0" smtClean="0"/>
+              <a:t> </a:t>
+            </a:r>
+            <a:endParaRPr lang="fr-FR" dirty="0"/>
+          </a:p>
+        </p:txBody>
+      </p:sp>
+      <p:graphicFrame>
+        <p:nvGraphicFramePr>
+          <p:cNvPr id="4" name="Tableau 3"/>
+          <p:cNvGraphicFramePr>
+            <a:graphicFrameLocks noGrp="1"/>
+          </p:cNvGraphicFramePr>
+          <p:nvPr>
+            <p:extLst>
+              <p:ext uri="{D42A27DB-BD31-4B8C-83A1-F6EECF244321}">
+                <p14:modId xmlns:p14="http://schemas.microsoft.com/office/powerpoint/2010/main" val="3395673931"/>
+              </p:ext>
+            </p:extLst>
+          </p:nvPr>
+        </p:nvGraphicFramePr>
+        <p:xfrm>
+          <a:off x="1808026" y="1491915"/>
+          <a:ext cx="6046526" cy="4673999"/>
+        </p:xfrm>
+        <a:graphic>
+          <a:graphicData uri="http://schemas.openxmlformats.org/drawingml/2006/table">
+            <a:tbl>
+              <a:tblPr firstRow="1" firstCol="1" bandRow="1">
+                <a:tableStyleId>{5C22544A-7EE6-4342-B048-85BDC9FD1C3A}</a:tableStyleId>
+              </a:tblPr>
+              <a:tblGrid>
+                <a:gridCol w="1118940">
+                  <a:extLst>
+                    <a:ext uri="{9D8B030D-6E8A-4147-A177-3AD203B41FA5}">
+                      <a16:colId xmlns:a16="http://schemas.microsoft.com/office/drawing/2014/main" val="3345680762"/>
+                    </a:ext>
+                  </a:extLst>
+                </a:gridCol>
+                <a:gridCol w="2345999">
+                  <a:extLst>
+                    <a:ext uri="{9D8B030D-6E8A-4147-A177-3AD203B41FA5}">
+                      <a16:colId xmlns:a16="http://schemas.microsoft.com/office/drawing/2014/main" val="3500887387"/>
+                    </a:ext>
+                  </a:extLst>
+                </a:gridCol>
+                <a:gridCol w="1404175">
+                  <a:extLst>
+                    <a:ext uri="{9D8B030D-6E8A-4147-A177-3AD203B41FA5}">
+                      <a16:colId xmlns:a16="http://schemas.microsoft.com/office/drawing/2014/main" val="1858516523"/>
+                    </a:ext>
+                  </a:extLst>
+                </a:gridCol>
+                <a:gridCol w="1177412">
+                  <a:extLst>
+                    <a:ext uri="{9D8B030D-6E8A-4147-A177-3AD203B41FA5}">
+                      <a16:colId xmlns:a16="http://schemas.microsoft.com/office/drawing/2014/main" val="3654395559"/>
+                    </a:ext>
+                  </a:extLst>
+                </a:gridCol>
+              </a:tblGrid>
+              <a:tr h="442112">
+                <a:tc>
+                  <a:txBody>
+                    <a:bodyPr/>
+                    <a:lstStyle/>
+                    <a:p>
+                      <a:pPr>
+                        <a:lnSpc>
+                          <a:spcPct val="107000"/>
+                        </a:lnSpc>
+                        <a:spcAft>
+                          <a:spcPts val="0"/>
+                        </a:spcAft>
+                      </a:pPr>
+                      <a:r>
+                        <a:rPr lang="en-US" sz="800" dirty="0">
+                          <a:effectLst/>
+                        </a:rPr>
+                        <a:t> </a:t>
+                      </a:r>
+                      <a:endParaRPr lang="en-US" sz="800" dirty="0">
+                        <a:effectLst/>
+                        <a:latin typeface="Calibri" panose="020F0502020204030204" pitchFamily="34" charset="0"/>
+                        <a:ea typeface="Calibri" panose="020F0502020204030204" pitchFamily="34" charset="0"/>
+                        <a:cs typeface="Times New Roman" panose="02020603050405020304" pitchFamily="18" charset="0"/>
+                      </a:endParaRPr>
+                    </a:p>
+                  </a:txBody>
+                  <a:tcPr marL="47529" marR="47529" marT="0" marB="0"/>
+                </a:tc>
+                <a:tc>
+                  <a:txBody>
+                    <a:bodyPr/>
+                    <a:lstStyle/>
+                    <a:p>
+                      <a:pPr algn="ctr">
+                        <a:lnSpc>
+                          <a:spcPct val="107000"/>
+                        </a:lnSpc>
+                        <a:spcAft>
+                          <a:spcPts val="0"/>
+                        </a:spcAft>
+                      </a:pPr>
+                      <a:r>
+                        <a:rPr lang="en-US" sz="800" dirty="0">
+                          <a:effectLst/>
+                        </a:rPr>
+                        <a:t>Pros</a:t>
+                      </a:r>
+                      <a:endParaRPr lang="en-US" sz="800" dirty="0">
+                        <a:effectLst/>
+                        <a:latin typeface="Calibri" panose="020F0502020204030204" pitchFamily="34" charset="0"/>
+                        <a:ea typeface="Calibri" panose="020F0502020204030204" pitchFamily="34" charset="0"/>
+                        <a:cs typeface="Times New Roman" panose="02020603050405020304" pitchFamily="18" charset="0"/>
+                      </a:endParaRPr>
+                    </a:p>
+                  </a:txBody>
+                  <a:tcPr marL="47529" marR="47529" marT="0" marB="0" anchor="ctr">
+                    <a:solidFill>
+                      <a:schemeClr val="accent5">
+                        <a:lumMod val="75000"/>
+                      </a:schemeClr>
+                    </a:solidFill>
+                  </a:tcPr>
+                </a:tc>
+                <a:tc>
+                  <a:txBody>
+                    <a:bodyPr/>
+                    <a:lstStyle/>
+                    <a:p>
+                      <a:pPr algn="ctr">
+                        <a:lnSpc>
+                          <a:spcPct val="107000"/>
+                        </a:lnSpc>
+                        <a:spcAft>
+                          <a:spcPts val="0"/>
+                        </a:spcAft>
+                      </a:pPr>
+                      <a:r>
+                        <a:rPr lang="en-US" sz="800" dirty="0">
+                          <a:effectLst/>
+                        </a:rPr>
+                        <a:t>Cons</a:t>
+                      </a:r>
+                      <a:endParaRPr lang="en-US" sz="800" dirty="0">
+                        <a:effectLst/>
+                        <a:latin typeface="Calibri" panose="020F0502020204030204" pitchFamily="34" charset="0"/>
+                        <a:ea typeface="Calibri" panose="020F0502020204030204" pitchFamily="34" charset="0"/>
+                        <a:cs typeface="Times New Roman" panose="02020603050405020304" pitchFamily="18" charset="0"/>
+                      </a:endParaRPr>
+                    </a:p>
+                  </a:txBody>
+                  <a:tcPr marL="47529" marR="47529" marT="0" marB="0" anchor="ctr">
+                    <a:solidFill>
+                      <a:srgbClr val="FFC000"/>
+                    </a:solidFill>
+                  </a:tcPr>
+                </a:tc>
+                <a:tc>
+                  <a:txBody>
+                    <a:bodyPr/>
+                    <a:lstStyle/>
+                    <a:p>
+                      <a:pPr algn="ctr">
+                        <a:lnSpc>
+                          <a:spcPct val="107000"/>
+                        </a:lnSpc>
+                        <a:spcAft>
+                          <a:spcPts val="0"/>
+                        </a:spcAft>
+                      </a:pPr>
+                      <a:r>
+                        <a:rPr lang="en-US" sz="800" dirty="0">
+                          <a:effectLst/>
+                        </a:rPr>
+                        <a:t>Techno possible</a:t>
+                      </a:r>
+                      <a:endParaRPr lang="en-US" sz="800" dirty="0">
+                        <a:effectLst/>
+                        <a:latin typeface="Calibri" panose="020F0502020204030204" pitchFamily="34" charset="0"/>
+                        <a:ea typeface="Calibri" panose="020F0502020204030204" pitchFamily="34" charset="0"/>
+                        <a:cs typeface="Times New Roman" panose="02020603050405020304" pitchFamily="18" charset="0"/>
+                      </a:endParaRPr>
+                    </a:p>
+                  </a:txBody>
+                  <a:tcPr marL="47529" marR="47529" marT="0" marB="0" anchor="ctr"/>
+                </a:tc>
+                <a:extLst>
+                  <a:ext uri="{0D108BD9-81ED-4DB2-BD59-A6C34878D82A}">
+                    <a16:rowId xmlns:a16="http://schemas.microsoft.com/office/drawing/2014/main" val="3840947514"/>
+                  </a:ext>
+                </a:extLst>
+              </a:tr>
+              <a:tr h="1559632">
+                <a:tc>
+                  <a:txBody>
+                    <a:bodyPr/>
+                    <a:lstStyle/>
+                    <a:p>
+                      <a:pPr algn="ctr">
+                        <a:lnSpc>
+                          <a:spcPct val="107000"/>
+                        </a:lnSpc>
+                        <a:spcAft>
+                          <a:spcPts val="0"/>
+                        </a:spcAft>
+                      </a:pPr>
+                      <a:r>
+                        <a:rPr lang="en-US" sz="800" dirty="0">
+                          <a:effectLst/>
+                        </a:rPr>
+                        <a:t>Project </a:t>
+                      </a:r>
+                      <a:r>
+                        <a:rPr lang="en-US" sz="800" dirty="0" smtClean="0">
+                          <a:effectLst/>
+                        </a:rPr>
+                        <a:t>n°1:</a:t>
+                      </a:r>
+                    </a:p>
+                    <a:p>
+                      <a:pPr algn="ctr">
+                        <a:lnSpc>
+                          <a:spcPct val="107000"/>
+                        </a:lnSpc>
+                        <a:spcAft>
+                          <a:spcPts val="0"/>
+                        </a:spcAft>
+                      </a:pPr>
+                      <a:endParaRPr lang="en-US" sz="800" dirty="0">
+                        <a:effectLst/>
+                        <a:latin typeface="Calibri" panose="020F0502020204030204" pitchFamily="34" charset="0"/>
+                        <a:ea typeface="Calibri" panose="020F0502020204030204" pitchFamily="34" charset="0"/>
+                        <a:cs typeface="Times New Roman" panose="02020603050405020304" pitchFamily="18" charset="0"/>
+                      </a:endParaRPr>
+                    </a:p>
+                  </a:txBody>
+                  <a:tcPr marL="47529" marR="47529" marT="0" marB="0" anchor="ctr"/>
+                </a:tc>
+                <a:tc>
+                  <a:txBody>
+                    <a:bodyPr/>
+                    <a:lstStyle/>
+                    <a:p>
+                      <a:pPr marL="342900" lvl="0" indent="-342900" algn="l">
+                        <a:lnSpc>
+                          <a:spcPct val="107000"/>
+                        </a:lnSpc>
+                        <a:spcAft>
+                          <a:spcPts val="0"/>
+                        </a:spcAft>
+                        <a:buFont typeface="Symbol" panose="05050102010706020507" pitchFamily="18" charset="2"/>
+                        <a:buChar char=""/>
+                      </a:pPr>
+                      <a:r>
+                        <a:rPr lang="en-US" sz="800" dirty="0">
+                          <a:effectLst/>
+                        </a:rPr>
+                        <a:t>Seems coherent with the time given to do the project</a:t>
+                      </a:r>
+                    </a:p>
+                    <a:p>
+                      <a:pPr marL="342900" lvl="0" indent="-342900" algn="l">
+                        <a:lnSpc>
+                          <a:spcPct val="107000"/>
+                        </a:lnSpc>
+                        <a:spcAft>
+                          <a:spcPts val="0"/>
+                        </a:spcAft>
+                        <a:buFont typeface="Symbol" panose="05050102010706020507" pitchFamily="18" charset="2"/>
+                        <a:buChar char=""/>
+                      </a:pPr>
+                      <a:r>
+                        <a:rPr lang="en-US" sz="800" dirty="0">
+                          <a:effectLst/>
+                        </a:rPr>
+                        <a:t>Interesting to develop competences on analog ASIC and electronic</a:t>
+                      </a:r>
+                    </a:p>
+                    <a:p>
+                      <a:pPr marL="228600" algn="l">
+                        <a:lnSpc>
+                          <a:spcPct val="107000"/>
+                        </a:lnSpc>
+                        <a:spcAft>
+                          <a:spcPts val="0"/>
+                        </a:spcAft>
+                      </a:pPr>
+                      <a:r>
+                        <a:rPr lang="en-US" sz="800" dirty="0">
+                          <a:effectLst/>
+                        </a:rPr>
+                        <a:t> </a:t>
+                      </a:r>
+                      <a:endParaRPr lang="en-US" sz="800" dirty="0">
+                        <a:effectLst/>
+                        <a:latin typeface="Calibri" panose="020F0502020204030204" pitchFamily="34" charset="0"/>
+                        <a:ea typeface="Calibri" panose="020F0502020204030204" pitchFamily="34" charset="0"/>
+                        <a:cs typeface="Times New Roman" panose="02020603050405020304" pitchFamily="18" charset="0"/>
+                      </a:endParaRPr>
+                    </a:p>
+                  </a:txBody>
+                  <a:tcPr marL="47529" marR="47529" marT="0" marB="0" anchor="ctr"/>
+                </a:tc>
+                <a:tc>
+                  <a:txBody>
+                    <a:bodyPr/>
+                    <a:lstStyle/>
+                    <a:p>
+                      <a:pPr algn="l">
+                        <a:lnSpc>
+                          <a:spcPct val="107000"/>
+                        </a:lnSpc>
+                        <a:spcAft>
+                          <a:spcPts val="0"/>
+                        </a:spcAft>
+                      </a:pPr>
+                      <a:r>
+                        <a:rPr lang="en-US" sz="800" dirty="0">
+                          <a:effectLst/>
+                        </a:rPr>
+                        <a:t> </a:t>
+                      </a:r>
+                      <a:endParaRPr lang="en-US" sz="800" dirty="0">
+                        <a:effectLst/>
+                        <a:latin typeface="Calibri" panose="020F0502020204030204" pitchFamily="34" charset="0"/>
+                        <a:ea typeface="Calibri" panose="020F0502020204030204" pitchFamily="34" charset="0"/>
+                        <a:cs typeface="Times New Roman" panose="02020603050405020304" pitchFamily="18" charset="0"/>
+                      </a:endParaRPr>
+                    </a:p>
+                  </a:txBody>
+                  <a:tcPr marL="47529" marR="47529" marT="0" marB="0" anchor="ctr"/>
+                </a:tc>
+                <a:tc>
+                  <a:txBody>
+                    <a:bodyPr/>
+                    <a:lstStyle/>
+                    <a:p>
+                      <a:pPr algn="l">
+                        <a:lnSpc>
+                          <a:spcPct val="107000"/>
+                        </a:lnSpc>
+                        <a:spcAft>
+                          <a:spcPts val="0"/>
+                        </a:spcAft>
+                      </a:pPr>
+                      <a:r>
+                        <a:rPr lang="en-US" sz="800" dirty="0">
+                          <a:effectLst/>
+                        </a:rPr>
+                        <a:t> </a:t>
+                      </a:r>
+                      <a:endParaRPr lang="en-US" sz="800" dirty="0">
+                        <a:effectLst/>
+                        <a:latin typeface="Calibri" panose="020F0502020204030204" pitchFamily="34" charset="0"/>
+                        <a:ea typeface="Calibri" panose="020F0502020204030204" pitchFamily="34" charset="0"/>
+                        <a:cs typeface="Times New Roman" panose="02020603050405020304" pitchFamily="18" charset="0"/>
+                      </a:endParaRPr>
+                    </a:p>
+                  </a:txBody>
+                  <a:tcPr marL="47529" marR="47529" marT="0" marB="0" anchor="ctr"/>
+                </a:tc>
+                <a:extLst>
+                  <a:ext uri="{0D108BD9-81ED-4DB2-BD59-A6C34878D82A}">
+                    <a16:rowId xmlns:a16="http://schemas.microsoft.com/office/drawing/2014/main" val="296765691"/>
+                  </a:ext>
+                </a:extLst>
+              </a:tr>
+              <a:tr h="1447880">
+                <a:tc>
+                  <a:txBody>
+                    <a:bodyPr/>
+                    <a:lstStyle/>
+                    <a:p>
+                      <a:pPr algn="ctr">
+                        <a:lnSpc>
+                          <a:spcPct val="107000"/>
+                        </a:lnSpc>
+                        <a:spcAft>
+                          <a:spcPts val="0"/>
+                        </a:spcAft>
+                      </a:pPr>
+                      <a:r>
+                        <a:rPr lang="en-US" sz="800" dirty="0">
+                          <a:effectLst/>
+                        </a:rPr>
+                        <a:t>Project n°2</a:t>
+                      </a:r>
+                      <a:endParaRPr lang="en-US" sz="800" dirty="0">
+                        <a:effectLst/>
+                        <a:latin typeface="Calibri" panose="020F0502020204030204" pitchFamily="34" charset="0"/>
+                        <a:ea typeface="Calibri" panose="020F0502020204030204" pitchFamily="34" charset="0"/>
+                        <a:cs typeface="Times New Roman" panose="02020603050405020304" pitchFamily="18" charset="0"/>
+                      </a:endParaRPr>
+                    </a:p>
+                  </a:txBody>
+                  <a:tcPr marL="47529" marR="47529" marT="0" marB="0" anchor="ctr"/>
+                </a:tc>
+                <a:tc>
+                  <a:txBody>
+                    <a:bodyPr/>
+                    <a:lstStyle/>
+                    <a:p>
+                      <a:pPr marL="342900" lvl="0" indent="-342900" algn="l">
+                        <a:lnSpc>
+                          <a:spcPct val="107000"/>
+                        </a:lnSpc>
+                        <a:spcAft>
+                          <a:spcPts val="0"/>
+                        </a:spcAft>
+                        <a:buFont typeface="Symbol" panose="05050102010706020507" pitchFamily="18" charset="2"/>
+                        <a:buChar char=""/>
+                      </a:pPr>
+                      <a:r>
+                        <a:rPr lang="en-US" sz="800" dirty="0">
+                          <a:effectLst/>
+                        </a:rPr>
+                        <a:t>Documentation already exists </a:t>
+                      </a:r>
+                      <a:endParaRPr lang="en-US" sz="800" dirty="0">
+                        <a:effectLst/>
+                        <a:latin typeface="Calibri" panose="020F0502020204030204" pitchFamily="34" charset="0"/>
+                        <a:ea typeface="Calibri" panose="020F0502020204030204" pitchFamily="34" charset="0"/>
+                        <a:cs typeface="Times New Roman" panose="02020603050405020304" pitchFamily="18" charset="0"/>
+                      </a:endParaRPr>
+                    </a:p>
+                  </a:txBody>
+                  <a:tcPr marL="47529" marR="47529" marT="0" marB="0" anchor="ctr"/>
+                </a:tc>
+                <a:tc>
+                  <a:txBody>
+                    <a:bodyPr/>
+                    <a:lstStyle/>
+                    <a:p>
+                      <a:pPr marL="342900" lvl="0" indent="-342900" algn="l">
+                        <a:lnSpc>
+                          <a:spcPct val="107000"/>
+                        </a:lnSpc>
+                        <a:spcAft>
+                          <a:spcPts val="0"/>
+                        </a:spcAft>
+                        <a:buFont typeface="Symbol" panose="05050102010706020507" pitchFamily="18" charset="2"/>
+                        <a:buChar char=""/>
+                      </a:pPr>
+                      <a:r>
+                        <a:rPr lang="en-US" sz="800" dirty="0">
+                          <a:effectLst/>
+                        </a:rPr>
+                        <a:t>Seems really hard to start with analog ASIC</a:t>
+                      </a:r>
+                    </a:p>
+                    <a:p>
+                      <a:pPr marL="342900" lvl="0" indent="-342900" algn="l">
+                        <a:lnSpc>
+                          <a:spcPct val="107000"/>
+                        </a:lnSpc>
+                        <a:spcAft>
+                          <a:spcPts val="0"/>
+                        </a:spcAft>
+                        <a:buFont typeface="Symbol" panose="05050102010706020507" pitchFamily="18" charset="2"/>
+                        <a:buChar char=""/>
+                      </a:pPr>
+                      <a:r>
+                        <a:rPr lang="en-US" sz="800" dirty="0">
+                          <a:effectLst/>
+                        </a:rPr>
+                        <a:t>Not the more interesting in terms of technical challenge </a:t>
+                      </a:r>
+                      <a:endParaRPr lang="en-US" sz="800" dirty="0">
+                        <a:effectLst/>
+                        <a:latin typeface="Calibri" panose="020F0502020204030204" pitchFamily="34" charset="0"/>
+                        <a:ea typeface="Calibri" panose="020F0502020204030204" pitchFamily="34" charset="0"/>
+                        <a:cs typeface="Times New Roman" panose="02020603050405020304" pitchFamily="18" charset="0"/>
+                      </a:endParaRPr>
+                    </a:p>
+                  </a:txBody>
+                  <a:tcPr marL="47529" marR="47529" marT="0" marB="0" anchor="ctr"/>
+                </a:tc>
+                <a:tc>
+                  <a:txBody>
+                    <a:bodyPr/>
+                    <a:lstStyle/>
+                    <a:p>
+                      <a:pPr algn="l">
+                        <a:lnSpc>
+                          <a:spcPct val="107000"/>
+                        </a:lnSpc>
+                        <a:spcAft>
+                          <a:spcPts val="0"/>
+                        </a:spcAft>
+                      </a:pPr>
+                      <a:r>
+                        <a:rPr lang="en-US" sz="800" dirty="0">
+                          <a:effectLst/>
+                        </a:rPr>
+                        <a:t> </a:t>
+                      </a:r>
+                      <a:endParaRPr lang="en-US" sz="800" dirty="0">
+                        <a:effectLst/>
+                        <a:latin typeface="Calibri" panose="020F0502020204030204" pitchFamily="34" charset="0"/>
+                        <a:ea typeface="Calibri" panose="020F0502020204030204" pitchFamily="34" charset="0"/>
+                        <a:cs typeface="Times New Roman" panose="02020603050405020304" pitchFamily="18" charset="0"/>
+                      </a:endParaRPr>
+                    </a:p>
+                  </a:txBody>
+                  <a:tcPr marL="47529" marR="47529" marT="0" marB="0" anchor="ctr"/>
+                </a:tc>
+                <a:extLst>
+                  <a:ext uri="{0D108BD9-81ED-4DB2-BD59-A6C34878D82A}">
+                    <a16:rowId xmlns:a16="http://schemas.microsoft.com/office/drawing/2014/main" val="3664959610"/>
+                  </a:ext>
+                </a:extLst>
+              </a:tr>
+              <a:tr h="1224375">
+                <a:tc>
+                  <a:txBody>
+                    <a:bodyPr/>
+                    <a:lstStyle/>
+                    <a:p>
+                      <a:pPr algn="ctr">
+                        <a:lnSpc>
+                          <a:spcPct val="107000"/>
+                        </a:lnSpc>
+                        <a:spcAft>
+                          <a:spcPts val="0"/>
+                        </a:spcAft>
+                      </a:pPr>
+                      <a:r>
+                        <a:rPr lang="en-US" sz="800" dirty="0">
+                          <a:effectLst/>
+                        </a:rPr>
+                        <a:t>Project n°3</a:t>
+                      </a:r>
+                      <a:endParaRPr lang="en-US" sz="800" dirty="0">
+                        <a:effectLst/>
+                        <a:latin typeface="Calibri" panose="020F0502020204030204" pitchFamily="34" charset="0"/>
+                        <a:ea typeface="Calibri" panose="020F0502020204030204" pitchFamily="34" charset="0"/>
+                        <a:cs typeface="Times New Roman" panose="02020603050405020304" pitchFamily="18" charset="0"/>
+                      </a:endParaRPr>
+                    </a:p>
+                  </a:txBody>
+                  <a:tcPr marL="47529" marR="47529" marT="0" marB="0" anchor="ctr"/>
+                </a:tc>
+                <a:tc>
+                  <a:txBody>
+                    <a:bodyPr/>
+                    <a:lstStyle/>
+                    <a:p>
+                      <a:pPr marL="342900" lvl="0" indent="-342900" algn="l">
+                        <a:lnSpc>
+                          <a:spcPct val="107000"/>
+                        </a:lnSpc>
+                        <a:spcAft>
+                          <a:spcPts val="0"/>
+                        </a:spcAft>
+                        <a:buFont typeface="Symbol" panose="05050102010706020507" pitchFamily="18" charset="2"/>
+                        <a:buChar char=""/>
+                      </a:pPr>
+                      <a:r>
+                        <a:rPr lang="en-US" sz="800" dirty="0">
+                          <a:effectLst/>
+                        </a:rPr>
+                        <a:t>Interesting in quantities</a:t>
+                      </a:r>
+                    </a:p>
+                    <a:p>
+                      <a:pPr marL="342900" lvl="0" indent="-342900" algn="l">
+                        <a:lnSpc>
+                          <a:spcPct val="107000"/>
+                        </a:lnSpc>
+                        <a:spcAft>
+                          <a:spcPts val="0"/>
+                        </a:spcAft>
+                        <a:buFont typeface="Symbol" panose="05050102010706020507" pitchFamily="18" charset="2"/>
+                        <a:buChar char=""/>
+                      </a:pPr>
+                      <a:r>
+                        <a:rPr lang="en-US" sz="800" dirty="0">
+                          <a:effectLst/>
+                        </a:rPr>
+                        <a:t>Need further study to identify a circuit part to convert in ASIC but seems possible in </a:t>
+                      </a:r>
+                      <a:r>
+                        <a:rPr lang="en-US" sz="800" dirty="0" smtClean="0">
+                          <a:effectLst/>
+                        </a:rPr>
+                        <a:t>2years and interesting</a:t>
+                      </a:r>
+                      <a:r>
+                        <a:rPr lang="en-US" sz="800" baseline="0" dirty="0" smtClean="0">
+                          <a:effectLst/>
+                        </a:rPr>
+                        <a:t> too to develop analog ASIC and electronic competences.</a:t>
+                      </a:r>
+                      <a:endParaRPr lang="en-US" sz="800" dirty="0">
+                        <a:effectLst/>
+                        <a:latin typeface="Calibri" panose="020F0502020204030204" pitchFamily="34" charset="0"/>
+                        <a:ea typeface="Calibri" panose="020F0502020204030204" pitchFamily="34" charset="0"/>
+                        <a:cs typeface="Times New Roman" panose="02020603050405020304" pitchFamily="18" charset="0"/>
+                      </a:endParaRPr>
+                    </a:p>
+                  </a:txBody>
+                  <a:tcPr marL="47529" marR="47529" marT="0" marB="0" anchor="ctr"/>
+                </a:tc>
+                <a:tc>
+                  <a:txBody>
+                    <a:bodyPr/>
+                    <a:lstStyle/>
+                    <a:p>
+                      <a:pPr algn="l">
+                        <a:lnSpc>
+                          <a:spcPct val="107000"/>
+                        </a:lnSpc>
+                        <a:spcAft>
+                          <a:spcPts val="0"/>
+                        </a:spcAft>
+                      </a:pPr>
+                      <a:r>
+                        <a:rPr lang="en-US" sz="800" dirty="0">
+                          <a:effectLst/>
+                        </a:rPr>
+                        <a:t> </a:t>
+                      </a:r>
+                      <a:endParaRPr lang="en-US" sz="800" dirty="0">
+                        <a:effectLst/>
+                        <a:latin typeface="Calibri" panose="020F0502020204030204" pitchFamily="34" charset="0"/>
+                        <a:ea typeface="Calibri" panose="020F0502020204030204" pitchFamily="34" charset="0"/>
+                        <a:cs typeface="Times New Roman" panose="02020603050405020304" pitchFamily="18" charset="0"/>
+                      </a:endParaRPr>
+                    </a:p>
+                  </a:txBody>
+                  <a:tcPr marL="47529" marR="47529" marT="0" marB="0" anchor="ctr"/>
+                </a:tc>
+                <a:tc>
+                  <a:txBody>
+                    <a:bodyPr/>
+                    <a:lstStyle/>
+                    <a:p>
+                      <a:pPr algn="l">
+                        <a:lnSpc>
+                          <a:spcPct val="107000"/>
+                        </a:lnSpc>
+                        <a:spcAft>
+                          <a:spcPts val="0"/>
+                        </a:spcAft>
+                      </a:pPr>
+                      <a:r>
+                        <a:rPr lang="en-US" sz="800" dirty="0">
+                          <a:effectLst/>
+                        </a:rPr>
+                        <a:t> </a:t>
+                      </a:r>
+                      <a:endParaRPr lang="en-US" sz="800" dirty="0">
+                        <a:effectLst/>
+                        <a:latin typeface="Calibri" panose="020F0502020204030204" pitchFamily="34" charset="0"/>
+                        <a:ea typeface="Calibri" panose="020F0502020204030204" pitchFamily="34" charset="0"/>
+                        <a:cs typeface="Times New Roman" panose="02020603050405020304" pitchFamily="18" charset="0"/>
+                      </a:endParaRPr>
+                    </a:p>
+                  </a:txBody>
+                  <a:tcPr marL="47529" marR="47529" marT="0" marB="0" anchor="ctr"/>
+                </a:tc>
+                <a:extLst>
+                  <a:ext uri="{0D108BD9-81ED-4DB2-BD59-A6C34878D82A}">
+                    <a16:rowId xmlns:a16="http://schemas.microsoft.com/office/drawing/2014/main" val="1410742008"/>
+                  </a:ext>
+                </a:extLst>
+              </a:tr>
+            </a:tbl>
+          </a:graphicData>
+        </a:graphic>
+      </p:graphicFrame>
+    </p:spTree>
+    <p:extLst>
+      <p:ext uri="{BB962C8B-B14F-4D97-AF65-F5344CB8AC3E}">
+        <p14:creationId xmlns:p14="http://schemas.microsoft.com/office/powerpoint/2010/main" val="44994310"/>
+      </p:ext>
+    </p:extLst>
+  </p:cSld>
+  <p:clrMapOvr>
+    <a:masterClrMapping/>
+  </p:clrMapOvr>
+  <p:timing>
+    <p:tnLst>
+      <p:par>
+        <p:cTn id="1" dur="indefinite" restart="never" nodeType="tmRoot"/>
+      </p:par>
+    </p:tnLst>
+  </p:timing>
+</p:sld>
+</file>
+
+<file path=ppt/slides/slide7.xml><?xml version="1.0" encoding="utf-8"?>
+<p:sld xmlns:a="http://schemas.openxmlformats.org/drawingml/2006/main" xmlns:r="http://schemas.openxmlformats.org/officeDocument/2006/relationships" xmlns:p="http://schemas.openxmlformats.org/presentationml/2006/main">
+  <p:cSld>
+    <p:spTree>
+      <p:nvGrpSpPr>
+        <p:cNvPr id="1" name=""/>
+        <p:cNvGrpSpPr/>
+        <p:nvPr/>
+      </p:nvGrpSpPr>
+      <p:grpSpPr>
+        <a:xfrm>
+          <a:off x="0" y="0"/>
+          <a:ext cx="0" cy="0"/>
+          <a:chOff x="0" y="0"/>
+          <a:chExt cx="0" cy="0"/>
+        </a:xfrm>
+      </p:grpSpPr>
+      <p:sp>
+        <p:nvSpPr>
+          <p:cNvPr id="3" name="Espace réservé du contenu 2"/>
+          <p:cNvSpPr>
+            <a:spLocks noGrp="1"/>
+          </p:cNvSpPr>
+          <p:nvPr>
+            <p:ph idx="1"/>
+          </p:nvPr>
+        </p:nvSpPr>
+        <p:spPr/>
+        <p:txBody>
+          <a:bodyPr/>
+          <a:lstStyle/>
+          <a:p>
+            <a:r>
+              <a:rPr lang="en-US" dirty="0" smtClean="0"/>
+              <a:t>Studied analog ASIC process with the pdf given by IMS and take notes about that </a:t>
+            </a:r>
+          </a:p>
+          <a:p>
+            <a:r>
+              <a:rPr lang="en-US" dirty="0" smtClean="0"/>
+              <a:t>Choose project and work on it more precisely to clarify technology and cost (IRR,NRE…</a:t>
+            </a:r>
+            <a:r>
+              <a:rPr lang="en-US" dirty="0" err="1" smtClean="0"/>
+              <a:t>etc</a:t>
+            </a:r>
+            <a:r>
+              <a:rPr lang="en-US" dirty="0" smtClean="0"/>
+              <a:t>) subjects </a:t>
+            </a:r>
+            <a:endParaRPr lang="en-US" dirty="0"/>
+          </a:p>
+        </p:txBody>
+      </p:sp>
+      <p:sp>
+        <p:nvSpPr>
+          <p:cNvPr id="4" name="Titre 1"/>
+          <p:cNvSpPr>
+            <a:spLocks noGrp="1"/>
+          </p:cNvSpPr>
+          <p:nvPr>
+            <p:ph type="title"/>
+          </p:nvPr>
+        </p:nvSpPr>
+        <p:spPr>
+          <a:xfrm>
+            <a:off x="677334" y="609600"/>
+            <a:ext cx="8596668" cy="1320800"/>
+          </a:xfrm>
+        </p:spPr>
+        <p:txBody>
+          <a:bodyPr/>
+          <a:lstStyle/>
+          <a:p>
+            <a:r>
+              <a:rPr lang="fr-FR" dirty="0"/>
+              <a:t>6</a:t>
+            </a:r>
+            <a:r>
+              <a:rPr lang="fr-FR" dirty="0" smtClean="0"/>
+              <a:t> – </a:t>
+            </a:r>
+            <a:r>
+              <a:rPr lang="fr-FR" dirty="0" err="1" smtClean="0"/>
+              <a:t>What’s</a:t>
+            </a:r>
+            <a:r>
+              <a:rPr lang="fr-FR" dirty="0" smtClean="0"/>
+              <a:t> </a:t>
+            </a:r>
+            <a:r>
+              <a:rPr lang="fr-FR" dirty="0" err="1" smtClean="0"/>
+              <a:t>next</a:t>
+            </a:r>
+            <a:r>
+              <a:rPr lang="fr-FR" dirty="0" smtClean="0"/>
+              <a:t>? </a:t>
+            </a:r>
+            <a:endParaRPr lang="fr-FR" dirty="0"/>
+          </a:p>
+        </p:txBody>
+      </p:sp>
+    </p:spTree>
+    <p:extLst>
+      <p:ext uri="{BB962C8B-B14F-4D97-AF65-F5344CB8AC3E}">
+        <p14:creationId xmlns:p14="http://schemas.microsoft.com/office/powerpoint/2010/main" val="1508310984"/>
+      </p:ext>
+    </p:extLst>
+  </p:cSld>
+  <p:clrMapOvr>
+    <a:masterClrMapping/>
+  </p:clrMapOvr>
+  <p:timing>
+    <p:tnLst>
+      <p:par>
+        <p:cTn id="1" dur="indefinite" restart="never" nodeType="tmRoot"/>
+      </p:par>
+    </p:tnLst>
+  </p:timing>
 </p:sld>
 </file>
 
 <file path=ppt/theme/theme1.xml><?xml version="1.0" encoding="utf-8"?>
-<a:theme xmlns:a="http://schemas.openxmlformats.org/drawingml/2006/main" name="Thème Office">
+<a:theme xmlns:a="http://schemas.openxmlformats.org/drawingml/2006/main" name="Facette">
   <a:themeElements>
-    <a:clrScheme name="Office">
+    <a:clrScheme name="Bleu">
       <a:dk1>
         <a:sysClr val="windowText" lastClr="000000"/>
       </a:dk1>
@@ -3034,52 +8280,52 @@
         <a:sysClr val="window" lastClr="FFFFFF"/>
       </a:lt1>
       <a:dk2>
-        <a:srgbClr val="44546A"/>
+        <a:srgbClr val="17406D"/>
       </a:dk2>
       <a:lt2>
-        <a:srgbClr val="E7E6E6"/>
+        <a:srgbClr val="DBEFF9"/>
       </a:lt2>
       <a:accent1>
-        <a:srgbClr val="5B9BD5"/>
+        <a:srgbClr val="0F6FC6"/>
       </a:accent1>
       <a:accent2>
-        <a:srgbClr val="ED7D31"/>
+        <a:srgbClr val="009DD9"/>
       </a:accent2>
       <a:accent3>
-        <a:srgbClr val="A5A5A5"/>
+        <a:srgbClr val="0BD0D9"/>
       </a:accent3>
       <a:accent4>
-        <a:srgbClr val="FFC000"/>
+        <a:srgbClr val="10CF9B"/>
       </a:accent4>
       <a:accent5>
-        <a:srgbClr val="4472C4"/>
+        <a:srgbClr val="7CCA62"/>
       </a:accent5>
       <a:accent6>
-        <a:srgbClr val="70AD47"/>
+        <a:srgbClr val="A5C249"/>
       </a:accent6>
       <a:hlink>
-        <a:srgbClr val="0563C1"/>
+        <a:srgbClr val="F49100"/>
       </a:hlink>
       <a:folHlink>
-        <a:srgbClr val="954F72"/>
+        <a:srgbClr val="85DFD0"/>
       </a:folHlink>
     </a:clrScheme>
-    <a:fontScheme name="Office">
+    <a:fontScheme name="Facette">
       <a:majorFont>
-        <a:latin typeface="Calibri Light" panose="020F0302020204030204"/>
+        <a:latin typeface="Trebuchet MS" panose="020B0603020202020204"/>
         <a:ea typeface=""/>
         <a:cs typeface=""/>
-        <a:font script="Jpan" typeface="游ゴシック Light"/>
+        <a:font script="Jpan" typeface="メイリオ"/>
         <a:font script="Hang" typeface="맑은 고딕"/>
-        <a:font script="Hans" typeface="等线 Light"/>
-        <a:font script="Hant" typeface="新細明體"/>
-        <a:font script="Arab" typeface="Times New Roman"/>
-        <a:font script="Hebr" typeface="Times New Roman"/>
-        <a:font script="Thai" typeface="Angsana New"/>
+        <a:font script="Hans" typeface="方正姚体"/>
+        <a:font script="Hant" typeface="微軟正黑體"/>
+        <a:font script="Arab" typeface="Tahoma"/>
+        <a:font script="Hebr" typeface="Arial"/>
+        <a:font script="Thai" typeface="Cordia New"/>
         <a:font script="Ethi" typeface="Nyala"/>
         <a:font script="Beng" typeface="Vrinda"/>
         <a:font script="Gujr" typeface="Shruti"/>
-        <a:font script="Khmr" typeface="MoolBoran"/>
+        <a:font script="Khmr" typeface="DaunPenh"/>
         <a:font script="Knda" typeface="Tunga"/>
         <a:font script="Guru" typeface="Raavi"/>
         <a:font script="Cans" typeface="Euphemia"/>
@@ -3096,21 +8342,21 @@
         <a:font script="Laoo" typeface="DokChampa"/>
         <a:font script="Sinh" typeface="Iskoola Pota"/>
         <a:font script="Mong" typeface="Mongolian Baiti"/>
-        <a:font script="Viet" typeface="Times New Roman"/>
+        <a:font script="Viet" typeface="Tahoma"/>
         <a:font script="Uigh" typeface="Microsoft Uighur"/>
         <a:font script="Geor" typeface="Sylfaen"/>
       </a:majorFont>
       <a:minorFont>
-        <a:latin typeface="Calibri" panose="020F0502020204030204"/>
+        <a:latin typeface="Trebuchet MS" panose="020B0603020202020204"/>
         <a:ea typeface=""/>
         <a:cs typeface=""/>
-        <a:font script="Jpan" typeface="游ゴシック"/>
-        <a:font script="Hang" typeface="맑은 고딕"/>
-        <a:font script="Hans" typeface="等线"/>
-        <a:font script="Hant" typeface="新細明體"/>
-        <a:font script="Arab" typeface="Arial"/>
-        <a:font script="Hebr" typeface="Arial"/>
-        <a:font script="Thai" typeface="Cordia New"/>
+        <a:font script="Jpan" typeface="メイリオ"/>
+        <a:font script="Hang" typeface="HY그래픽M"/>
+        <a:font script="Hans" typeface="华文新魏"/>
+        <a:font script="Hant" typeface="微軟正黑體"/>
+        <a:font script="Arab" typeface="Tahoma"/>
+        <a:font script="Hebr" typeface="Gisha"/>
+        <a:font script="Thai" typeface="IrisUPC"/>
         <a:font script="Ethi" typeface="Nyala"/>
         <a:font script="Beng" typeface="Vrinda"/>
         <a:font script="Gujr" typeface="Shruti"/>
@@ -3136,7 +8382,7 @@
         <a:font script="Geor" typeface="Sylfaen"/>
       </a:minorFont>
     </a:fontScheme>
-    <a:fmtScheme name="Office">
+    <a:fmtScheme name="Facette">
       <a:fillStyleLst>
         <a:solidFill>
           <a:schemeClr val="phClr"/>
@@ -3145,23 +8391,13 @@
           <a:gsLst>
             <a:gs pos="0">
               <a:schemeClr val="phClr">
+                <a:tint val="65000"/>
                 <a:lumMod val="110000"/>
-                <a:satMod val="105000"/>
-                <a:tint val="67000"/>
               </a:schemeClr>
             </a:gs>
-            <a:gs pos="50000">
+            <a:gs pos="88000">
               <a:schemeClr val="phClr">
-                <a:lumMod val="105000"/>
-                <a:satMod val="103000"/>
-                <a:tint val="73000"/>
-              </a:schemeClr>
-            </a:gs>
-            <a:gs pos="100000">
-              <a:schemeClr val="phClr">
-                <a:lumMod val="105000"/>
-                <a:satMod val="109000"/>
-                <a:tint val="81000"/>
+                <a:tint val="90000"/>
               </a:schemeClr>
             </a:gs>
           </a:gsLst>
@@ -3171,23 +8407,14 @@
           <a:gsLst>
             <a:gs pos="0">
               <a:schemeClr val="phClr">
-                <a:satMod val="103000"/>
-                <a:lumMod val="102000"/>
-                <a:tint val="94000"/>
+                <a:tint val="96000"/>
+                <a:lumMod val="100000"/>
               </a:schemeClr>
             </a:gs>
-            <a:gs pos="50000">
+            <a:gs pos="78000">
               <a:schemeClr val="phClr">
-                <a:satMod val="110000"/>
-                <a:lumMod val="100000"/>
-                <a:shade val="100000"/>
-              </a:schemeClr>
-            </a:gs>
-            <a:gs pos="100000">
-              <a:schemeClr val="phClr">
-                <a:lumMod val="99000"/>
-                <a:satMod val="120000"/>
-                <a:shade val="78000"/>
+                <a:shade val="94000"/>
+                <a:lumMod val="94000"/>
               </a:schemeClr>
             </a:gs>
           </a:gsLst>
@@ -3195,26 +8422,23 @@
         </a:gradFill>
       </a:fillStyleLst>
       <a:lnStyleLst>
-        <a:ln w="6350" cap="flat" cmpd="sng" algn="ctr">
+        <a:ln w="12700" cap="rnd" cmpd="sng" algn="ctr">
           <a:solidFill>
             <a:schemeClr val="phClr"/>
           </a:solidFill>
           <a:prstDash val="solid"/>
-          <a:miter lim="800000"/>
         </a:ln>
-        <a:ln w="12700" cap="flat" cmpd="sng" algn="ctr">
+        <a:ln w="19050" cap="rnd" cmpd="sng" algn="ctr">
           <a:solidFill>
             <a:schemeClr val="phClr"/>
           </a:solidFill>
           <a:prstDash val="solid"/>
-          <a:miter lim="800000"/>
         </a:ln>
-        <a:ln w="19050" cap="flat" cmpd="sng" algn="ctr">
+        <a:ln w="25400" cap="rnd" cmpd="sng" algn="ctr">
           <a:solidFill>
             <a:schemeClr val="phClr"/>
           </a:solidFill>
           <a:prstDash val="solid"/>
-          <a:miter lim="800000"/>
         </a:ln>
       </a:lnStyleLst>
       <a:effectStyleLst>
@@ -3222,54 +8446,72 @@
           <a:effectLst/>
         </a:effectStyle>
         <a:effectStyle>
-          <a:effectLst/>
+          <a:effectLst>
+            <a:outerShdw blurRad="38100" dist="25400" dir="5400000" rotWithShape="0">
+              <a:srgbClr val="000000">
+                <a:alpha val="35000"/>
+              </a:srgbClr>
+            </a:outerShdw>
+          </a:effectLst>
         </a:effectStyle>
         <a:effectStyle>
           <a:effectLst>
-            <a:outerShdw blurRad="57150" dist="19050" dir="5400000" algn="ctr" rotWithShape="0">
+            <a:outerShdw blurRad="50800" dist="38100" dir="5400000" rotWithShape="0">
               <a:srgbClr val="000000">
-                <a:alpha val="63000"/>
+                <a:alpha val="35000"/>
               </a:srgbClr>
             </a:outerShdw>
           </a:effectLst>
+          <a:scene3d>
+            <a:camera prst="orthographicFront">
+              <a:rot lat="0" lon="0" rev="0"/>
+            </a:camera>
+            <a:lightRig rig="threePt" dir="tl"/>
+          </a:scene3d>
+          <a:sp3d prstMaterial="plastic">
+            <a:bevelT w="0" h="0"/>
+          </a:sp3d>
         </a:effectStyle>
       </a:effectStyleLst>
       <a:bgFillStyleLst>
         <a:solidFill>
           <a:schemeClr val="phClr"/>
         </a:solidFill>
-        <a:solidFill>
-          <a:schemeClr val="phClr">
-            <a:tint val="95000"/>
-            <a:satMod val="170000"/>
-          </a:schemeClr>
-        </a:solidFill>
         <a:gradFill rotWithShape="1">
           <a:gsLst>
             <a:gs pos="0">
               <a:schemeClr val="phClr">
-                <a:tint val="93000"/>
-                <a:satMod val="150000"/>
-                <a:shade val="98000"/>
-                <a:lumMod val="102000"/>
+                <a:tint val="90000"/>
+                <a:lumMod val="104000"/>
               </a:schemeClr>
             </a:gs>
-            <a:gs pos="50000">
+            <a:gs pos="94000">
               <a:schemeClr val="phClr">
-                <a:tint val="98000"/>
-                <a:satMod val="130000"/>
-                <a:shade val="90000"/>
-                <a:lumMod val="103000"/>
+                <a:shade val="96000"/>
+                <a:lumMod val="82000"/>
+              </a:schemeClr>
+            </a:gs>
+          </a:gsLst>
+          <a:lin ang="5400000" scaled="0"/>
+        </a:gradFill>
+        <a:gradFill rotWithShape="1">
+          <a:gsLst>
+            <a:gs pos="0">
+              <a:schemeClr val="phClr">
+                <a:tint val="90000"/>
+                <a:lumMod val="110000"/>
               </a:schemeClr>
             </a:gs>
             <a:gs pos="100000">
               <a:schemeClr val="phClr">
-                <a:shade val="63000"/>
-                <a:satMod val="120000"/>
+                <a:shade val="94000"/>
+                <a:lumMod val="96000"/>
               </a:schemeClr>
             </a:gs>
           </a:gsLst>
-          <a:lin ang="5400000" scaled="0"/>
+          <a:path path="circle">
+            <a:fillToRect l="50000" t="50000" r="100000" b="100000"/>
+          </a:path>
         </a:gradFill>
       </a:bgFillStyleLst>
     </a:fmtScheme>
@@ -3278,7 +8520,7 @@
   <a:extraClrSchemeLst/>
   <a:extLst>
     <a:ext uri="{05A4C25C-085E-4340-85A3-A5531E510DB2}">
-      <thm15:themeFamily xmlns:thm15="http://schemas.microsoft.com/office/thememl/2012/main" name="Office Theme" id="{62F939B6-93AF-4DB8-9C6B-D6C7DFDC589F}" vid="{4A3C46E8-61CC-4603-A589-7422A47A8E4A}"/>
+      <thm15:themeFamily xmlns:thm15="http://schemas.microsoft.com/office/thememl/2012/main" name="Facet" id="{C0C680CD-088A-49FC-A102-D699147F32B2}" vid="{23659B44-6E34-4CE8-8F0D-387DA7996826}"/>
     </a:ext>
   </a:extLst>
 </a:theme>
